--- a/Results/model evaluation.pptx
+++ b/Results/model evaluation.pptx
@@ -7,10 +7,18 @@
   <p:sldIdLst>
     <p:sldId id="262" r:id="rId2"/>
     <p:sldId id="263" r:id="rId3"/>
-    <p:sldId id="264" r:id="rId4"/>
-    <p:sldId id="261" r:id="rId5"/>
-    <p:sldId id="258" r:id="rId6"/>
-    <p:sldId id="259" r:id="rId7"/>
+    <p:sldId id="274" r:id="rId4"/>
+    <p:sldId id="264" r:id="rId5"/>
+    <p:sldId id="265" r:id="rId6"/>
+    <p:sldId id="266" r:id="rId7"/>
+    <p:sldId id="268" r:id="rId8"/>
+    <p:sldId id="258" r:id="rId9"/>
+    <p:sldId id="259" r:id="rId10"/>
+    <p:sldId id="269" r:id="rId11"/>
+    <p:sldId id="270" r:id="rId12"/>
+    <p:sldId id="271" r:id="rId13"/>
+    <p:sldId id="272" r:id="rId14"/>
+    <p:sldId id="273" r:id="rId15"/>
   </p:sldIdLst>
   <p:sldSz cx="9144000" cy="5143500" type="screen16x9"/>
   <p:notesSz cx="6858000" cy="9144000"/>
@@ -293,7 +301,7 @@
           <a:p>
             <a:fld id="{305350B6-5EB0-4831-B121-12764FDF605F}" type="datetimeFigureOut">
               <a:rPr lang="en-US" smtClean="0"/>
-              <a:t>3/7/2013</a:t>
+              <a:t>3/8/2013</a:t>
             </a:fld>
             <a:endParaRPr lang="en-US"/>
           </a:p>
@@ -463,7 +471,7 @@
           <a:p>
             <a:fld id="{305350B6-5EB0-4831-B121-12764FDF605F}" type="datetimeFigureOut">
               <a:rPr lang="en-US" smtClean="0"/>
-              <a:t>3/7/2013</a:t>
+              <a:t>3/8/2013</a:t>
             </a:fld>
             <a:endParaRPr lang="en-US"/>
           </a:p>
@@ -643,7 +651,7 @@
           <a:p>
             <a:fld id="{305350B6-5EB0-4831-B121-12764FDF605F}" type="datetimeFigureOut">
               <a:rPr lang="en-US" smtClean="0"/>
-              <a:t>3/7/2013</a:t>
+              <a:t>3/8/2013</a:t>
             </a:fld>
             <a:endParaRPr lang="en-US"/>
           </a:p>
@@ -813,7 +821,7 @@
           <a:p>
             <a:fld id="{305350B6-5EB0-4831-B121-12764FDF605F}" type="datetimeFigureOut">
               <a:rPr lang="en-US" smtClean="0"/>
-              <a:t>3/7/2013</a:t>
+              <a:t>3/8/2013</a:t>
             </a:fld>
             <a:endParaRPr lang="en-US"/>
           </a:p>
@@ -1059,7 +1067,7 @@
           <a:p>
             <a:fld id="{305350B6-5EB0-4831-B121-12764FDF605F}" type="datetimeFigureOut">
               <a:rPr lang="en-US" smtClean="0"/>
-              <a:t>3/7/2013</a:t>
+              <a:t>3/8/2013</a:t>
             </a:fld>
             <a:endParaRPr lang="en-US"/>
           </a:p>
@@ -1347,7 +1355,7 @@
           <a:p>
             <a:fld id="{305350B6-5EB0-4831-B121-12764FDF605F}" type="datetimeFigureOut">
               <a:rPr lang="en-US" smtClean="0"/>
-              <a:t>3/7/2013</a:t>
+              <a:t>3/8/2013</a:t>
             </a:fld>
             <a:endParaRPr lang="en-US"/>
           </a:p>
@@ -1774,7 +1782,7 @@
           <a:p>
             <a:fld id="{305350B6-5EB0-4831-B121-12764FDF605F}" type="datetimeFigureOut">
               <a:rPr lang="en-US" smtClean="0"/>
-              <a:t>3/7/2013</a:t>
+              <a:t>3/8/2013</a:t>
             </a:fld>
             <a:endParaRPr lang="en-US"/>
           </a:p>
@@ -1892,7 +1900,7 @@
           <a:p>
             <a:fld id="{305350B6-5EB0-4831-B121-12764FDF605F}" type="datetimeFigureOut">
               <a:rPr lang="en-US" smtClean="0"/>
-              <a:t>3/7/2013</a:t>
+              <a:t>3/8/2013</a:t>
             </a:fld>
             <a:endParaRPr lang="en-US"/>
           </a:p>
@@ -1987,7 +1995,7 @@
           <a:p>
             <a:fld id="{305350B6-5EB0-4831-B121-12764FDF605F}" type="datetimeFigureOut">
               <a:rPr lang="en-US" smtClean="0"/>
-              <a:t>3/7/2013</a:t>
+              <a:t>3/8/2013</a:t>
             </a:fld>
             <a:endParaRPr lang="en-US"/>
           </a:p>
@@ -2264,7 +2272,7 @@
           <a:p>
             <a:fld id="{305350B6-5EB0-4831-B121-12764FDF605F}" type="datetimeFigureOut">
               <a:rPr lang="en-US" smtClean="0"/>
-              <a:t>3/7/2013</a:t>
+              <a:t>3/8/2013</a:t>
             </a:fld>
             <a:endParaRPr lang="en-US"/>
           </a:p>
@@ -2517,7 +2525,7 @@
           <a:p>
             <a:fld id="{305350B6-5EB0-4831-B121-12764FDF605F}" type="datetimeFigureOut">
               <a:rPr lang="en-US" smtClean="0"/>
-              <a:t>3/7/2013</a:t>
+              <a:t>3/8/2013</a:t>
             </a:fld>
             <a:endParaRPr lang="en-US"/>
           </a:p>
@@ -2730,7 +2738,7 @@
           <a:p>
             <a:fld id="{305350B6-5EB0-4831-B121-12764FDF605F}" type="datetimeFigureOut">
               <a:rPr lang="en-US" smtClean="0"/>
-              <a:t>3/7/2013</a:t>
+              <a:t>3/8/2013</a:t>
             </a:fld>
             <a:endParaRPr lang="en-US"/>
           </a:p>
@@ -3157,7 +3165,7 @@
           <a:graphicData uri="http://schemas.openxmlformats.org/presentationml/2006/ole">
             <mc:AlternateContent xmlns:mc="http://schemas.openxmlformats.org/markup-compatibility/2006">
               <mc:Choice xmlns:v="urn:schemas-microsoft-com:vml" Requires="v">
-                <p:oleObj spid="_x0000_s11274" name="Equation" r:id="rId4" imgW="3111480" imgH="1396800" progId="Equation.DSMT4">
+                <p:oleObj spid="_x0000_s11294" name="Equation" r:id="rId4" imgW="3111480" imgH="1396800" progId="Equation.DSMT4">
                   <p:embed/>
                 </p:oleObj>
               </mc:Choice>
@@ -3214,7 +3222,7 @@
           <a:graphicData uri="http://schemas.openxmlformats.org/presentationml/2006/ole">
             <mc:AlternateContent xmlns:mc="http://schemas.openxmlformats.org/markup-compatibility/2006">
               <mc:Choice xmlns:v="urn:schemas-microsoft-com:vml" Requires="v">
-                <p:oleObj spid="_x0000_s11275" name="Equation" r:id="rId6" imgW="2755800" imgH="2311200" progId="Equation.DSMT4">
+                <p:oleObj spid="_x0000_s11295" name="Equation" r:id="rId6" imgW="2755800" imgH="2311200" progId="Equation.DSMT4">
                   <p:embed/>
                 </p:oleObj>
               </mc:Choice>
@@ -3278,7 +3286,7 @@
           <a:graphicData uri="http://schemas.openxmlformats.org/presentationml/2006/ole">
             <mc:AlternateContent xmlns:mc="http://schemas.openxmlformats.org/markup-compatibility/2006">
               <mc:Choice xmlns:v="urn:schemas-microsoft-com:vml" Requires="v">
-                <p:oleObj spid="_x0000_s11276" name="Equation" r:id="rId8" imgW="2857320" imgH="888840" progId="Equation.DSMT4">
+                <p:oleObj spid="_x0000_s11296" name="Equation" r:id="rId8" imgW="2857320" imgH="888840" progId="Equation.DSMT4">
                   <p:embed/>
                 </p:oleObj>
               </mc:Choice>
@@ -3365,7 +3373,7 @@
           <a:graphicData uri="http://schemas.openxmlformats.org/presentationml/2006/ole">
             <mc:AlternateContent xmlns:mc="http://schemas.openxmlformats.org/markup-compatibility/2006">
               <mc:Choice xmlns:v="urn:schemas-microsoft-com:vml" Requires="v">
-                <p:oleObj spid="_x0000_s11277" name="Equation" r:id="rId11" imgW="2197080" imgH="1854000" progId="Equation.DSMT4">
+                <p:oleObj spid="_x0000_s11297" name="Equation" r:id="rId11" imgW="2197080" imgH="1854000" progId="Equation.DSMT4">
                   <p:embed/>
                 </p:oleObj>
               </mc:Choice>
@@ -3516,10 +3524,1703 @@
           </a:p>
         </p:txBody>
       </p:sp>
+      <p:pic>
+        <p:nvPicPr>
+          <p:cNvPr id="11" name="Picture 10"/>
+          <p:cNvPicPr>
+            <a:picLocks noChangeAspect="1"/>
+          </p:cNvPicPr>
+          <p:nvPr/>
+        </p:nvPicPr>
+        <p:blipFill>
+          <a:blip r:embed="rId13" cstate="print">
+            <a:extLst>
+              <a:ext uri="{28A0092B-C50C-407E-A947-70E740481C1C}">
+                <a14:useLocalDpi xmlns:a14="http://schemas.microsoft.com/office/drawing/2010/main" val="0"/>
+              </a:ext>
+            </a:extLst>
+          </a:blip>
+          <a:stretch>
+            <a:fillRect/>
+          </a:stretch>
+        </p:blipFill>
+        <p:spPr>
+          <a:xfrm>
+            <a:off x="3791605" y="3181350"/>
+            <a:ext cx="3676582" cy="1304408"/>
+          </a:xfrm>
+          <a:prstGeom prst="rect">
+            <a:avLst/>
+          </a:prstGeom>
+        </p:spPr>
+      </p:pic>
+      <p:pic>
+        <p:nvPicPr>
+          <p:cNvPr id="12" name="Picture 11"/>
+          <p:cNvPicPr>
+            <a:picLocks noChangeAspect="1"/>
+          </p:cNvPicPr>
+          <p:nvPr/>
+        </p:nvPicPr>
+        <p:blipFill>
+          <a:blip r:embed="rId14" cstate="print">
+            <a:extLst>
+              <a:ext uri="{28A0092B-C50C-407E-A947-70E740481C1C}">
+                <a14:useLocalDpi xmlns:a14="http://schemas.microsoft.com/office/drawing/2010/main" val="0"/>
+              </a:ext>
+            </a:extLst>
+          </a:blip>
+          <a:stretch>
+            <a:fillRect/>
+          </a:stretch>
+        </p:blipFill>
+        <p:spPr>
+          <a:xfrm>
+            <a:off x="3733800" y="1650734"/>
+            <a:ext cx="3792192" cy="1357903"/>
+          </a:xfrm>
+          <a:prstGeom prst="rect">
+            <a:avLst/>
+          </a:prstGeom>
+        </p:spPr>
+      </p:pic>
     </p:spTree>
     <p:extLst>
       <p:ext uri="{BB962C8B-B14F-4D97-AF65-F5344CB8AC3E}">
         <p14:creationId xmlns:p14="http://schemas.microsoft.com/office/powerpoint/2010/main" val="2649048089"/>
+      </p:ext>
+    </p:extLst>
+  </p:cSld>
+  <p:clrMapOvr>
+    <a:masterClrMapping/>
+  </p:clrMapOvr>
+  <p:timing>
+    <p:tnLst>
+      <p:par>
+        <p:cTn id="1" dur="indefinite" restart="never" nodeType="tmRoot"/>
+      </p:par>
+    </p:tnLst>
+  </p:timing>
+</p:sld>
+</file>
+
+<file path=ppt/slides/slide10.xml><?xml version="1.0" encoding="utf-8"?>
+<p:sld xmlns:a="http://schemas.openxmlformats.org/drawingml/2006/main" xmlns:r="http://schemas.openxmlformats.org/officeDocument/2006/relationships" xmlns:p="http://schemas.openxmlformats.org/presentationml/2006/main">
+  <p:cSld>
+    <p:spTree>
+      <p:nvGrpSpPr>
+        <p:cNvPr id="1" name=""/>
+        <p:cNvGrpSpPr/>
+        <p:nvPr/>
+      </p:nvGrpSpPr>
+      <p:grpSpPr>
+        <a:xfrm>
+          <a:off x="0" y="0"/>
+          <a:ext cx="0" cy="0"/>
+          <a:chOff x="0" y="0"/>
+          <a:chExt cx="0" cy="0"/>
+        </a:xfrm>
+      </p:grpSpPr>
+      <p:pic>
+        <p:nvPicPr>
+          <p:cNvPr id="4" name="Picture 3"/>
+          <p:cNvPicPr>
+            <a:picLocks noChangeAspect="1"/>
+          </p:cNvPicPr>
+          <p:nvPr/>
+        </p:nvPicPr>
+        <p:blipFill>
+          <a:blip r:embed="rId3">
+            <a:extLst>
+              <a:ext uri="{28A0092B-C50C-407E-A947-70E740481C1C}">
+                <a14:useLocalDpi xmlns:a14="http://schemas.microsoft.com/office/drawing/2010/main" val="0"/>
+              </a:ext>
+            </a:extLst>
+          </a:blip>
+          <a:stretch>
+            <a:fillRect/>
+          </a:stretch>
+        </p:blipFill>
+        <p:spPr>
+          <a:xfrm>
+            <a:off x="61332" y="1639139"/>
+            <a:ext cx="9021335" cy="1865222"/>
+          </a:xfrm>
+          <a:prstGeom prst="rect">
+            <a:avLst/>
+          </a:prstGeom>
+        </p:spPr>
+      </p:pic>
+      <p:graphicFrame>
+        <p:nvGraphicFramePr>
+          <p:cNvPr id="5" name="Object 4"/>
+          <p:cNvGraphicFramePr>
+            <a:graphicFrameLocks noChangeAspect="1"/>
+          </p:cNvGraphicFramePr>
+          <p:nvPr>
+            <p:extLst>
+              <p:ext uri="{D42A27DB-BD31-4B8C-83A1-F6EECF244321}">
+                <p14:modId xmlns:p14="http://schemas.microsoft.com/office/powerpoint/2010/main" val="1696976558"/>
+              </p:ext>
+            </p:extLst>
+          </p:nvPr>
+        </p:nvGraphicFramePr>
+        <p:xfrm>
+          <a:off x="3505200" y="133350"/>
+          <a:ext cx="1990437" cy="1438275"/>
+        </p:xfrm>
+        <a:graphic>
+          <a:graphicData uri="http://schemas.openxmlformats.org/presentationml/2006/ole">
+            <mc:AlternateContent xmlns:mc="http://schemas.openxmlformats.org/markup-compatibility/2006">
+              <mc:Choice xmlns:v="urn:schemas-microsoft-com:vml" Requires="v">
+                <p:oleObj spid="_x0000_s18440" name="Equation" r:id="rId4" imgW="2197080" imgH="1587240" progId="Equation.DSMT4">
+                  <p:embed/>
+                </p:oleObj>
+              </mc:Choice>
+              <mc:Fallback>
+                <p:oleObj name="Equation" r:id="rId4" imgW="2197080" imgH="1587240" progId="Equation.DSMT4">
+                  <p:embed/>
+                  <p:pic>
+                    <p:nvPicPr>
+                      <p:cNvPr id="0" name=""/>
+                      <p:cNvPicPr>
+                        <a:picLocks noChangeAspect="1" noChangeArrowheads="1"/>
+                      </p:cNvPicPr>
+                      <p:nvPr/>
+                    </p:nvPicPr>
+                    <p:blipFill>
+                      <a:blip r:embed="rId5"/>
+                      <a:srcRect/>
+                      <a:stretch>
+                        <a:fillRect/>
+                      </a:stretch>
+                    </p:blipFill>
+                    <p:spPr bwMode="auto">
+                      <a:xfrm>
+                        <a:off x="3505200" y="133350"/>
+                        <a:ext cx="1990437" cy="1438275"/>
+                      </a:xfrm>
+                      <a:prstGeom prst="rect">
+                        <a:avLst/>
+                      </a:prstGeom>
+                      <a:noFill/>
+                      <a:ln>
+                        <a:noFill/>
+                      </a:ln>
+                    </p:spPr>
+                  </p:pic>
+                </p:oleObj>
+              </mc:Fallback>
+            </mc:AlternateContent>
+          </a:graphicData>
+        </a:graphic>
+      </p:graphicFrame>
+      <p:graphicFrame>
+        <p:nvGraphicFramePr>
+          <p:cNvPr id="6" name="Object 5"/>
+          <p:cNvGraphicFramePr>
+            <a:graphicFrameLocks noChangeAspect="1"/>
+          </p:cNvGraphicFramePr>
+          <p:nvPr>
+            <p:extLst>
+              <p:ext uri="{D42A27DB-BD31-4B8C-83A1-F6EECF244321}">
+                <p14:modId xmlns:p14="http://schemas.microsoft.com/office/powerpoint/2010/main" val="3171031484"/>
+              </p:ext>
+            </p:extLst>
+          </p:nvPr>
+        </p:nvGraphicFramePr>
+        <p:xfrm>
+          <a:off x="6769100" y="133350"/>
+          <a:ext cx="1254125" cy="1438275"/>
+        </p:xfrm>
+        <a:graphic>
+          <a:graphicData uri="http://schemas.openxmlformats.org/presentationml/2006/ole">
+            <mc:AlternateContent xmlns:mc="http://schemas.openxmlformats.org/markup-compatibility/2006">
+              <mc:Choice xmlns:v="urn:schemas-microsoft-com:vml" Requires="v">
+                <p:oleObj spid="_x0000_s18441" name="Equation" r:id="rId6" imgW="1384200" imgH="1587240" progId="Equation.DSMT4">
+                  <p:embed/>
+                </p:oleObj>
+              </mc:Choice>
+              <mc:Fallback>
+                <p:oleObj name="Equation" r:id="rId6" imgW="1384200" imgH="1587240" progId="Equation.DSMT4">
+                  <p:embed/>
+                  <p:pic>
+                    <p:nvPicPr>
+                      <p:cNvPr id="0" name=""/>
+                      <p:cNvPicPr>
+                        <a:picLocks noChangeAspect="1" noChangeArrowheads="1"/>
+                      </p:cNvPicPr>
+                      <p:nvPr/>
+                    </p:nvPicPr>
+                    <p:blipFill>
+                      <a:blip r:embed="rId7"/>
+                      <a:srcRect/>
+                      <a:stretch>
+                        <a:fillRect/>
+                      </a:stretch>
+                    </p:blipFill>
+                    <p:spPr bwMode="auto">
+                      <a:xfrm>
+                        <a:off x="6769100" y="133350"/>
+                        <a:ext cx="1254125" cy="1438275"/>
+                      </a:xfrm>
+                      <a:prstGeom prst="rect">
+                        <a:avLst/>
+                      </a:prstGeom>
+                      <a:noFill/>
+                      <a:ln>
+                        <a:noFill/>
+                      </a:ln>
+                      <a:extLst>
+                        <a:ext uri="{909E8E84-426E-40DD-AFC4-6F175D3DCCD1}">
+                          <a14:hiddenFill xmlns:a14="http://schemas.microsoft.com/office/drawing/2010/main">
+                            <a:solidFill>
+                              <a:srgbClr val="FFFFFF"/>
+                            </a:solidFill>
+                          </a14:hiddenFill>
+                        </a:ext>
+                        <a:ext uri="{91240B29-F687-4F45-9708-019B960494DF}">
+                          <a14:hiddenLine xmlns:a14="http://schemas.microsoft.com/office/drawing/2010/main" w="9525">
+                            <a:solidFill>
+                              <a:srgbClr val="000000"/>
+                            </a:solidFill>
+                            <a:miter lim="800000"/>
+                            <a:headEnd/>
+                            <a:tailEnd/>
+                          </a14:hiddenLine>
+                        </a:ext>
+                      </a:extLst>
+                    </p:spPr>
+                  </p:pic>
+                </p:oleObj>
+              </mc:Fallback>
+            </mc:AlternateContent>
+          </a:graphicData>
+        </a:graphic>
+      </p:graphicFrame>
+      <p:graphicFrame>
+        <p:nvGraphicFramePr>
+          <p:cNvPr id="7" name="Object 6"/>
+          <p:cNvGraphicFramePr>
+            <a:graphicFrameLocks noChangeAspect="1"/>
+          </p:cNvGraphicFramePr>
+          <p:nvPr>
+            <p:extLst>
+              <p:ext uri="{D42A27DB-BD31-4B8C-83A1-F6EECF244321}">
+                <p14:modId xmlns:p14="http://schemas.microsoft.com/office/powerpoint/2010/main" val="2417510972"/>
+              </p:ext>
+            </p:extLst>
+          </p:nvPr>
+        </p:nvGraphicFramePr>
+        <p:xfrm>
+          <a:off x="1357313" y="574675"/>
+          <a:ext cx="368300" cy="622300"/>
+        </p:xfrm>
+        <a:graphic>
+          <a:graphicData uri="http://schemas.openxmlformats.org/presentationml/2006/ole">
+            <mc:AlternateContent xmlns:mc="http://schemas.openxmlformats.org/markup-compatibility/2006">
+              <mc:Choice xmlns:v="urn:schemas-microsoft-com:vml" Requires="v">
+                <p:oleObj spid="_x0000_s18442" name="Equation" r:id="rId8" imgW="406080" imgH="685800" progId="Equation.DSMT4">
+                  <p:embed/>
+                </p:oleObj>
+              </mc:Choice>
+              <mc:Fallback>
+                <p:oleObj name="Equation" r:id="rId8" imgW="406080" imgH="685800" progId="Equation.DSMT4">
+                  <p:embed/>
+                  <p:pic>
+                    <p:nvPicPr>
+                      <p:cNvPr id="0" name=""/>
+                      <p:cNvPicPr>
+                        <a:picLocks noChangeAspect="1" noChangeArrowheads="1"/>
+                      </p:cNvPicPr>
+                      <p:nvPr/>
+                    </p:nvPicPr>
+                    <p:blipFill>
+                      <a:blip r:embed="rId9"/>
+                      <a:srcRect/>
+                      <a:stretch>
+                        <a:fillRect/>
+                      </a:stretch>
+                    </p:blipFill>
+                    <p:spPr bwMode="auto">
+                      <a:xfrm>
+                        <a:off x="1357313" y="574675"/>
+                        <a:ext cx="368300" cy="622300"/>
+                      </a:xfrm>
+                      <a:prstGeom prst="rect">
+                        <a:avLst/>
+                      </a:prstGeom>
+                      <a:noFill/>
+                      <a:ln>
+                        <a:noFill/>
+                      </a:ln>
+                      <a:extLst>
+                        <a:ext uri="{909E8E84-426E-40DD-AFC4-6F175D3DCCD1}">
+                          <a14:hiddenFill xmlns:a14="http://schemas.microsoft.com/office/drawing/2010/main">
+                            <a:solidFill>
+                              <a:srgbClr val="FFFFFF"/>
+                            </a:solidFill>
+                          </a14:hiddenFill>
+                        </a:ext>
+                        <a:ext uri="{91240B29-F687-4F45-9708-019B960494DF}">
+                          <a14:hiddenLine xmlns:a14="http://schemas.microsoft.com/office/drawing/2010/main" w="9525">
+                            <a:solidFill>
+                              <a:srgbClr val="000000"/>
+                            </a:solidFill>
+                            <a:miter lim="800000"/>
+                            <a:headEnd/>
+                            <a:tailEnd/>
+                          </a14:hiddenLine>
+                        </a:ext>
+                      </a:extLst>
+                    </p:spPr>
+                  </p:pic>
+                </p:oleObj>
+              </mc:Fallback>
+            </mc:AlternateContent>
+          </a:graphicData>
+        </a:graphic>
+      </p:graphicFrame>
+    </p:spTree>
+    <p:extLst>
+      <p:ext uri="{BB962C8B-B14F-4D97-AF65-F5344CB8AC3E}">
+        <p14:creationId xmlns:p14="http://schemas.microsoft.com/office/powerpoint/2010/main" val="629033640"/>
+      </p:ext>
+    </p:extLst>
+  </p:cSld>
+  <p:clrMapOvr>
+    <a:masterClrMapping/>
+  </p:clrMapOvr>
+  <p:timing>
+    <p:tnLst>
+      <p:par>
+        <p:cTn id="1" dur="indefinite" restart="never" nodeType="tmRoot"/>
+      </p:par>
+    </p:tnLst>
+  </p:timing>
+</p:sld>
+</file>
+
+<file path=ppt/slides/slide11.xml><?xml version="1.0" encoding="utf-8"?>
+<p:sld xmlns:a="http://schemas.openxmlformats.org/drawingml/2006/main" xmlns:r="http://schemas.openxmlformats.org/officeDocument/2006/relationships" xmlns:p="http://schemas.openxmlformats.org/presentationml/2006/main">
+  <p:cSld>
+    <p:spTree>
+      <p:nvGrpSpPr>
+        <p:cNvPr id="1" name=""/>
+        <p:cNvGrpSpPr/>
+        <p:nvPr/>
+      </p:nvGrpSpPr>
+      <p:grpSpPr>
+        <a:xfrm>
+          <a:off x="0" y="0"/>
+          <a:ext cx="0" cy="0"/>
+          <a:chOff x="0" y="0"/>
+          <a:chExt cx="0" cy="0"/>
+        </a:xfrm>
+      </p:grpSpPr>
+      <p:pic>
+        <p:nvPicPr>
+          <p:cNvPr id="2" name="Picture 1"/>
+          <p:cNvPicPr>
+            <a:picLocks noChangeAspect="1"/>
+          </p:cNvPicPr>
+          <p:nvPr/>
+        </p:nvPicPr>
+        <p:blipFill>
+          <a:blip r:embed="rId3">
+            <a:extLst>
+              <a:ext uri="{28A0092B-C50C-407E-A947-70E740481C1C}">
+                <a14:useLocalDpi xmlns:a14="http://schemas.microsoft.com/office/drawing/2010/main" val="0"/>
+              </a:ext>
+            </a:extLst>
+          </a:blip>
+          <a:stretch>
+            <a:fillRect/>
+          </a:stretch>
+        </p:blipFill>
+        <p:spPr>
+          <a:xfrm>
+            <a:off x="61332" y="1639139"/>
+            <a:ext cx="9021335" cy="1865222"/>
+          </a:xfrm>
+          <a:prstGeom prst="rect">
+            <a:avLst/>
+          </a:prstGeom>
+        </p:spPr>
+      </p:pic>
+      <p:graphicFrame>
+        <p:nvGraphicFramePr>
+          <p:cNvPr id="3" name="Object 2"/>
+          <p:cNvGraphicFramePr>
+            <a:graphicFrameLocks noChangeAspect="1"/>
+          </p:cNvGraphicFramePr>
+          <p:nvPr>
+            <p:extLst>
+              <p:ext uri="{D42A27DB-BD31-4B8C-83A1-F6EECF244321}">
+                <p14:modId xmlns:p14="http://schemas.microsoft.com/office/powerpoint/2010/main" val="304449840"/>
+              </p:ext>
+            </p:extLst>
+          </p:nvPr>
+        </p:nvGraphicFramePr>
+        <p:xfrm>
+          <a:off x="1357313" y="574675"/>
+          <a:ext cx="368300" cy="622300"/>
+        </p:xfrm>
+        <a:graphic>
+          <a:graphicData uri="http://schemas.openxmlformats.org/presentationml/2006/ole">
+            <mc:AlternateContent xmlns:mc="http://schemas.openxmlformats.org/markup-compatibility/2006">
+              <mc:Choice xmlns:v="urn:schemas-microsoft-com:vml" Requires="v">
+                <p:oleObj spid="_x0000_s19464" name="Equation" r:id="rId4" imgW="406080" imgH="685800" progId="Equation.DSMT4">
+                  <p:embed/>
+                </p:oleObj>
+              </mc:Choice>
+              <mc:Fallback>
+                <p:oleObj name="Equation" r:id="rId4" imgW="406080" imgH="685800" progId="Equation.DSMT4">
+                  <p:embed/>
+                  <p:pic>
+                    <p:nvPicPr>
+                      <p:cNvPr id="0" name=""/>
+                      <p:cNvPicPr>
+                        <a:picLocks noChangeAspect="1" noChangeArrowheads="1"/>
+                      </p:cNvPicPr>
+                      <p:nvPr/>
+                    </p:nvPicPr>
+                    <p:blipFill>
+                      <a:blip r:embed="rId5">
+                        <a:extLst>
+                          <a:ext uri="{28A0092B-C50C-407E-A947-70E740481C1C}">
+                            <a14:useLocalDpi xmlns:a14="http://schemas.microsoft.com/office/drawing/2010/main" val="0"/>
+                          </a:ext>
+                        </a:extLst>
+                      </a:blip>
+                      <a:srcRect/>
+                      <a:stretch>
+                        <a:fillRect/>
+                      </a:stretch>
+                    </p:blipFill>
+                    <p:spPr bwMode="auto">
+                      <a:xfrm>
+                        <a:off x="1357313" y="574675"/>
+                        <a:ext cx="368300" cy="622300"/>
+                      </a:xfrm>
+                      <a:prstGeom prst="rect">
+                        <a:avLst/>
+                      </a:prstGeom>
+                      <a:noFill/>
+                      <a:ln>
+                        <a:noFill/>
+                      </a:ln>
+                      <a:extLst>
+                        <a:ext uri="{909E8E84-426E-40DD-AFC4-6F175D3DCCD1}">
+                          <a14:hiddenFill xmlns:a14="http://schemas.microsoft.com/office/drawing/2010/main">
+                            <a:solidFill>
+                              <a:srgbClr val="FFFFFF"/>
+                            </a:solidFill>
+                          </a14:hiddenFill>
+                        </a:ext>
+                        <a:ext uri="{91240B29-F687-4F45-9708-019B960494DF}">
+                          <a14:hiddenLine xmlns:a14="http://schemas.microsoft.com/office/drawing/2010/main" w="9525">
+                            <a:solidFill>
+                              <a:srgbClr val="000000"/>
+                            </a:solidFill>
+                            <a:miter lim="800000"/>
+                            <a:headEnd/>
+                            <a:tailEnd/>
+                          </a14:hiddenLine>
+                        </a:ext>
+                      </a:extLst>
+                    </p:spPr>
+                  </p:pic>
+                </p:oleObj>
+              </mc:Fallback>
+            </mc:AlternateContent>
+          </a:graphicData>
+        </a:graphic>
+      </p:graphicFrame>
+      <p:graphicFrame>
+        <p:nvGraphicFramePr>
+          <p:cNvPr id="4" name="Object 3"/>
+          <p:cNvGraphicFramePr>
+            <a:graphicFrameLocks noChangeAspect="1"/>
+          </p:cNvGraphicFramePr>
+          <p:nvPr>
+            <p:extLst>
+              <p:ext uri="{D42A27DB-BD31-4B8C-83A1-F6EECF244321}">
+                <p14:modId xmlns:p14="http://schemas.microsoft.com/office/powerpoint/2010/main" val="1905719105"/>
+              </p:ext>
+            </p:extLst>
+          </p:nvPr>
+        </p:nvGraphicFramePr>
+        <p:xfrm>
+          <a:off x="3505200" y="133350"/>
+          <a:ext cx="1990725" cy="1438275"/>
+        </p:xfrm>
+        <a:graphic>
+          <a:graphicData uri="http://schemas.openxmlformats.org/presentationml/2006/ole">
+            <mc:AlternateContent xmlns:mc="http://schemas.openxmlformats.org/markup-compatibility/2006">
+              <mc:Choice xmlns:v="urn:schemas-microsoft-com:vml" Requires="v">
+                <p:oleObj spid="_x0000_s19465" name="Equation" r:id="rId6" imgW="2197080" imgH="1587240" progId="Equation.DSMT4">
+                  <p:embed/>
+                </p:oleObj>
+              </mc:Choice>
+              <mc:Fallback>
+                <p:oleObj name="Equation" r:id="rId6" imgW="2197080" imgH="1587240" progId="Equation.DSMT4">
+                  <p:embed/>
+                  <p:pic>
+                    <p:nvPicPr>
+                      <p:cNvPr id="0" name=""/>
+                      <p:cNvPicPr>
+                        <a:picLocks noChangeAspect="1" noChangeArrowheads="1"/>
+                      </p:cNvPicPr>
+                      <p:nvPr/>
+                    </p:nvPicPr>
+                    <p:blipFill>
+                      <a:blip r:embed="rId7">
+                        <a:extLst>
+                          <a:ext uri="{28A0092B-C50C-407E-A947-70E740481C1C}">
+                            <a14:useLocalDpi xmlns:a14="http://schemas.microsoft.com/office/drawing/2010/main" val="0"/>
+                          </a:ext>
+                        </a:extLst>
+                      </a:blip>
+                      <a:srcRect/>
+                      <a:stretch>
+                        <a:fillRect/>
+                      </a:stretch>
+                    </p:blipFill>
+                    <p:spPr bwMode="auto">
+                      <a:xfrm>
+                        <a:off x="3505200" y="133350"/>
+                        <a:ext cx="1990725" cy="1438275"/>
+                      </a:xfrm>
+                      <a:prstGeom prst="rect">
+                        <a:avLst/>
+                      </a:prstGeom>
+                      <a:noFill/>
+                      <a:ln>
+                        <a:noFill/>
+                      </a:ln>
+                      <a:extLst>
+                        <a:ext uri="{909E8E84-426E-40DD-AFC4-6F175D3DCCD1}">
+                          <a14:hiddenFill xmlns:a14="http://schemas.microsoft.com/office/drawing/2010/main">
+                            <a:solidFill>
+                              <a:srgbClr val="FFFFFF"/>
+                            </a:solidFill>
+                          </a14:hiddenFill>
+                        </a:ext>
+                        <a:ext uri="{91240B29-F687-4F45-9708-019B960494DF}">
+                          <a14:hiddenLine xmlns:a14="http://schemas.microsoft.com/office/drawing/2010/main" w="9525">
+                            <a:solidFill>
+                              <a:srgbClr val="000000"/>
+                            </a:solidFill>
+                            <a:miter lim="800000"/>
+                            <a:headEnd/>
+                            <a:tailEnd/>
+                          </a14:hiddenLine>
+                        </a:ext>
+                      </a:extLst>
+                    </p:spPr>
+                  </p:pic>
+                </p:oleObj>
+              </mc:Fallback>
+            </mc:AlternateContent>
+          </a:graphicData>
+        </a:graphic>
+      </p:graphicFrame>
+      <p:graphicFrame>
+        <p:nvGraphicFramePr>
+          <p:cNvPr id="5" name="Object 4"/>
+          <p:cNvGraphicFramePr>
+            <a:graphicFrameLocks noChangeAspect="1"/>
+          </p:cNvGraphicFramePr>
+          <p:nvPr>
+            <p:extLst>
+              <p:ext uri="{D42A27DB-BD31-4B8C-83A1-F6EECF244321}">
+                <p14:modId xmlns:p14="http://schemas.microsoft.com/office/powerpoint/2010/main" val="2717245137"/>
+              </p:ext>
+            </p:extLst>
+          </p:nvPr>
+        </p:nvGraphicFramePr>
+        <p:xfrm>
+          <a:off x="6769100" y="133350"/>
+          <a:ext cx="1254125" cy="1438275"/>
+        </p:xfrm>
+        <a:graphic>
+          <a:graphicData uri="http://schemas.openxmlformats.org/presentationml/2006/ole">
+            <mc:AlternateContent xmlns:mc="http://schemas.openxmlformats.org/markup-compatibility/2006">
+              <mc:Choice xmlns:v="urn:schemas-microsoft-com:vml" Requires="v">
+                <p:oleObj spid="_x0000_s19466" name="Equation" r:id="rId8" imgW="1384200" imgH="1587240" progId="Equation.DSMT4">
+                  <p:embed/>
+                </p:oleObj>
+              </mc:Choice>
+              <mc:Fallback>
+                <p:oleObj name="Equation" r:id="rId8" imgW="1384200" imgH="1587240" progId="Equation.DSMT4">
+                  <p:embed/>
+                  <p:pic>
+                    <p:nvPicPr>
+                      <p:cNvPr id="0" name=""/>
+                      <p:cNvPicPr>
+                        <a:picLocks noChangeAspect="1" noChangeArrowheads="1"/>
+                      </p:cNvPicPr>
+                      <p:nvPr/>
+                    </p:nvPicPr>
+                    <p:blipFill>
+                      <a:blip r:embed="rId9">
+                        <a:extLst>
+                          <a:ext uri="{28A0092B-C50C-407E-A947-70E740481C1C}">
+                            <a14:useLocalDpi xmlns:a14="http://schemas.microsoft.com/office/drawing/2010/main" val="0"/>
+                          </a:ext>
+                        </a:extLst>
+                      </a:blip>
+                      <a:srcRect/>
+                      <a:stretch>
+                        <a:fillRect/>
+                      </a:stretch>
+                    </p:blipFill>
+                    <p:spPr bwMode="auto">
+                      <a:xfrm>
+                        <a:off x="6769100" y="133350"/>
+                        <a:ext cx="1254125" cy="1438275"/>
+                      </a:xfrm>
+                      <a:prstGeom prst="rect">
+                        <a:avLst/>
+                      </a:prstGeom>
+                      <a:noFill/>
+                      <a:ln>
+                        <a:noFill/>
+                      </a:ln>
+                      <a:extLst>
+                        <a:ext uri="{909E8E84-426E-40DD-AFC4-6F175D3DCCD1}">
+                          <a14:hiddenFill xmlns:a14="http://schemas.microsoft.com/office/drawing/2010/main">
+                            <a:solidFill>
+                              <a:srgbClr val="FFFFFF"/>
+                            </a:solidFill>
+                          </a14:hiddenFill>
+                        </a:ext>
+                        <a:ext uri="{91240B29-F687-4F45-9708-019B960494DF}">
+                          <a14:hiddenLine xmlns:a14="http://schemas.microsoft.com/office/drawing/2010/main" w="9525">
+                            <a:solidFill>
+                              <a:srgbClr val="000000"/>
+                            </a:solidFill>
+                            <a:miter lim="800000"/>
+                            <a:headEnd/>
+                            <a:tailEnd/>
+                          </a14:hiddenLine>
+                        </a:ext>
+                      </a:extLst>
+                    </p:spPr>
+                  </p:pic>
+                </p:oleObj>
+              </mc:Fallback>
+            </mc:AlternateContent>
+          </a:graphicData>
+        </a:graphic>
+      </p:graphicFrame>
+    </p:spTree>
+    <p:extLst>
+      <p:ext uri="{BB962C8B-B14F-4D97-AF65-F5344CB8AC3E}">
+        <p14:creationId xmlns:p14="http://schemas.microsoft.com/office/powerpoint/2010/main" val="1399493119"/>
+      </p:ext>
+    </p:extLst>
+  </p:cSld>
+  <p:clrMapOvr>
+    <a:masterClrMapping/>
+  </p:clrMapOvr>
+  <p:timing>
+    <p:tnLst>
+      <p:par>
+        <p:cTn id="1" dur="indefinite" restart="never" nodeType="tmRoot"/>
+      </p:par>
+    </p:tnLst>
+  </p:timing>
+</p:sld>
+</file>
+
+<file path=ppt/slides/slide12.xml><?xml version="1.0" encoding="utf-8"?>
+<p:sld xmlns:a="http://schemas.openxmlformats.org/drawingml/2006/main" xmlns:r="http://schemas.openxmlformats.org/officeDocument/2006/relationships" xmlns:p="http://schemas.openxmlformats.org/presentationml/2006/main">
+  <p:cSld>
+    <p:spTree>
+      <p:nvGrpSpPr>
+        <p:cNvPr id="1" name=""/>
+        <p:cNvGrpSpPr/>
+        <p:nvPr/>
+      </p:nvGrpSpPr>
+      <p:grpSpPr>
+        <a:xfrm>
+          <a:off x="0" y="0"/>
+          <a:ext cx="0" cy="0"/>
+          <a:chOff x="0" y="0"/>
+          <a:chExt cx="0" cy="0"/>
+        </a:xfrm>
+      </p:grpSpPr>
+      <p:pic>
+        <p:nvPicPr>
+          <p:cNvPr id="2" name="Picture 1"/>
+          <p:cNvPicPr>
+            <a:picLocks noChangeAspect="1"/>
+          </p:cNvPicPr>
+          <p:nvPr/>
+        </p:nvPicPr>
+        <p:blipFill>
+          <a:blip r:embed="rId3">
+            <a:extLst>
+              <a:ext uri="{28A0092B-C50C-407E-A947-70E740481C1C}">
+                <a14:useLocalDpi xmlns:a14="http://schemas.microsoft.com/office/drawing/2010/main" val="0"/>
+              </a:ext>
+            </a:extLst>
+          </a:blip>
+          <a:stretch>
+            <a:fillRect/>
+          </a:stretch>
+        </p:blipFill>
+        <p:spPr>
+          <a:xfrm>
+            <a:off x="61332" y="1639139"/>
+            <a:ext cx="9021335" cy="1865222"/>
+          </a:xfrm>
+          <a:prstGeom prst="rect">
+            <a:avLst/>
+          </a:prstGeom>
+        </p:spPr>
+      </p:pic>
+      <p:graphicFrame>
+        <p:nvGraphicFramePr>
+          <p:cNvPr id="3" name="Object 2"/>
+          <p:cNvGraphicFramePr>
+            <a:graphicFrameLocks noChangeAspect="1"/>
+          </p:cNvGraphicFramePr>
+          <p:nvPr>
+            <p:extLst>
+              <p:ext uri="{D42A27DB-BD31-4B8C-83A1-F6EECF244321}">
+                <p14:modId xmlns:p14="http://schemas.microsoft.com/office/powerpoint/2010/main" val="2426529032"/>
+              </p:ext>
+            </p:extLst>
+          </p:nvPr>
+        </p:nvGraphicFramePr>
+        <p:xfrm>
+          <a:off x="1357313" y="574675"/>
+          <a:ext cx="368300" cy="622300"/>
+        </p:xfrm>
+        <a:graphic>
+          <a:graphicData uri="http://schemas.openxmlformats.org/presentationml/2006/ole">
+            <mc:AlternateContent xmlns:mc="http://schemas.openxmlformats.org/markup-compatibility/2006">
+              <mc:Choice xmlns:v="urn:schemas-microsoft-com:vml" Requires="v">
+                <p:oleObj spid="_x0000_s20488" name="Equation" r:id="rId4" imgW="406080" imgH="685800" progId="Equation.DSMT4">
+                  <p:embed/>
+                </p:oleObj>
+              </mc:Choice>
+              <mc:Fallback>
+                <p:oleObj name="Equation" r:id="rId4" imgW="406080" imgH="685800" progId="Equation.DSMT4">
+                  <p:embed/>
+                  <p:pic>
+                    <p:nvPicPr>
+                      <p:cNvPr id="0" name=""/>
+                      <p:cNvPicPr>
+                        <a:picLocks noChangeAspect="1" noChangeArrowheads="1"/>
+                      </p:cNvPicPr>
+                      <p:nvPr/>
+                    </p:nvPicPr>
+                    <p:blipFill>
+                      <a:blip r:embed="rId5">
+                        <a:extLst>
+                          <a:ext uri="{28A0092B-C50C-407E-A947-70E740481C1C}">
+                            <a14:useLocalDpi xmlns:a14="http://schemas.microsoft.com/office/drawing/2010/main" val="0"/>
+                          </a:ext>
+                        </a:extLst>
+                      </a:blip>
+                      <a:srcRect/>
+                      <a:stretch>
+                        <a:fillRect/>
+                      </a:stretch>
+                    </p:blipFill>
+                    <p:spPr bwMode="auto">
+                      <a:xfrm>
+                        <a:off x="1357313" y="574675"/>
+                        <a:ext cx="368300" cy="622300"/>
+                      </a:xfrm>
+                      <a:prstGeom prst="rect">
+                        <a:avLst/>
+                      </a:prstGeom>
+                      <a:noFill/>
+                      <a:ln>
+                        <a:noFill/>
+                      </a:ln>
+                      <a:extLst>
+                        <a:ext uri="{909E8E84-426E-40DD-AFC4-6F175D3DCCD1}">
+                          <a14:hiddenFill xmlns:a14="http://schemas.microsoft.com/office/drawing/2010/main">
+                            <a:solidFill>
+                              <a:srgbClr val="FFFFFF"/>
+                            </a:solidFill>
+                          </a14:hiddenFill>
+                        </a:ext>
+                        <a:ext uri="{91240B29-F687-4F45-9708-019B960494DF}">
+                          <a14:hiddenLine xmlns:a14="http://schemas.microsoft.com/office/drawing/2010/main" w="9525">
+                            <a:solidFill>
+                              <a:srgbClr val="000000"/>
+                            </a:solidFill>
+                            <a:miter lim="800000"/>
+                            <a:headEnd/>
+                            <a:tailEnd/>
+                          </a14:hiddenLine>
+                        </a:ext>
+                      </a:extLst>
+                    </p:spPr>
+                  </p:pic>
+                </p:oleObj>
+              </mc:Fallback>
+            </mc:AlternateContent>
+          </a:graphicData>
+        </a:graphic>
+      </p:graphicFrame>
+      <p:graphicFrame>
+        <p:nvGraphicFramePr>
+          <p:cNvPr id="4" name="Object 3"/>
+          <p:cNvGraphicFramePr>
+            <a:graphicFrameLocks noChangeAspect="1"/>
+          </p:cNvGraphicFramePr>
+          <p:nvPr>
+            <p:extLst>
+              <p:ext uri="{D42A27DB-BD31-4B8C-83A1-F6EECF244321}">
+                <p14:modId xmlns:p14="http://schemas.microsoft.com/office/powerpoint/2010/main" val="692261507"/>
+              </p:ext>
+            </p:extLst>
+          </p:nvPr>
+        </p:nvGraphicFramePr>
+        <p:xfrm>
+          <a:off x="3505200" y="133350"/>
+          <a:ext cx="1990725" cy="1438275"/>
+        </p:xfrm>
+        <a:graphic>
+          <a:graphicData uri="http://schemas.openxmlformats.org/presentationml/2006/ole">
+            <mc:AlternateContent xmlns:mc="http://schemas.openxmlformats.org/markup-compatibility/2006">
+              <mc:Choice xmlns:v="urn:schemas-microsoft-com:vml" Requires="v">
+                <p:oleObj spid="_x0000_s20489" name="Equation" r:id="rId6" imgW="2197080" imgH="1587240" progId="Equation.DSMT4">
+                  <p:embed/>
+                </p:oleObj>
+              </mc:Choice>
+              <mc:Fallback>
+                <p:oleObj name="Equation" r:id="rId6" imgW="2197080" imgH="1587240" progId="Equation.DSMT4">
+                  <p:embed/>
+                  <p:pic>
+                    <p:nvPicPr>
+                      <p:cNvPr id="0" name=""/>
+                      <p:cNvPicPr>
+                        <a:picLocks noChangeAspect="1" noChangeArrowheads="1"/>
+                      </p:cNvPicPr>
+                      <p:nvPr/>
+                    </p:nvPicPr>
+                    <p:blipFill>
+                      <a:blip r:embed="rId7">
+                        <a:extLst>
+                          <a:ext uri="{28A0092B-C50C-407E-A947-70E740481C1C}">
+                            <a14:useLocalDpi xmlns:a14="http://schemas.microsoft.com/office/drawing/2010/main" val="0"/>
+                          </a:ext>
+                        </a:extLst>
+                      </a:blip>
+                      <a:srcRect/>
+                      <a:stretch>
+                        <a:fillRect/>
+                      </a:stretch>
+                    </p:blipFill>
+                    <p:spPr bwMode="auto">
+                      <a:xfrm>
+                        <a:off x="3505200" y="133350"/>
+                        <a:ext cx="1990725" cy="1438275"/>
+                      </a:xfrm>
+                      <a:prstGeom prst="rect">
+                        <a:avLst/>
+                      </a:prstGeom>
+                      <a:noFill/>
+                      <a:ln>
+                        <a:noFill/>
+                      </a:ln>
+                      <a:extLst>
+                        <a:ext uri="{909E8E84-426E-40DD-AFC4-6F175D3DCCD1}">
+                          <a14:hiddenFill xmlns:a14="http://schemas.microsoft.com/office/drawing/2010/main">
+                            <a:solidFill>
+                              <a:srgbClr val="FFFFFF"/>
+                            </a:solidFill>
+                          </a14:hiddenFill>
+                        </a:ext>
+                        <a:ext uri="{91240B29-F687-4F45-9708-019B960494DF}">
+                          <a14:hiddenLine xmlns:a14="http://schemas.microsoft.com/office/drawing/2010/main" w="9525">
+                            <a:solidFill>
+                              <a:srgbClr val="000000"/>
+                            </a:solidFill>
+                            <a:miter lim="800000"/>
+                            <a:headEnd/>
+                            <a:tailEnd/>
+                          </a14:hiddenLine>
+                        </a:ext>
+                      </a:extLst>
+                    </p:spPr>
+                  </p:pic>
+                </p:oleObj>
+              </mc:Fallback>
+            </mc:AlternateContent>
+          </a:graphicData>
+        </a:graphic>
+      </p:graphicFrame>
+      <p:graphicFrame>
+        <p:nvGraphicFramePr>
+          <p:cNvPr id="5" name="Object 4"/>
+          <p:cNvGraphicFramePr>
+            <a:graphicFrameLocks noChangeAspect="1"/>
+          </p:cNvGraphicFramePr>
+          <p:nvPr>
+            <p:extLst>
+              <p:ext uri="{D42A27DB-BD31-4B8C-83A1-F6EECF244321}">
+                <p14:modId xmlns:p14="http://schemas.microsoft.com/office/powerpoint/2010/main" val="1719057744"/>
+              </p:ext>
+            </p:extLst>
+          </p:nvPr>
+        </p:nvGraphicFramePr>
+        <p:xfrm>
+          <a:off x="6769100" y="133350"/>
+          <a:ext cx="1254125" cy="1438275"/>
+        </p:xfrm>
+        <a:graphic>
+          <a:graphicData uri="http://schemas.openxmlformats.org/presentationml/2006/ole">
+            <mc:AlternateContent xmlns:mc="http://schemas.openxmlformats.org/markup-compatibility/2006">
+              <mc:Choice xmlns:v="urn:schemas-microsoft-com:vml" Requires="v">
+                <p:oleObj spid="_x0000_s20490" name="Equation" r:id="rId8" imgW="1384200" imgH="1587240" progId="Equation.DSMT4">
+                  <p:embed/>
+                </p:oleObj>
+              </mc:Choice>
+              <mc:Fallback>
+                <p:oleObj name="Equation" r:id="rId8" imgW="1384200" imgH="1587240" progId="Equation.DSMT4">
+                  <p:embed/>
+                  <p:pic>
+                    <p:nvPicPr>
+                      <p:cNvPr id="0" name=""/>
+                      <p:cNvPicPr>
+                        <a:picLocks noChangeAspect="1" noChangeArrowheads="1"/>
+                      </p:cNvPicPr>
+                      <p:nvPr/>
+                    </p:nvPicPr>
+                    <p:blipFill>
+                      <a:blip r:embed="rId9">
+                        <a:extLst>
+                          <a:ext uri="{28A0092B-C50C-407E-A947-70E740481C1C}">
+                            <a14:useLocalDpi xmlns:a14="http://schemas.microsoft.com/office/drawing/2010/main" val="0"/>
+                          </a:ext>
+                        </a:extLst>
+                      </a:blip>
+                      <a:srcRect/>
+                      <a:stretch>
+                        <a:fillRect/>
+                      </a:stretch>
+                    </p:blipFill>
+                    <p:spPr bwMode="auto">
+                      <a:xfrm>
+                        <a:off x="6769100" y="133350"/>
+                        <a:ext cx="1254125" cy="1438275"/>
+                      </a:xfrm>
+                      <a:prstGeom prst="rect">
+                        <a:avLst/>
+                      </a:prstGeom>
+                      <a:noFill/>
+                      <a:ln>
+                        <a:noFill/>
+                      </a:ln>
+                      <a:extLst>
+                        <a:ext uri="{909E8E84-426E-40DD-AFC4-6F175D3DCCD1}">
+                          <a14:hiddenFill xmlns:a14="http://schemas.microsoft.com/office/drawing/2010/main">
+                            <a:solidFill>
+                              <a:srgbClr val="FFFFFF"/>
+                            </a:solidFill>
+                          </a14:hiddenFill>
+                        </a:ext>
+                        <a:ext uri="{91240B29-F687-4F45-9708-019B960494DF}">
+                          <a14:hiddenLine xmlns:a14="http://schemas.microsoft.com/office/drawing/2010/main" w="9525">
+                            <a:solidFill>
+                              <a:srgbClr val="000000"/>
+                            </a:solidFill>
+                            <a:miter lim="800000"/>
+                            <a:headEnd/>
+                            <a:tailEnd/>
+                          </a14:hiddenLine>
+                        </a:ext>
+                      </a:extLst>
+                    </p:spPr>
+                  </p:pic>
+                </p:oleObj>
+              </mc:Fallback>
+            </mc:AlternateContent>
+          </a:graphicData>
+        </a:graphic>
+      </p:graphicFrame>
+    </p:spTree>
+    <p:extLst>
+      <p:ext uri="{BB962C8B-B14F-4D97-AF65-F5344CB8AC3E}">
+        <p14:creationId xmlns:p14="http://schemas.microsoft.com/office/powerpoint/2010/main" val="1514512907"/>
+      </p:ext>
+    </p:extLst>
+  </p:cSld>
+  <p:clrMapOvr>
+    <a:masterClrMapping/>
+  </p:clrMapOvr>
+  <p:timing>
+    <p:tnLst>
+      <p:par>
+        <p:cTn id="1" dur="indefinite" restart="never" nodeType="tmRoot"/>
+      </p:par>
+    </p:tnLst>
+  </p:timing>
+</p:sld>
+</file>
+
+<file path=ppt/slides/slide13.xml><?xml version="1.0" encoding="utf-8"?>
+<p:sld xmlns:a="http://schemas.openxmlformats.org/drawingml/2006/main" xmlns:r="http://schemas.openxmlformats.org/officeDocument/2006/relationships" xmlns:p="http://schemas.openxmlformats.org/presentationml/2006/main">
+  <p:cSld>
+    <p:spTree>
+      <p:nvGrpSpPr>
+        <p:cNvPr id="1" name=""/>
+        <p:cNvGrpSpPr/>
+        <p:nvPr/>
+      </p:nvGrpSpPr>
+      <p:grpSpPr>
+        <a:xfrm>
+          <a:off x="0" y="0"/>
+          <a:ext cx="0" cy="0"/>
+          <a:chOff x="0" y="0"/>
+          <a:chExt cx="0" cy="0"/>
+        </a:xfrm>
+      </p:grpSpPr>
+      <p:pic>
+        <p:nvPicPr>
+          <p:cNvPr id="2" name="Picture 1"/>
+          <p:cNvPicPr>
+            <a:picLocks noChangeAspect="1"/>
+          </p:cNvPicPr>
+          <p:nvPr/>
+        </p:nvPicPr>
+        <p:blipFill>
+          <a:blip r:embed="rId3">
+            <a:extLst>
+              <a:ext uri="{28A0092B-C50C-407E-A947-70E740481C1C}">
+                <a14:useLocalDpi xmlns:a14="http://schemas.microsoft.com/office/drawing/2010/main" val="0"/>
+              </a:ext>
+            </a:extLst>
+          </a:blip>
+          <a:stretch>
+            <a:fillRect/>
+          </a:stretch>
+        </p:blipFill>
+        <p:spPr>
+          <a:xfrm>
+            <a:off x="61332" y="1639139"/>
+            <a:ext cx="9021335" cy="1865222"/>
+          </a:xfrm>
+          <a:prstGeom prst="rect">
+            <a:avLst/>
+          </a:prstGeom>
+        </p:spPr>
+      </p:pic>
+      <p:graphicFrame>
+        <p:nvGraphicFramePr>
+          <p:cNvPr id="3" name="Object 2"/>
+          <p:cNvGraphicFramePr>
+            <a:graphicFrameLocks noChangeAspect="1"/>
+          </p:cNvGraphicFramePr>
+          <p:nvPr>
+            <p:extLst>
+              <p:ext uri="{D42A27DB-BD31-4B8C-83A1-F6EECF244321}">
+                <p14:modId xmlns:p14="http://schemas.microsoft.com/office/powerpoint/2010/main" val="3646778544"/>
+              </p:ext>
+            </p:extLst>
+          </p:nvPr>
+        </p:nvGraphicFramePr>
+        <p:xfrm>
+          <a:off x="1357313" y="574675"/>
+          <a:ext cx="368300" cy="622300"/>
+        </p:xfrm>
+        <a:graphic>
+          <a:graphicData uri="http://schemas.openxmlformats.org/presentationml/2006/ole">
+            <mc:AlternateContent xmlns:mc="http://schemas.openxmlformats.org/markup-compatibility/2006">
+              <mc:Choice xmlns:v="urn:schemas-microsoft-com:vml" Requires="v">
+                <p:oleObj spid="_x0000_s21512" name="Equation" r:id="rId4" imgW="406080" imgH="685800" progId="Equation.DSMT4">
+                  <p:embed/>
+                </p:oleObj>
+              </mc:Choice>
+              <mc:Fallback>
+                <p:oleObj name="Equation" r:id="rId4" imgW="406080" imgH="685800" progId="Equation.DSMT4">
+                  <p:embed/>
+                  <p:pic>
+                    <p:nvPicPr>
+                      <p:cNvPr id="0" name=""/>
+                      <p:cNvPicPr>
+                        <a:picLocks noChangeAspect="1" noChangeArrowheads="1"/>
+                      </p:cNvPicPr>
+                      <p:nvPr/>
+                    </p:nvPicPr>
+                    <p:blipFill>
+                      <a:blip r:embed="rId5">
+                        <a:extLst>
+                          <a:ext uri="{28A0092B-C50C-407E-A947-70E740481C1C}">
+                            <a14:useLocalDpi xmlns:a14="http://schemas.microsoft.com/office/drawing/2010/main" val="0"/>
+                          </a:ext>
+                        </a:extLst>
+                      </a:blip>
+                      <a:srcRect/>
+                      <a:stretch>
+                        <a:fillRect/>
+                      </a:stretch>
+                    </p:blipFill>
+                    <p:spPr bwMode="auto">
+                      <a:xfrm>
+                        <a:off x="1357313" y="574675"/>
+                        <a:ext cx="368300" cy="622300"/>
+                      </a:xfrm>
+                      <a:prstGeom prst="rect">
+                        <a:avLst/>
+                      </a:prstGeom>
+                      <a:noFill/>
+                      <a:ln>
+                        <a:noFill/>
+                      </a:ln>
+                      <a:extLst>
+                        <a:ext uri="{909E8E84-426E-40DD-AFC4-6F175D3DCCD1}">
+                          <a14:hiddenFill xmlns:a14="http://schemas.microsoft.com/office/drawing/2010/main">
+                            <a:solidFill>
+                              <a:srgbClr val="FFFFFF"/>
+                            </a:solidFill>
+                          </a14:hiddenFill>
+                        </a:ext>
+                        <a:ext uri="{91240B29-F687-4F45-9708-019B960494DF}">
+                          <a14:hiddenLine xmlns:a14="http://schemas.microsoft.com/office/drawing/2010/main" w="9525">
+                            <a:solidFill>
+                              <a:srgbClr val="000000"/>
+                            </a:solidFill>
+                            <a:miter lim="800000"/>
+                            <a:headEnd/>
+                            <a:tailEnd/>
+                          </a14:hiddenLine>
+                        </a:ext>
+                      </a:extLst>
+                    </p:spPr>
+                  </p:pic>
+                </p:oleObj>
+              </mc:Fallback>
+            </mc:AlternateContent>
+          </a:graphicData>
+        </a:graphic>
+      </p:graphicFrame>
+      <p:graphicFrame>
+        <p:nvGraphicFramePr>
+          <p:cNvPr id="4" name="Object 3"/>
+          <p:cNvGraphicFramePr>
+            <a:graphicFrameLocks noChangeAspect="1"/>
+          </p:cNvGraphicFramePr>
+          <p:nvPr>
+            <p:extLst>
+              <p:ext uri="{D42A27DB-BD31-4B8C-83A1-F6EECF244321}">
+                <p14:modId xmlns:p14="http://schemas.microsoft.com/office/powerpoint/2010/main" val="2097801257"/>
+              </p:ext>
+            </p:extLst>
+          </p:nvPr>
+        </p:nvGraphicFramePr>
+        <p:xfrm>
+          <a:off x="3505200" y="133350"/>
+          <a:ext cx="1990725" cy="1438275"/>
+        </p:xfrm>
+        <a:graphic>
+          <a:graphicData uri="http://schemas.openxmlformats.org/presentationml/2006/ole">
+            <mc:AlternateContent xmlns:mc="http://schemas.openxmlformats.org/markup-compatibility/2006">
+              <mc:Choice xmlns:v="urn:schemas-microsoft-com:vml" Requires="v">
+                <p:oleObj spid="_x0000_s21513" name="Equation" r:id="rId6" imgW="2197080" imgH="1587240" progId="Equation.DSMT4">
+                  <p:embed/>
+                </p:oleObj>
+              </mc:Choice>
+              <mc:Fallback>
+                <p:oleObj name="Equation" r:id="rId6" imgW="2197080" imgH="1587240" progId="Equation.DSMT4">
+                  <p:embed/>
+                  <p:pic>
+                    <p:nvPicPr>
+                      <p:cNvPr id="0" name=""/>
+                      <p:cNvPicPr>
+                        <a:picLocks noChangeAspect="1" noChangeArrowheads="1"/>
+                      </p:cNvPicPr>
+                      <p:nvPr/>
+                    </p:nvPicPr>
+                    <p:blipFill>
+                      <a:blip r:embed="rId7">
+                        <a:extLst>
+                          <a:ext uri="{28A0092B-C50C-407E-A947-70E740481C1C}">
+                            <a14:useLocalDpi xmlns:a14="http://schemas.microsoft.com/office/drawing/2010/main" val="0"/>
+                          </a:ext>
+                        </a:extLst>
+                      </a:blip>
+                      <a:srcRect/>
+                      <a:stretch>
+                        <a:fillRect/>
+                      </a:stretch>
+                    </p:blipFill>
+                    <p:spPr bwMode="auto">
+                      <a:xfrm>
+                        <a:off x="3505200" y="133350"/>
+                        <a:ext cx="1990725" cy="1438275"/>
+                      </a:xfrm>
+                      <a:prstGeom prst="rect">
+                        <a:avLst/>
+                      </a:prstGeom>
+                      <a:noFill/>
+                      <a:ln>
+                        <a:noFill/>
+                      </a:ln>
+                      <a:extLst>
+                        <a:ext uri="{909E8E84-426E-40DD-AFC4-6F175D3DCCD1}">
+                          <a14:hiddenFill xmlns:a14="http://schemas.microsoft.com/office/drawing/2010/main">
+                            <a:solidFill>
+                              <a:srgbClr val="FFFFFF"/>
+                            </a:solidFill>
+                          </a14:hiddenFill>
+                        </a:ext>
+                        <a:ext uri="{91240B29-F687-4F45-9708-019B960494DF}">
+                          <a14:hiddenLine xmlns:a14="http://schemas.microsoft.com/office/drawing/2010/main" w="9525">
+                            <a:solidFill>
+                              <a:srgbClr val="000000"/>
+                            </a:solidFill>
+                            <a:miter lim="800000"/>
+                            <a:headEnd/>
+                            <a:tailEnd/>
+                          </a14:hiddenLine>
+                        </a:ext>
+                      </a:extLst>
+                    </p:spPr>
+                  </p:pic>
+                </p:oleObj>
+              </mc:Fallback>
+            </mc:AlternateContent>
+          </a:graphicData>
+        </a:graphic>
+      </p:graphicFrame>
+      <p:graphicFrame>
+        <p:nvGraphicFramePr>
+          <p:cNvPr id="5" name="Object 4"/>
+          <p:cNvGraphicFramePr>
+            <a:graphicFrameLocks noChangeAspect="1"/>
+          </p:cNvGraphicFramePr>
+          <p:nvPr>
+            <p:extLst>
+              <p:ext uri="{D42A27DB-BD31-4B8C-83A1-F6EECF244321}">
+                <p14:modId xmlns:p14="http://schemas.microsoft.com/office/powerpoint/2010/main" val="389731054"/>
+              </p:ext>
+            </p:extLst>
+          </p:nvPr>
+        </p:nvGraphicFramePr>
+        <p:xfrm>
+          <a:off x="6769100" y="133350"/>
+          <a:ext cx="1254125" cy="1438275"/>
+        </p:xfrm>
+        <a:graphic>
+          <a:graphicData uri="http://schemas.openxmlformats.org/presentationml/2006/ole">
+            <mc:AlternateContent xmlns:mc="http://schemas.openxmlformats.org/markup-compatibility/2006">
+              <mc:Choice xmlns:v="urn:schemas-microsoft-com:vml" Requires="v">
+                <p:oleObj spid="_x0000_s21514" name="Equation" r:id="rId8" imgW="1384200" imgH="1587240" progId="Equation.DSMT4">
+                  <p:embed/>
+                </p:oleObj>
+              </mc:Choice>
+              <mc:Fallback>
+                <p:oleObj name="Equation" r:id="rId8" imgW="1384200" imgH="1587240" progId="Equation.DSMT4">
+                  <p:embed/>
+                  <p:pic>
+                    <p:nvPicPr>
+                      <p:cNvPr id="0" name=""/>
+                      <p:cNvPicPr>
+                        <a:picLocks noChangeAspect="1" noChangeArrowheads="1"/>
+                      </p:cNvPicPr>
+                      <p:nvPr/>
+                    </p:nvPicPr>
+                    <p:blipFill>
+                      <a:blip r:embed="rId9">
+                        <a:extLst>
+                          <a:ext uri="{28A0092B-C50C-407E-A947-70E740481C1C}">
+                            <a14:useLocalDpi xmlns:a14="http://schemas.microsoft.com/office/drawing/2010/main" val="0"/>
+                          </a:ext>
+                        </a:extLst>
+                      </a:blip>
+                      <a:srcRect/>
+                      <a:stretch>
+                        <a:fillRect/>
+                      </a:stretch>
+                    </p:blipFill>
+                    <p:spPr bwMode="auto">
+                      <a:xfrm>
+                        <a:off x="6769100" y="133350"/>
+                        <a:ext cx="1254125" cy="1438275"/>
+                      </a:xfrm>
+                      <a:prstGeom prst="rect">
+                        <a:avLst/>
+                      </a:prstGeom>
+                      <a:noFill/>
+                      <a:ln>
+                        <a:noFill/>
+                      </a:ln>
+                      <a:extLst>
+                        <a:ext uri="{909E8E84-426E-40DD-AFC4-6F175D3DCCD1}">
+                          <a14:hiddenFill xmlns:a14="http://schemas.microsoft.com/office/drawing/2010/main">
+                            <a:solidFill>
+                              <a:srgbClr val="FFFFFF"/>
+                            </a:solidFill>
+                          </a14:hiddenFill>
+                        </a:ext>
+                        <a:ext uri="{91240B29-F687-4F45-9708-019B960494DF}">
+                          <a14:hiddenLine xmlns:a14="http://schemas.microsoft.com/office/drawing/2010/main" w="9525">
+                            <a:solidFill>
+                              <a:srgbClr val="000000"/>
+                            </a:solidFill>
+                            <a:miter lim="800000"/>
+                            <a:headEnd/>
+                            <a:tailEnd/>
+                          </a14:hiddenLine>
+                        </a:ext>
+                      </a:extLst>
+                    </p:spPr>
+                  </p:pic>
+                </p:oleObj>
+              </mc:Fallback>
+            </mc:AlternateContent>
+          </a:graphicData>
+        </a:graphic>
+      </p:graphicFrame>
+    </p:spTree>
+    <p:extLst>
+      <p:ext uri="{BB962C8B-B14F-4D97-AF65-F5344CB8AC3E}">
+        <p14:creationId xmlns:p14="http://schemas.microsoft.com/office/powerpoint/2010/main" val="2245480841"/>
+      </p:ext>
+    </p:extLst>
+  </p:cSld>
+  <p:clrMapOvr>
+    <a:masterClrMapping/>
+  </p:clrMapOvr>
+  <p:timing>
+    <p:tnLst>
+      <p:par>
+        <p:cTn id="1" dur="indefinite" restart="never" nodeType="tmRoot"/>
+      </p:par>
+    </p:tnLst>
+  </p:timing>
+</p:sld>
+</file>
+
+<file path=ppt/slides/slide14.xml><?xml version="1.0" encoding="utf-8"?>
+<p:sld xmlns:a="http://schemas.openxmlformats.org/drawingml/2006/main" xmlns:r="http://schemas.openxmlformats.org/officeDocument/2006/relationships" xmlns:p="http://schemas.openxmlformats.org/presentationml/2006/main">
+  <p:cSld>
+    <p:spTree>
+      <p:nvGrpSpPr>
+        <p:cNvPr id="1" name=""/>
+        <p:cNvGrpSpPr/>
+        <p:nvPr/>
+      </p:nvGrpSpPr>
+      <p:grpSpPr>
+        <a:xfrm>
+          <a:off x="0" y="0"/>
+          <a:ext cx="0" cy="0"/>
+          <a:chOff x="0" y="0"/>
+          <a:chExt cx="0" cy="0"/>
+        </a:xfrm>
+      </p:grpSpPr>
+      <p:pic>
+        <p:nvPicPr>
+          <p:cNvPr id="2" name="Picture 1"/>
+          <p:cNvPicPr>
+            <a:picLocks noChangeAspect="1"/>
+          </p:cNvPicPr>
+          <p:nvPr/>
+        </p:nvPicPr>
+        <p:blipFill>
+          <a:blip r:embed="rId3">
+            <a:extLst>
+              <a:ext uri="{28A0092B-C50C-407E-A947-70E740481C1C}">
+                <a14:useLocalDpi xmlns:a14="http://schemas.microsoft.com/office/drawing/2010/main" val="0"/>
+              </a:ext>
+            </a:extLst>
+          </a:blip>
+          <a:stretch>
+            <a:fillRect/>
+          </a:stretch>
+        </p:blipFill>
+        <p:spPr>
+          <a:xfrm>
+            <a:off x="61332" y="1639139"/>
+            <a:ext cx="9021335" cy="1865222"/>
+          </a:xfrm>
+          <a:prstGeom prst="rect">
+            <a:avLst/>
+          </a:prstGeom>
+        </p:spPr>
+      </p:pic>
+      <p:graphicFrame>
+        <p:nvGraphicFramePr>
+          <p:cNvPr id="3" name="Object 2"/>
+          <p:cNvGraphicFramePr>
+            <a:graphicFrameLocks noChangeAspect="1"/>
+          </p:cNvGraphicFramePr>
+          <p:nvPr>
+            <p:extLst>
+              <p:ext uri="{D42A27DB-BD31-4B8C-83A1-F6EECF244321}">
+                <p14:modId xmlns:p14="http://schemas.microsoft.com/office/powerpoint/2010/main" val="2644635552"/>
+              </p:ext>
+            </p:extLst>
+          </p:nvPr>
+        </p:nvGraphicFramePr>
+        <p:xfrm>
+          <a:off x="1357313" y="574675"/>
+          <a:ext cx="368300" cy="622300"/>
+        </p:xfrm>
+        <a:graphic>
+          <a:graphicData uri="http://schemas.openxmlformats.org/presentationml/2006/ole">
+            <mc:AlternateContent xmlns:mc="http://schemas.openxmlformats.org/markup-compatibility/2006">
+              <mc:Choice xmlns:v="urn:schemas-microsoft-com:vml" Requires="v">
+                <p:oleObj spid="_x0000_s22536" name="Equation" r:id="rId4" imgW="406080" imgH="685800" progId="Equation.DSMT4">
+                  <p:embed/>
+                </p:oleObj>
+              </mc:Choice>
+              <mc:Fallback>
+                <p:oleObj name="Equation" r:id="rId4" imgW="406080" imgH="685800" progId="Equation.DSMT4">
+                  <p:embed/>
+                  <p:pic>
+                    <p:nvPicPr>
+                      <p:cNvPr id="0" name=""/>
+                      <p:cNvPicPr>
+                        <a:picLocks noChangeAspect="1" noChangeArrowheads="1"/>
+                      </p:cNvPicPr>
+                      <p:nvPr/>
+                    </p:nvPicPr>
+                    <p:blipFill>
+                      <a:blip r:embed="rId5">
+                        <a:extLst>
+                          <a:ext uri="{28A0092B-C50C-407E-A947-70E740481C1C}">
+                            <a14:useLocalDpi xmlns:a14="http://schemas.microsoft.com/office/drawing/2010/main" val="0"/>
+                          </a:ext>
+                        </a:extLst>
+                      </a:blip>
+                      <a:srcRect/>
+                      <a:stretch>
+                        <a:fillRect/>
+                      </a:stretch>
+                    </p:blipFill>
+                    <p:spPr bwMode="auto">
+                      <a:xfrm>
+                        <a:off x="1357313" y="574675"/>
+                        <a:ext cx="368300" cy="622300"/>
+                      </a:xfrm>
+                      <a:prstGeom prst="rect">
+                        <a:avLst/>
+                      </a:prstGeom>
+                      <a:noFill/>
+                      <a:ln>
+                        <a:noFill/>
+                      </a:ln>
+                      <a:extLst>
+                        <a:ext uri="{909E8E84-426E-40DD-AFC4-6F175D3DCCD1}">
+                          <a14:hiddenFill xmlns:a14="http://schemas.microsoft.com/office/drawing/2010/main">
+                            <a:solidFill>
+                              <a:srgbClr val="FFFFFF"/>
+                            </a:solidFill>
+                          </a14:hiddenFill>
+                        </a:ext>
+                        <a:ext uri="{91240B29-F687-4F45-9708-019B960494DF}">
+                          <a14:hiddenLine xmlns:a14="http://schemas.microsoft.com/office/drawing/2010/main" w="9525">
+                            <a:solidFill>
+                              <a:srgbClr val="000000"/>
+                            </a:solidFill>
+                            <a:miter lim="800000"/>
+                            <a:headEnd/>
+                            <a:tailEnd/>
+                          </a14:hiddenLine>
+                        </a:ext>
+                      </a:extLst>
+                    </p:spPr>
+                  </p:pic>
+                </p:oleObj>
+              </mc:Fallback>
+            </mc:AlternateContent>
+          </a:graphicData>
+        </a:graphic>
+      </p:graphicFrame>
+      <p:graphicFrame>
+        <p:nvGraphicFramePr>
+          <p:cNvPr id="4" name="Object 3"/>
+          <p:cNvGraphicFramePr>
+            <a:graphicFrameLocks noChangeAspect="1"/>
+          </p:cNvGraphicFramePr>
+          <p:nvPr>
+            <p:extLst>
+              <p:ext uri="{D42A27DB-BD31-4B8C-83A1-F6EECF244321}">
+                <p14:modId xmlns:p14="http://schemas.microsoft.com/office/powerpoint/2010/main" val="1044432816"/>
+              </p:ext>
+            </p:extLst>
+          </p:nvPr>
+        </p:nvGraphicFramePr>
+        <p:xfrm>
+          <a:off x="3505200" y="133350"/>
+          <a:ext cx="1990725" cy="1438275"/>
+        </p:xfrm>
+        <a:graphic>
+          <a:graphicData uri="http://schemas.openxmlformats.org/presentationml/2006/ole">
+            <mc:AlternateContent xmlns:mc="http://schemas.openxmlformats.org/markup-compatibility/2006">
+              <mc:Choice xmlns:v="urn:schemas-microsoft-com:vml" Requires="v">
+                <p:oleObj spid="_x0000_s22537" name="Equation" r:id="rId6" imgW="2197080" imgH="1587240" progId="Equation.DSMT4">
+                  <p:embed/>
+                </p:oleObj>
+              </mc:Choice>
+              <mc:Fallback>
+                <p:oleObj name="Equation" r:id="rId6" imgW="2197080" imgH="1587240" progId="Equation.DSMT4">
+                  <p:embed/>
+                  <p:pic>
+                    <p:nvPicPr>
+                      <p:cNvPr id="0" name=""/>
+                      <p:cNvPicPr>
+                        <a:picLocks noChangeAspect="1" noChangeArrowheads="1"/>
+                      </p:cNvPicPr>
+                      <p:nvPr/>
+                    </p:nvPicPr>
+                    <p:blipFill>
+                      <a:blip r:embed="rId7">
+                        <a:extLst>
+                          <a:ext uri="{28A0092B-C50C-407E-A947-70E740481C1C}">
+                            <a14:useLocalDpi xmlns:a14="http://schemas.microsoft.com/office/drawing/2010/main" val="0"/>
+                          </a:ext>
+                        </a:extLst>
+                      </a:blip>
+                      <a:srcRect/>
+                      <a:stretch>
+                        <a:fillRect/>
+                      </a:stretch>
+                    </p:blipFill>
+                    <p:spPr bwMode="auto">
+                      <a:xfrm>
+                        <a:off x="3505200" y="133350"/>
+                        <a:ext cx="1990725" cy="1438275"/>
+                      </a:xfrm>
+                      <a:prstGeom prst="rect">
+                        <a:avLst/>
+                      </a:prstGeom>
+                      <a:noFill/>
+                      <a:ln>
+                        <a:noFill/>
+                      </a:ln>
+                      <a:extLst>
+                        <a:ext uri="{909E8E84-426E-40DD-AFC4-6F175D3DCCD1}">
+                          <a14:hiddenFill xmlns:a14="http://schemas.microsoft.com/office/drawing/2010/main">
+                            <a:solidFill>
+                              <a:srgbClr val="FFFFFF"/>
+                            </a:solidFill>
+                          </a14:hiddenFill>
+                        </a:ext>
+                        <a:ext uri="{91240B29-F687-4F45-9708-019B960494DF}">
+                          <a14:hiddenLine xmlns:a14="http://schemas.microsoft.com/office/drawing/2010/main" w="9525">
+                            <a:solidFill>
+                              <a:srgbClr val="000000"/>
+                            </a:solidFill>
+                            <a:miter lim="800000"/>
+                            <a:headEnd/>
+                            <a:tailEnd/>
+                          </a14:hiddenLine>
+                        </a:ext>
+                      </a:extLst>
+                    </p:spPr>
+                  </p:pic>
+                </p:oleObj>
+              </mc:Fallback>
+            </mc:AlternateContent>
+          </a:graphicData>
+        </a:graphic>
+      </p:graphicFrame>
+      <p:graphicFrame>
+        <p:nvGraphicFramePr>
+          <p:cNvPr id="5" name="Object 4"/>
+          <p:cNvGraphicFramePr>
+            <a:graphicFrameLocks noChangeAspect="1"/>
+          </p:cNvGraphicFramePr>
+          <p:nvPr>
+            <p:extLst>
+              <p:ext uri="{D42A27DB-BD31-4B8C-83A1-F6EECF244321}">
+                <p14:modId xmlns:p14="http://schemas.microsoft.com/office/powerpoint/2010/main" val="795966391"/>
+              </p:ext>
+            </p:extLst>
+          </p:nvPr>
+        </p:nvGraphicFramePr>
+        <p:xfrm>
+          <a:off x="6769100" y="133350"/>
+          <a:ext cx="1254125" cy="1438275"/>
+        </p:xfrm>
+        <a:graphic>
+          <a:graphicData uri="http://schemas.openxmlformats.org/presentationml/2006/ole">
+            <mc:AlternateContent xmlns:mc="http://schemas.openxmlformats.org/markup-compatibility/2006">
+              <mc:Choice xmlns:v="urn:schemas-microsoft-com:vml" Requires="v">
+                <p:oleObj spid="_x0000_s22538" name="Equation" r:id="rId8" imgW="1384200" imgH="1587240" progId="Equation.DSMT4">
+                  <p:embed/>
+                </p:oleObj>
+              </mc:Choice>
+              <mc:Fallback>
+                <p:oleObj name="Equation" r:id="rId8" imgW="1384200" imgH="1587240" progId="Equation.DSMT4">
+                  <p:embed/>
+                  <p:pic>
+                    <p:nvPicPr>
+                      <p:cNvPr id="0" name=""/>
+                      <p:cNvPicPr>
+                        <a:picLocks noChangeAspect="1" noChangeArrowheads="1"/>
+                      </p:cNvPicPr>
+                      <p:nvPr/>
+                    </p:nvPicPr>
+                    <p:blipFill>
+                      <a:blip r:embed="rId9">
+                        <a:extLst>
+                          <a:ext uri="{28A0092B-C50C-407E-A947-70E740481C1C}">
+                            <a14:useLocalDpi xmlns:a14="http://schemas.microsoft.com/office/drawing/2010/main" val="0"/>
+                          </a:ext>
+                        </a:extLst>
+                      </a:blip>
+                      <a:srcRect/>
+                      <a:stretch>
+                        <a:fillRect/>
+                      </a:stretch>
+                    </p:blipFill>
+                    <p:spPr bwMode="auto">
+                      <a:xfrm>
+                        <a:off x="6769100" y="133350"/>
+                        <a:ext cx="1254125" cy="1438275"/>
+                      </a:xfrm>
+                      <a:prstGeom prst="rect">
+                        <a:avLst/>
+                      </a:prstGeom>
+                      <a:noFill/>
+                      <a:ln>
+                        <a:noFill/>
+                      </a:ln>
+                      <a:extLst>
+                        <a:ext uri="{909E8E84-426E-40DD-AFC4-6F175D3DCCD1}">
+                          <a14:hiddenFill xmlns:a14="http://schemas.microsoft.com/office/drawing/2010/main">
+                            <a:solidFill>
+                              <a:srgbClr val="FFFFFF"/>
+                            </a:solidFill>
+                          </a14:hiddenFill>
+                        </a:ext>
+                        <a:ext uri="{91240B29-F687-4F45-9708-019B960494DF}">
+                          <a14:hiddenLine xmlns:a14="http://schemas.microsoft.com/office/drawing/2010/main" w="9525">
+                            <a:solidFill>
+                              <a:srgbClr val="000000"/>
+                            </a:solidFill>
+                            <a:miter lim="800000"/>
+                            <a:headEnd/>
+                            <a:tailEnd/>
+                          </a14:hiddenLine>
+                        </a:ext>
+                      </a:extLst>
+                    </p:spPr>
+                  </p:pic>
+                </p:oleObj>
+              </mc:Fallback>
+            </mc:AlternateContent>
+          </a:graphicData>
+        </a:graphic>
+      </p:graphicFrame>
+    </p:spTree>
+    <p:extLst>
+      <p:ext uri="{BB962C8B-B14F-4D97-AF65-F5344CB8AC3E}">
+        <p14:creationId xmlns:p14="http://schemas.microsoft.com/office/powerpoint/2010/main" val="3532624337"/>
       </p:ext>
     </p:extLst>
   </p:cSld>
@@ -3695,7 +5396,7 @@
           <a:graphicData uri="http://schemas.openxmlformats.org/presentationml/2006/ole">
             <mc:AlternateContent xmlns:mc="http://schemas.openxmlformats.org/markup-compatibility/2006">
               <mc:Choice xmlns:v="urn:schemas-microsoft-com:vml" Requires="v">
-                <p:oleObj spid="_x0000_s12295" name="Equation" r:id="rId3" imgW="4063680" imgH="1358640" progId="Equation.DSMT4">
+                <p:oleObj spid="_x0000_s12315" name="Equation" r:id="rId3" imgW="4063680" imgH="1358640" progId="Equation.DSMT4">
                   <p:embed/>
                 </p:oleObj>
               </mc:Choice>
@@ -3795,7 +5496,7 @@
           <a:graphicData uri="http://schemas.openxmlformats.org/presentationml/2006/ole">
             <mc:AlternateContent xmlns:mc="http://schemas.openxmlformats.org/markup-compatibility/2006">
               <mc:Choice xmlns:v="urn:schemas-microsoft-com:vml" Requires="v">
-                <p:oleObj spid="_x0000_s12296" name="Equation" r:id="rId5" imgW="3593880" imgH="1358640" progId="Equation.DSMT4">
+                <p:oleObj spid="_x0000_s12316" name="Equation" r:id="rId5" imgW="3593880" imgH="1358640" progId="Equation.DSMT4">
                   <p:embed/>
                 </p:oleObj>
               </mc:Choice>
@@ -3865,7 +5566,7 @@
           <a:graphicData uri="http://schemas.openxmlformats.org/presentationml/2006/ole">
             <mc:AlternateContent xmlns:mc="http://schemas.openxmlformats.org/markup-compatibility/2006">
               <mc:Choice xmlns:v="urn:schemas-microsoft-com:vml" Requires="v">
-                <p:oleObj spid="_x0000_s12297" name="Equation" r:id="rId7" imgW="2476440" imgH="1218960" progId="Equation.DSMT4">
+                <p:oleObj spid="_x0000_s12317" name="Equation" r:id="rId7" imgW="2476440" imgH="1218960" progId="Equation.DSMT4">
                   <p:embed/>
                 </p:oleObj>
               </mc:Choice>
@@ -3935,7 +5636,7 @@
           <a:graphicData uri="http://schemas.openxmlformats.org/presentationml/2006/ole">
             <mc:AlternateContent xmlns:mc="http://schemas.openxmlformats.org/markup-compatibility/2006">
               <mc:Choice xmlns:v="urn:schemas-microsoft-com:vml" Requires="v">
-                <p:oleObj spid="_x0000_s12298" name="Equation" r:id="rId9" imgW="3301920" imgH="1218960" progId="Equation.DSMT4">
+                <p:oleObj spid="_x0000_s12318" name="Equation" r:id="rId9" imgW="3301920" imgH="1218960" progId="Equation.DSMT4">
                   <p:embed/>
                 </p:oleObj>
               </mc:Choice>
@@ -4005,7 +5706,7 @@
           <a:graphicData uri="http://schemas.openxmlformats.org/presentationml/2006/ole">
             <mc:AlternateContent xmlns:mc="http://schemas.openxmlformats.org/markup-compatibility/2006">
               <mc:Choice xmlns:v="urn:schemas-microsoft-com:vml" Requires="v">
-                <p:oleObj spid="_x0000_s12299" name="Equation" r:id="rId11" imgW="2476440" imgH="1218960" progId="Equation.DSMT4">
+                <p:oleObj spid="_x0000_s12319" name="Equation" r:id="rId11" imgW="2476440" imgH="1218960" progId="Equation.DSMT4">
                   <p:embed/>
                 </p:oleObj>
               </mc:Choice>
@@ -4098,6 +5799,543 @@
       </p:grpSpPr>
       <p:sp>
         <p:nvSpPr>
+          <p:cNvPr id="12" name="TextBox 11"/>
+          <p:cNvSpPr txBox="1"/>
+          <p:nvPr/>
+        </p:nvSpPr>
+        <p:spPr>
+          <a:xfrm>
+            <a:off x="2" y="0"/>
+            <a:ext cx="2900859" cy="369332"/>
+          </a:xfrm>
+          <a:prstGeom prst="rect">
+            <a:avLst/>
+          </a:prstGeom>
+          <a:noFill/>
+        </p:spPr>
+        <p:txBody>
+          <a:bodyPr wrap="none" rtlCol="0">
+            <a:spAutoFit/>
+          </a:bodyPr>
+          <a:lstStyle/>
+          <a:p>
+            <a:r>
+              <a:rPr lang="en-US" dirty="0" smtClean="0"/>
+              <a:t>Original EMOSA specification</a:t>
+            </a:r>
+            <a:endParaRPr lang="en-US" dirty="0"/>
+          </a:p>
+        </p:txBody>
+      </p:sp>
+      <p:sp>
+        <p:nvSpPr>
+          <p:cNvPr id="19" name="TextBox 18"/>
+          <p:cNvSpPr txBox="1"/>
+          <p:nvPr/>
+        </p:nvSpPr>
+        <p:spPr>
+          <a:xfrm>
+            <a:off x="3918686" y="438150"/>
+            <a:ext cx="809837" cy="369332"/>
+          </a:xfrm>
+          <a:prstGeom prst="rect">
+            <a:avLst/>
+          </a:prstGeom>
+          <a:noFill/>
+        </p:spPr>
+        <p:txBody>
+          <a:bodyPr wrap="none" rtlCol="0">
+            <a:spAutoFit/>
+          </a:bodyPr>
+          <a:lstStyle/>
+          <a:p>
+            <a:r>
+              <a:rPr lang="en-US" dirty="0" smtClean="0"/>
+              <a:t>Hybrid</a:t>
+            </a:r>
+            <a:endParaRPr lang="en-US" dirty="0"/>
+          </a:p>
+        </p:txBody>
+      </p:sp>
+      <p:sp>
+        <p:nvSpPr>
+          <p:cNvPr id="20" name="TextBox 19"/>
+          <p:cNvSpPr txBox="1"/>
+          <p:nvPr/>
+        </p:nvSpPr>
+        <p:spPr>
+          <a:xfrm>
+            <a:off x="3810000" y="3409950"/>
+            <a:ext cx="1027204" cy="369332"/>
+          </a:xfrm>
+          <a:prstGeom prst="rect">
+            <a:avLst/>
+          </a:prstGeom>
+          <a:noFill/>
+        </p:spPr>
+        <p:txBody>
+          <a:bodyPr wrap="none" rtlCol="0">
+            <a:spAutoFit/>
+          </a:bodyPr>
+          <a:lstStyle/>
+          <a:p>
+            <a:r>
+              <a:rPr lang="en-US" dirty="0" smtClean="0"/>
+              <a:t>Diffusion</a:t>
+            </a:r>
+            <a:endParaRPr lang="en-US" dirty="0"/>
+          </a:p>
+        </p:txBody>
+      </p:sp>
+      <p:sp>
+        <p:nvSpPr>
+          <p:cNvPr id="21" name="TextBox 20"/>
+          <p:cNvSpPr txBox="1"/>
+          <p:nvPr/>
+        </p:nvSpPr>
+        <p:spPr>
+          <a:xfrm>
+            <a:off x="3753641" y="2114550"/>
+            <a:ext cx="1139927" cy="369332"/>
+          </a:xfrm>
+          <a:prstGeom prst="rect">
+            <a:avLst/>
+          </a:prstGeom>
+          <a:noFill/>
+        </p:spPr>
+        <p:txBody>
+          <a:bodyPr wrap="none" rtlCol="0">
+            <a:spAutoFit/>
+          </a:bodyPr>
+          <a:lstStyle/>
+          <a:p>
+            <a:r>
+              <a:rPr lang="en-US" dirty="0" smtClean="0"/>
+              <a:t>Contagion</a:t>
+            </a:r>
+            <a:endParaRPr lang="en-US" dirty="0"/>
+          </a:p>
+        </p:txBody>
+      </p:sp>
+      <p:graphicFrame>
+        <p:nvGraphicFramePr>
+          <p:cNvPr id="26" name="Object 25"/>
+          <p:cNvGraphicFramePr>
+            <a:graphicFrameLocks noChangeAspect="1"/>
+          </p:cNvGraphicFramePr>
+          <p:nvPr>
+            <p:extLst>
+              <p:ext uri="{D42A27DB-BD31-4B8C-83A1-F6EECF244321}">
+                <p14:modId xmlns:p14="http://schemas.microsoft.com/office/powerpoint/2010/main" val="1614392303"/>
+              </p:ext>
+            </p:extLst>
+          </p:nvPr>
+        </p:nvGraphicFramePr>
+        <p:xfrm>
+          <a:off x="4857750" y="704850"/>
+          <a:ext cx="4229100" cy="1371600"/>
+        </p:xfrm>
+        <a:graphic>
+          <a:graphicData uri="http://schemas.openxmlformats.org/presentationml/2006/ole">
+            <mc:AlternateContent xmlns:mc="http://schemas.openxmlformats.org/markup-compatibility/2006">
+              <mc:Choice xmlns:v="urn:schemas-microsoft-com:vml" Requires="v">
+                <p:oleObj spid="_x0000_s23559" name="Equation" r:id="rId3" imgW="4254480" imgH="1358640" progId="Equation.DSMT4">
+                  <p:embed/>
+                </p:oleObj>
+              </mc:Choice>
+              <mc:Fallback>
+                <p:oleObj name="Equation" r:id="rId3" imgW="4254480" imgH="1358640" progId="Equation.DSMT4">
+                  <p:embed/>
+                  <p:pic>
+                    <p:nvPicPr>
+                      <p:cNvPr id="0" name=""/>
+                      <p:cNvPicPr>
+                        <a:picLocks noChangeAspect="1" noChangeArrowheads="1"/>
+                      </p:cNvPicPr>
+                      <p:nvPr/>
+                    </p:nvPicPr>
+                    <p:blipFill>
+                      <a:blip r:embed="rId4"/>
+                      <a:srcRect/>
+                      <a:stretch>
+                        <a:fillRect/>
+                      </a:stretch>
+                    </p:blipFill>
+                    <p:spPr bwMode="auto">
+                      <a:xfrm>
+                        <a:off x="4857750" y="704850"/>
+                        <a:ext cx="4229100" cy="1371600"/>
+                      </a:xfrm>
+                      <a:prstGeom prst="rect">
+                        <a:avLst/>
+                      </a:prstGeom>
+                      <a:noFill/>
+                      <a:extLst>
+                        <a:ext uri="{909E8E84-426E-40DD-AFC4-6F175D3DCCD1}">
+                          <a14:hiddenFill xmlns:a14="http://schemas.microsoft.com/office/drawing/2010/main">
+                            <a:solidFill>
+                              <a:srgbClr val="FFFFFF"/>
+                            </a:solidFill>
+                          </a14:hiddenFill>
+                        </a:ext>
+                      </a:extLst>
+                    </p:spPr>
+                  </p:pic>
+                </p:oleObj>
+              </mc:Fallback>
+            </mc:AlternateContent>
+          </a:graphicData>
+        </a:graphic>
+      </p:graphicFrame>
+      <p:sp>
+        <p:nvSpPr>
+          <p:cNvPr id="30" name="TextBox 29"/>
+          <p:cNvSpPr txBox="1"/>
+          <p:nvPr/>
+        </p:nvSpPr>
+        <p:spPr>
+          <a:xfrm>
+            <a:off x="5638800" y="1197"/>
+            <a:ext cx="3562450" cy="369332"/>
+          </a:xfrm>
+          <a:prstGeom prst="rect">
+            <a:avLst/>
+          </a:prstGeom>
+          <a:noFill/>
+        </p:spPr>
+        <p:txBody>
+          <a:bodyPr wrap="none" rtlCol="0">
+            <a:spAutoFit/>
+          </a:bodyPr>
+          <a:lstStyle/>
+          <a:p>
+            <a:r>
+              <a:rPr lang="en-US" dirty="0" smtClean="0"/>
+              <a:t>alternativePlus EMOSA specification</a:t>
+            </a:r>
+            <a:endParaRPr lang="en-US" dirty="0"/>
+          </a:p>
+        </p:txBody>
+      </p:sp>
+      <p:graphicFrame>
+        <p:nvGraphicFramePr>
+          <p:cNvPr id="1040" name="Object 16"/>
+          <p:cNvGraphicFramePr>
+            <a:graphicFrameLocks noChangeAspect="1"/>
+          </p:cNvGraphicFramePr>
+          <p:nvPr/>
+        </p:nvGraphicFramePr>
+        <p:xfrm>
+          <a:off x="161927" y="704850"/>
+          <a:ext cx="3571875" cy="1371600"/>
+        </p:xfrm>
+        <a:graphic>
+          <a:graphicData uri="http://schemas.openxmlformats.org/presentationml/2006/ole">
+            <mc:AlternateContent xmlns:mc="http://schemas.openxmlformats.org/markup-compatibility/2006">
+              <mc:Choice xmlns:v="urn:schemas-microsoft-com:vml" Requires="v">
+                <p:oleObj spid="_x0000_s23560" name="Equation" r:id="rId5" imgW="3593880" imgH="1358640" progId="Equation.DSMT4">
+                  <p:embed/>
+                </p:oleObj>
+              </mc:Choice>
+              <mc:Fallback>
+                <p:oleObj name="Equation" r:id="rId5" imgW="3593880" imgH="1358640" progId="Equation.DSMT4">
+                  <p:embed/>
+                  <p:pic>
+                    <p:nvPicPr>
+                      <p:cNvPr id="0" name=""/>
+                      <p:cNvPicPr>
+                        <a:picLocks noChangeAspect="1" noChangeArrowheads="1"/>
+                      </p:cNvPicPr>
+                      <p:nvPr/>
+                    </p:nvPicPr>
+                    <p:blipFill>
+                      <a:blip r:embed="rId6">
+                        <a:extLst>
+                          <a:ext uri="{28A0092B-C50C-407E-A947-70E740481C1C}">
+                            <a14:useLocalDpi xmlns:a14="http://schemas.microsoft.com/office/drawing/2010/main" val="0"/>
+                          </a:ext>
+                        </a:extLst>
+                      </a:blip>
+                      <a:srcRect/>
+                      <a:stretch>
+                        <a:fillRect/>
+                      </a:stretch>
+                    </p:blipFill>
+                    <p:spPr bwMode="auto">
+                      <a:xfrm>
+                        <a:off x="161927" y="704850"/>
+                        <a:ext cx="3571875" cy="1371600"/>
+                      </a:xfrm>
+                      <a:prstGeom prst="rect">
+                        <a:avLst/>
+                      </a:prstGeom>
+                      <a:noFill/>
+                      <a:extLst>
+                        <a:ext uri="{909E8E84-426E-40DD-AFC4-6F175D3DCCD1}">
+                          <a14:hiddenFill xmlns:a14="http://schemas.microsoft.com/office/drawing/2010/main">
+                            <a:solidFill>
+                              <a:srgbClr val="FFFFFF"/>
+                            </a:solidFill>
+                          </a14:hiddenFill>
+                        </a:ext>
+                      </a:extLst>
+                    </p:spPr>
+                  </p:pic>
+                </p:oleObj>
+              </mc:Fallback>
+            </mc:AlternateContent>
+          </a:graphicData>
+        </a:graphic>
+      </p:graphicFrame>
+      <p:graphicFrame>
+        <p:nvGraphicFramePr>
+          <p:cNvPr id="1042" name="Object 18"/>
+          <p:cNvGraphicFramePr>
+            <a:graphicFrameLocks noChangeAspect="1"/>
+          </p:cNvGraphicFramePr>
+          <p:nvPr/>
+        </p:nvGraphicFramePr>
+        <p:xfrm>
+          <a:off x="5029202" y="2266950"/>
+          <a:ext cx="2462213" cy="1231900"/>
+        </p:xfrm>
+        <a:graphic>
+          <a:graphicData uri="http://schemas.openxmlformats.org/presentationml/2006/ole">
+            <mc:AlternateContent xmlns:mc="http://schemas.openxmlformats.org/markup-compatibility/2006">
+              <mc:Choice xmlns:v="urn:schemas-microsoft-com:vml" Requires="v">
+                <p:oleObj spid="_x0000_s23561" name="Equation" r:id="rId7" imgW="2476440" imgH="1218960" progId="Equation.DSMT4">
+                  <p:embed/>
+                </p:oleObj>
+              </mc:Choice>
+              <mc:Fallback>
+                <p:oleObj name="Equation" r:id="rId7" imgW="2476440" imgH="1218960" progId="Equation.DSMT4">
+                  <p:embed/>
+                  <p:pic>
+                    <p:nvPicPr>
+                      <p:cNvPr id="0" name=""/>
+                      <p:cNvPicPr>
+                        <a:picLocks noChangeAspect="1" noChangeArrowheads="1"/>
+                      </p:cNvPicPr>
+                      <p:nvPr/>
+                    </p:nvPicPr>
+                    <p:blipFill>
+                      <a:blip r:embed="rId8">
+                        <a:extLst>
+                          <a:ext uri="{28A0092B-C50C-407E-A947-70E740481C1C}">
+                            <a14:useLocalDpi xmlns:a14="http://schemas.microsoft.com/office/drawing/2010/main" val="0"/>
+                          </a:ext>
+                        </a:extLst>
+                      </a:blip>
+                      <a:srcRect/>
+                      <a:stretch>
+                        <a:fillRect/>
+                      </a:stretch>
+                    </p:blipFill>
+                    <p:spPr bwMode="auto">
+                      <a:xfrm>
+                        <a:off x="5029202" y="2266950"/>
+                        <a:ext cx="2462213" cy="1231900"/>
+                      </a:xfrm>
+                      <a:prstGeom prst="rect">
+                        <a:avLst/>
+                      </a:prstGeom>
+                      <a:noFill/>
+                      <a:extLst>
+                        <a:ext uri="{909E8E84-426E-40DD-AFC4-6F175D3DCCD1}">
+                          <a14:hiddenFill xmlns:a14="http://schemas.microsoft.com/office/drawing/2010/main">
+                            <a:solidFill>
+                              <a:srgbClr val="FFFFFF"/>
+                            </a:solidFill>
+                          </a14:hiddenFill>
+                        </a:ext>
+                      </a:extLst>
+                    </p:spPr>
+                  </p:pic>
+                </p:oleObj>
+              </mc:Fallback>
+            </mc:AlternateContent>
+          </a:graphicData>
+        </a:graphic>
+      </p:graphicFrame>
+      <p:graphicFrame>
+        <p:nvGraphicFramePr>
+          <p:cNvPr id="1043" name="Object 19"/>
+          <p:cNvGraphicFramePr>
+            <a:graphicFrameLocks noChangeAspect="1"/>
+          </p:cNvGraphicFramePr>
+          <p:nvPr/>
+        </p:nvGraphicFramePr>
+        <p:xfrm>
+          <a:off x="381000" y="2266950"/>
+          <a:ext cx="3281362" cy="1231900"/>
+        </p:xfrm>
+        <a:graphic>
+          <a:graphicData uri="http://schemas.openxmlformats.org/presentationml/2006/ole">
+            <mc:AlternateContent xmlns:mc="http://schemas.openxmlformats.org/markup-compatibility/2006">
+              <mc:Choice xmlns:v="urn:schemas-microsoft-com:vml" Requires="v">
+                <p:oleObj spid="_x0000_s23562" name="Equation" r:id="rId9" imgW="3301920" imgH="1218960" progId="Equation.DSMT4">
+                  <p:embed/>
+                </p:oleObj>
+              </mc:Choice>
+              <mc:Fallback>
+                <p:oleObj name="Equation" r:id="rId9" imgW="3301920" imgH="1218960" progId="Equation.DSMT4">
+                  <p:embed/>
+                  <p:pic>
+                    <p:nvPicPr>
+                      <p:cNvPr id="0" name=""/>
+                      <p:cNvPicPr>
+                        <a:picLocks noChangeAspect="1" noChangeArrowheads="1"/>
+                      </p:cNvPicPr>
+                      <p:nvPr/>
+                    </p:nvPicPr>
+                    <p:blipFill>
+                      <a:blip r:embed="rId10">
+                        <a:extLst>
+                          <a:ext uri="{28A0092B-C50C-407E-A947-70E740481C1C}">
+                            <a14:useLocalDpi xmlns:a14="http://schemas.microsoft.com/office/drawing/2010/main" val="0"/>
+                          </a:ext>
+                        </a:extLst>
+                      </a:blip>
+                      <a:srcRect/>
+                      <a:stretch>
+                        <a:fillRect/>
+                      </a:stretch>
+                    </p:blipFill>
+                    <p:spPr bwMode="auto">
+                      <a:xfrm>
+                        <a:off x="381000" y="2266950"/>
+                        <a:ext cx="3281362" cy="1231900"/>
+                      </a:xfrm>
+                      <a:prstGeom prst="rect">
+                        <a:avLst/>
+                      </a:prstGeom>
+                      <a:noFill/>
+                      <a:extLst>
+                        <a:ext uri="{909E8E84-426E-40DD-AFC4-6F175D3DCCD1}">
+                          <a14:hiddenFill xmlns:a14="http://schemas.microsoft.com/office/drawing/2010/main">
+                            <a:solidFill>
+                              <a:srgbClr val="FFFFFF"/>
+                            </a:solidFill>
+                          </a14:hiddenFill>
+                        </a:ext>
+                      </a:extLst>
+                    </p:spPr>
+                  </p:pic>
+                </p:oleObj>
+              </mc:Fallback>
+            </mc:AlternateContent>
+          </a:graphicData>
+        </a:graphic>
+      </p:graphicFrame>
+      <p:graphicFrame>
+        <p:nvGraphicFramePr>
+          <p:cNvPr id="1044" name="Object 20"/>
+          <p:cNvGraphicFramePr>
+            <a:graphicFrameLocks noChangeAspect="1"/>
+          </p:cNvGraphicFramePr>
+          <p:nvPr/>
+        </p:nvGraphicFramePr>
+        <p:xfrm>
+          <a:off x="3124202" y="3790950"/>
+          <a:ext cx="2462213" cy="1231900"/>
+        </p:xfrm>
+        <a:graphic>
+          <a:graphicData uri="http://schemas.openxmlformats.org/presentationml/2006/ole">
+            <mc:AlternateContent xmlns:mc="http://schemas.openxmlformats.org/markup-compatibility/2006">
+              <mc:Choice xmlns:v="urn:schemas-microsoft-com:vml" Requires="v">
+                <p:oleObj spid="_x0000_s23563" name="Equation" r:id="rId11" imgW="2476440" imgH="1218960" progId="Equation.DSMT4">
+                  <p:embed/>
+                </p:oleObj>
+              </mc:Choice>
+              <mc:Fallback>
+                <p:oleObj name="Equation" r:id="rId11" imgW="2476440" imgH="1218960" progId="Equation.DSMT4">
+                  <p:embed/>
+                  <p:pic>
+                    <p:nvPicPr>
+                      <p:cNvPr id="0" name=""/>
+                      <p:cNvPicPr>
+                        <a:picLocks noChangeAspect="1" noChangeArrowheads="1"/>
+                      </p:cNvPicPr>
+                      <p:nvPr/>
+                    </p:nvPicPr>
+                    <p:blipFill>
+                      <a:blip r:embed="rId12">
+                        <a:extLst>
+                          <a:ext uri="{28A0092B-C50C-407E-A947-70E740481C1C}">
+                            <a14:useLocalDpi xmlns:a14="http://schemas.microsoft.com/office/drawing/2010/main" val="0"/>
+                          </a:ext>
+                        </a:extLst>
+                      </a:blip>
+                      <a:srcRect/>
+                      <a:stretch>
+                        <a:fillRect/>
+                      </a:stretch>
+                    </p:blipFill>
+                    <p:spPr bwMode="auto">
+                      <a:xfrm>
+                        <a:off x="3124202" y="3790950"/>
+                        <a:ext cx="2462213" cy="1231900"/>
+                      </a:xfrm>
+                      <a:prstGeom prst="rect">
+                        <a:avLst/>
+                      </a:prstGeom>
+                      <a:noFill/>
+                      <a:extLst>
+                        <a:ext uri="{909E8E84-426E-40DD-AFC4-6F175D3DCCD1}">
+                          <a14:hiddenFill xmlns:a14="http://schemas.microsoft.com/office/drawing/2010/main">
+                            <a:solidFill>
+                              <a:srgbClr val="FFFFFF"/>
+                            </a:solidFill>
+                          </a14:hiddenFill>
+                        </a:ext>
+                      </a:extLst>
+                    </p:spPr>
+                  </p:pic>
+                </p:oleObj>
+              </mc:Fallback>
+            </mc:AlternateContent>
+          </a:graphicData>
+        </a:graphic>
+      </p:graphicFrame>
+    </p:spTree>
+    <p:extLst>
+      <p:ext uri="{BB962C8B-B14F-4D97-AF65-F5344CB8AC3E}">
+        <p14:creationId xmlns:p14="http://schemas.microsoft.com/office/powerpoint/2010/main" val="447753171"/>
+      </p:ext>
+    </p:extLst>
+  </p:cSld>
+  <p:clrMapOvr>
+    <a:masterClrMapping/>
+  </p:clrMapOvr>
+  <p:timing>
+    <p:tnLst>
+      <p:par>
+        <p:cTn id="1" dur="indefinite" restart="never" nodeType="tmRoot"/>
+      </p:par>
+    </p:tnLst>
+  </p:timing>
+</p:sld>
+</file>
+
+<file path=ppt/slides/slide4.xml><?xml version="1.0" encoding="utf-8"?>
+<p:sld xmlns:a="http://schemas.openxmlformats.org/drawingml/2006/main" xmlns:r="http://schemas.openxmlformats.org/officeDocument/2006/relationships" xmlns:p="http://schemas.openxmlformats.org/presentationml/2006/main">
+  <p:cSld>
+    <p:spTree>
+      <p:nvGrpSpPr>
+        <p:cNvPr id="1" name=""/>
+        <p:cNvGrpSpPr/>
+        <p:nvPr/>
+      </p:nvGrpSpPr>
+      <p:grpSpPr>
+        <a:xfrm>
+          <a:off x="0" y="0"/>
+          <a:ext cx="0" cy="0"/>
+          <a:chOff x="0" y="0"/>
+          <a:chExt cx="0" cy="0"/>
+        </a:xfrm>
+      </p:grpSpPr>
+      <p:sp>
+        <p:nvSpPr>
           <p:cNvPr id="4" name="TextBox 3"/>
           <p:cNvSpPr txBox="1"/>
           <p:nvPr/>
@@ -4178,7 +6416,7 @@
           <a:graphicData uri="http://schemas.openxmlformats.org/presentationml/2006/ole">
             <mc:AlternateContent xmlns:mc="http://schemas.openxmlformats.org/markup-compatibility/2006">
               <mc:Choice xmlns:v="urn:schemas-microsoft-com:vml" Requires="v">
-                <p:oleObj spid="_x0000_s13317" name="Equation" r:id="rId3" imgW="3340080" imgH="1498320" progId="Equation.DSMT4">
+                <p:oleObj spid="_x0000_s13329" name="Equation" r:id="rId3" imgW="3340080" imgH="1498320" progId="Equation.DSMT4">
                   <p:embed/>
                 </p:oleObj>
               </mc:Choice>
@@ -4242,7 +6480,7 @@
           <a:graphicData uri="http://schemas.openxmlformats.org/presentationml/2006/ole">
             <mc:AlternateContent xmlns:mc="http://schemas.openxmlformats.org/markup-compatibility/2006">
               <mc:Choice xmlns:v="urn:schemas-microsoft-com:vml" Requires="v">
-                <p:oleObj spid="_x0000_s13318" name="Equation" r:id="rId5" imgW="3301920" imgH="1498320" progId="Equation.DSMT4">
+                <p:oleObj spid="_x0000_s13330" name="Equation" r:id="rId5" imgW="3301920" imgH="1498320" progId="Equation.DSMT4">
                   <p:embed/>
                 </p:oleObj>
               </mc:Choice>
@@ -4306,7 +6544,7 @@
           <a:graphicData uri="http://schemas.openxmlformats.org/presentationml/2006/ole">
             <mc:AlternateContent xmlns:mc="http://schemas.openxmlformats.org/markup-compatibility/2006">
               <mc:Choice xmlns:v="urn:schemas-microsoft-com:vml" Requires="v">
-                <p:oleObj spid="_x0000_s13319" name="Equation" r:id="rId7" imgW="4914720" imgH="1701720" progId="Equation.DSMT4">
+                <p:oleObj spid="_x0000_s13331" name="Equation" r:id="rId7" imgW="4914720" imgH="1701720" progId="Equation.DSMT4">
                   <p:embed/>
                 </p:oleObj>
               </mc:Choice>
@@ -4431,1378 +6669,6 @@
     <p:extLst>
       <p:ext uri="{BB962C8B-B14F-4D97-AF65-F5344CB8AC3E}">
         <p14:creationId xmlns:p14="http://schemas.microsoft.com/office/powerpoint/2010/main" val="2150918387"/>
-      </p:ext>
-    </p:extLst>
-  </p:cSld>
-  <p:clrMapOvr>
-    <a:masterClrMapping/>
-  </p:clrMapOvr>
-  <p:timing>
-    <p:tnLst>
-      <p:par>
-        <p:cTn id="1" dur="indefinite" restart="never" nodeType="tmRoot"/>
-      </p:par>
-    </p:tnLst>
-  </p:timing>
-</p:sld>
-</file>
-
-<file path=ppt/slides/slide4.xml><?xml version="1.0" encoding="utf-8"?>
-<p:sld xmlns:a="http://schemas.openxmlformats.org/drawingml/2006/main" xmlns:r="http://schemas.openxmlformats.org/officeDocument/2006/relationships" xmlns:p="http://schemas.openxmlformats.org/presentationml/2006/main">
-  <p:cSld>
-    <p:spTree>
-      <p:nvGrpSpPr>
-        <p:cNvPr id="1" name=""/>
-        <p:cNvGrpSpPr/>
-        <p:nvPr/>
-      </p:nvGrpSpPr>
-      <p:grpSpPr>
-        <a:xfrm>
-          <a:off x="0" y="0"/>
-          <a:ext cx="0" cy="0"/>
-          <a:chOff x="0" y="0"/>
-          <a:chExt cx="0" cy="0"/>
-        </a:xfrm>
-      </p:grpSpPr>
-      <p:pic>
-        <p:nvPicPr>
-          <p:cNvPr id="4" name="Picture 3"/>
-          <p:cNvPicPr>
-            <a:picLocks noChangeAspect="1"/>
-          </p:cNvPicPr>
-          <p:nvPr/>
-        </p:nvPicPr>
-        <p:blipFill>
-          <a:blip r:embed="rId3">
-            <a:extLst>
-              <a:ext uri="{28A0092B-C50C-407E-A947-70E740481C1C}">
-                <a14:useLocalDpi xmlns:a14="http://schemas.microsoft.com/office/drawing/2010/main" val="0"/>
-              </a:ext>
-            </a:extLst>
-          </a:blip>
-          <a:stretch>
-            <a:fillRect/>
-          </a:stretch>
-        </p:blipFill>
-        <p:spPr>
-          <a:xfrm>
-            <a:off x="76200" y="514350"/>
-            <a:ext cx="9144000" cy="1143000"/>
-          </a:xfrm>
-          <a:prstGeom prst="rect">
-            <a:avLst/>
-          </a:prstGeom>
-        </p:spPr>
-      </p:pic>
-      <p:pic>
-        <p:nvPicPr>
-          <p:cNvPr id="5" name="Picture 4"/>
-          <p:cNvPicPr>
-            <a:picLocks noChangeAspect="1"/>
-          </p:cNvPicPr>
-          <p:nvPr/>
-        </p:nvPicPr>
-        <p:blipFill>
-          <a:blip r:embed="rId4">
-            <a:extLst>
-              <a:ext uri="{28A0092B-C50C-407E-A947-70E740481C1C}">
-                <a14:useLocalDpi xmlns:a14="http://schemas.microsoft.com/office/drawing/2010/main" val="0"/>
-              </a:ext>
-            </a:extLst>
-          </a:blip>
-          <a:stretch>
-            <a:fillRect/>
-          </a:stretch>
-        </p:blipFill>
-        <p:spPr>
-          <a:xfrm>
-            <a:off x="6553200" y="1763184"/>
-            <a:ext cx="2520949" cy="3361265"/>
-          </a:xfrm>
-          <a:prstGeom prst="rect">
-            <a:avLst/>
-          </a:prstGeom>
-        </p:spPr>
-      </p:pic>
-      <p:sp>
-        <p:nvSpPr>
-          <p:cNvPr id="15" name="TextBox 14"/>
-          <p:cNvSpPr txBox="1"/>
-          <p:nvPr/>
-        </p:nvSpPr>
-        <p:spPr>
-          <a:xfrm>
-            <a:off x="381000" y="57149"/>
-            <a:ext cx="609600" cy="507831"/>
-          </a:xfrm>
-          <a:prstGeom prst="rect">
-            <a:avLst/>
-          </a:prstGeom>
-          <a:noFill/>
-          <a:ln w="6350">
-            <a:solidFill>
-              <a:schemeClr val="tx1"/>
-            </a:solidFill>
-          </a:ln>
-        </p:spPr>
-        <p:txBody>
-          <a:bodyPr wrap="square" lIns="0" tIns="0" rIns="0" bIns="0" rtlCol="0">
-            <a:spAutoFit/>
-          </a:bodyPr>
-          <a:lstStyle/>
-          <a:p>
-            <a:pPr algn="ctr"/>
-            <a:r>
-              <a:rPr lang="en-US" sz="1100" dirty="0" smtClean="0">
-                <a:solidFill>
-                  <a:schemeClr val="bg1">
-                    <a:lumMod val="85000"/>
-                  </a:schemeClr>
-                </a:solidFill>
-              </a:rPr>
-              <a:t>G </a:t>
-            </a:r>
-            <a:r>
-              <a:rPr lang="en-US" sz="1100" dirty="0" smtClean="0"/>
-              <a:t>gi</a:t>
-            </a:r>
-            <a:r>
-              <a:rPr lang="en-US" sz="1100" dirty="0" smtClean="0">
-                <a:solidFill>
-                  <a:schemeClr val="bg1">
-                    <a:lumMod val="85000"/>
-                  </a:schemeClr>
-                </a:solidFill>
-              </a:rPr>
-              <a:t> ga</a:t>
-            </a:r>
-          </a:p>
-          <a:p>
-            <a:pPr algn="ctr"/>
-            <a:r>
-              <a:rPr lang="en-US" sz="1100" dirty="0">
-                <a:solidFill>
-                  <a:schemeClr val="bg1">
-                    <a:lumMod val="85000"/>
-                  </a:schemeClr>
-                </a:solidFill>
-              </a:rPr>
-              <a:t>i</a:t>
-            </a:r>
-            <a:r>
-              <a:rPr lang="en-US" sz="1100" dirty="0" smtClean="0">
-                <a:solidFill>
-                  <a:schemeClr val="bg1">
-                    <a:lumMod val="85000"/>
-                  </a:schemeClr>
-                </a:solidFill>
-              </a:rPr>
-              <a:t>g  I  ia</a:t>
-            </a:r>
-          </a:p>
-          <a:p>
-            <a:pPr algn="ctr"/>
-            <a:r>
-              <a:rPr lang="en-US" sz="1100" dirty="0">
-                <a:solidFill>
-                  <a:schemeClr val="bg1">
-                    <a:lumMod val="85000"/>
-                  </a:schemeClr>
-                </a:solidFill>
-              </a:rPr>
-              <a:t>a</a:t>
-            </a:r>
-            <a:r>
-              <a:rPr lang="en-US" sz="1100" dirty="0" smtClean="0">
-                <a:solidFill>
-                  <a:schemeClr val="bg1">
-                    <a:lumMod val="85000"/>
-                  </a:schemeClr>
-                </a:solidFill>
-              </a:rPr>
-              <a:t>g ai A</a:t>
-            </a:r>
-            <a:endParaRPr lang="en-US" sz="1100" dirty="0">
-              <a:solidFill>
-                <a:schemeClr val="bg1">
-                  <a:lumMod val="85000"/>
-                </a:schemeClr>
-              </a:solidFill>
-            </a:endParaRPr>
-          </a:p>
-        </p:txBody>
-      </p:sp>
-      <p:sp>
-        <p:nvSpPr>
-          <p:cNvPr id="16" name="TextBox 15"/>
-          <p:cNvSpPr txBox="1"/>
-          <p:nvPr/>
-        </p:nvSpPr>
-        <p:spPr>
-          <a:xfrm>
-            <a:off x="1041978" y="57150"/>
-            <a:ext cx="609600" cy="507831"/>
-          </a:xfrm>
-          <a:prstGeom prst="rect">
-            <a:avLst/>
-          </a:prstGeom>
-          <a:noFill/>
-          <a:ln w="6350">
-            <a:solidFill>
-              <a:schemeClr val="tx1"/>
-            </a:solidFill>
-          </a:ln>
-        </p:spPr>
-        <p:txBody>
-          <a:bodyPr wrap="square" lIns="0" tIns="0" rIns="0" bIns="0" rtlCol="0">
-            <a:spAutoFit/>
-          </a:bodyPr>
-          <a:lstStyle/>
-          <a:p>
-            <a:pPr algn="ctr"/>
-            <a:r>
-              <a:rPr lang="en-US" sz="1100" dirty="0" smtClean="0">
-                <a:solidFill>
-                  <a:schemeClr val="bg1">
-                    <a:lumMod val="85000"/>
-                  </a:schemeClr>
-                </a:solidFill>
-              </a:rPr>
-              <a:t>G gi </a:t>
-            </a:r>
-            <a:r>
-              <a:rPr lang="en-US" sz="1100" dirty="0" smtClean="0"/>
-              <a:t>ga</a:t>
-            </a:r>
-          </a:p>
-          <a:p>
-            <a:pPr algn="ctr"/>
-            <a:r>
-              <a:rPr lang="en-US" sz="1100" dirty="0">
-                <a:solidFill>
-                  <a:schemeClr val="bg1">
-                    <a:lumMod val="85000"/>
-                  </a:schemeClr>
-                </a:solidFill>
-              </a:rPr>
-              <a:t>i</a:t>
-            </a:r>
-            <a:r>
-              <a:rPr lang="en-US" sz="1100" dirty="0" smtClean="0">
-                <a:solidFill>
-                  <a:schemeClr val="bg1">
-                    <a:lumMod val="85000"/>
-                  </a:schemeClr>
-                </a:solidFill>
-              </a:rPr>
-              <a:t>g  I  ia</a:t>
-            </a:r>
-          </a:p>
-          <a:p>
-            <a:pPr algn="ctr"/>
-            <a:r>
-              <a:rPr lang="en-US" sz="1100" dirty="0">
-                <a:solidFill>
-                  <a:schemeClr val="bg1">
-                    <a:lumMod val="85000"/>
-                  </a:schemeClr>
-                </a:solidFill>
-              </a:rPr>
-              <a:t>a</a:t>
-            </a:r>
-            <a:r>
-              <a:rPr lang="en-US" sz="1100" dirty="0" smtClean="0">
-                <a:solidFill>
-                  <a:schemeClr val="bg1">
-                    <a:lumMod val="85000"/>
-                  </a:schemeClr>
-                </a:solidFill>
-              </a:rPr>
-              <a:t>g ai A</a:t>
-            </a:r>
-            <a:endParaRPr lang="en-US" sz="1100" dirty="0">
-              <a:solidFill>
-                <a:schemeClr val="bg1">
-                  <a:lumMod val="85000"/>
-                </a:schemeClr>
-              </a:solidFill>
-            </a:endParaRPr>
-          </a:p>
-        </p:txBody>
-      </p:sp>
-      <p:sp>
-        <p:nvSpPr>
-          <p:cNvPr id="17" name="TextBox 16"/>
-          <p:cNvSpPr txBox="1"/>
-          <p:nvPr/>
-        </p:nvSpPr>
-        <p:spPr>
-          <a:xfrm>
-            <a:off x="1721428" y="57150"/>
-            <a:ext cx="609600" cy="507831"/>
-          </a:xfrm>
-          <a:prstGeom prst="rect">
-            <a:avLst/>
-          </a:prstGeom>
-          <a:noFill/>
-          <a:ln w="6350">
-            <a:solidFill>
-              <a:schemeClr val="tx1"/>
-            </a:solidFill>
-          </a:ln>
-        </p:spPr>
-        <p:txBody>
-          <a:bodyPr wrap="square" lIns="0" tIns="0" rIns="0" bIns="0" rtlCol="0">
-            <a:spAutoFit/>
-          </a:bodyPr>
-          <a:lstStyle/>
-          <a:p>
-            <a:pPr algn="ctr"/>
-            <a:r>
-              <a:rPr lang="en-US" sz="1100" dirty="0" smtClean="0">
-                <a:solidFill>
-                  <a:schemeClr val="bg1">
-                    <a:lumMod val="85000"/>
-                  </a:schemeClr>
-                </a:solidFill>
-              </a:rPr>
-              <a:t>G gi ga</a:t>
-            </a:r>
-          </a:p>
-          <a:p>
-            <a:pPr algn="ctr"/>
-            <a:r>
-              <a:rPr lang="en-US" sz="1100" dirty="0"/>
-              <a:t>i</a:t>
-            </a:r>
-            <a:r>
-              <a:rPr lang="en-US" sz="1100" dirty="0" smtClean="0"/>
-              <a:t>g</a:t>
-            </a:r>
-            <a:r>
-              <a:rPr lang="en-US" sz="1100" dirty="0" smtClean="0">
-                <a:solidFill>
-                  <a:schemeClr val="bg1">
-                    <a:lumMod val="85000"/>
-                  </a:schemeClr>
-                </a:solidFill>
-              </a:rPr>
-              <a:t>  I  ia</a:t>
-            </a:r>
-          </a:p>
-          <a:p>
-            <a:pPr algn="ctr"/>
-            <a:r>
-              <a:rPr lang="en-US" sz="1100" dirty="0">
-                <a:solidFill>
-                  <a:schemeClr val="bg1">
-                    <a:lumMod val="85000"/>
-                  </a:schemeClr>
-                </a:solidFill>
-              </a:rPr>
-              <a:t>a</a:t>
-            </a:r>
-            <a:r>
-              <a:rPr lang="en-US" sz="1100" dirty="0" smtClean="0">
-                <a:solidFill>
-                  <a:schemeClr val="bg1">
-                    <a:lumMod val="85000"/>
-                  </a:schemeClr>
-                </a:solidFill>
-              </a:rPr>
-              <a:t>g ai A</a:t>
-            </a:r>
-            <a:endParaRPr lang="en-US" sz="1100" dirty="0">
-              <a:solidFill>
-                <a:schemeClr val="bg1">
-                  <a:lumMod val="85000"/>
-                </a:schemeClr>
-              </a:solidFill>
-            </a:endParaRPr>
-          </a:p>
-        </p:txBody>
-      </p:sp>
-      <p:sp>
-        <p:nvSpPr>
-          <p:cNvPr id="18" name="TextBox 17"/>
-          <p:cNvSpPr txBox="1"/>
-          <p:nvPr/>
-        </p:nvSpPr>
-        <p:spPr>
-          <a:xfrm>
-            <a:off x="2410692" y="57150"/>
-            <a:ext cx="609600" cy="507831"/>
-          </a:xfrm>
-          <a:prstGeom prst="rect">
-            <a:avLst/>
-          </a:prstGeom>
-          <a:noFill/>
-          <a:ln w="6350">
-            <a:solidFill>
-              <a:schemeClr val="tx1"/>
-            </a:solidFill>
-          </a:ln>
-        </p:spPr>
-        <p:txBody>
-          <a:bodyPr wrap="square" lIns="0" tIns="0" rIns="0" bIns="0" rtlCol="0">
-            <a:spAutoFit/>
-          </a:bodyPr>
-          <a:lstStyle/>
-          <a:p>
-            <a:pPr algn="ctr"/>
-            <a:r>
-              <a:rPr lang="en-US" sz="1100" dirty="0" smtClean="0">
-                <a:solidFill>
-                  <a:schemeClr val="bg1">
-                    <a:lumMod val="85000"/>
-                  </a:schemeClr>
-                </a:solidFill>
-              </a:rPr>
-              <a:t>G gi ga</a:t>
-            </a:r>
-          </a:p>
-          <a:p>
-            <a:pPr algn="ctr"/>
-            <a:r>
-              <a:rPr lang="en-US" sz="1100" dirty="0">
-                <a:solidFill>
-                  <a:schemeClr val="bg1">
-                    <a:lumMod val="85000"/>
-                  </a:schemeClr>
-                </a:solidFill>
-              </a:rPr>
-              <a:t>i</a:t>
-            </a:r>
-            <a:r>
-              <a:rPr lang="en-US" sz="1100" dirty="0" smtClean="0">
-                <a:solidFill>
-                  <a:schemeClr val="bg1">
-                    <a:lumMod val="85000"/>
-                  </a:schemeClr>
-                </a:solidFill>
-              </a:rPr>
-              <a:t>g  I  ia</a:t>
-            </a:r>
-          </a:p>
-          <a:p>
-            <a:pPr algn="ctr"/>
-            <a:r>
-              <a:rPr lang="en-US" sz="1100" dirty="0"/>
-              <a:t>a</a:t>
-            </a:r>
-            <a:r>
-              <a:rPr lang="en-US" sz="1100" dirty="0" smtClean="0"/>
-              <a:t>g</a:t>
-            </a:r>
-            <a:r>
-              <a:rPr lang="en-US" sz="1100" dirty="0" smtClean="0">
-                <a:solidFill>
-                  <a:schemeClr val="bg1">
-                    <a:lumMod val="85000"/>
-                  </a:schemeClr>
-                </a:solidFill>
-              </a:rPr>
-              <a:t> ai A</a:t>
-            </a:r>
-            <a:endParaRPr lang="en-US" sz="1100" dirty="0">
-              <a:solidFill>
-                <a:schemeClr val="bg1">
-                  <a:lumMod val="85000"/>
-                </a:schemeClr>
-              </a:solidFill>
-            </a:endParaRPr>
-          </a:p>
-        </p:txBody>
-      </p:sp>
-      <p:sp>
-        <p:nvSpPr>
-          <p:cNvPr id="19" name="TextBox 18"/>
-          <p:cNvSpPr txBox="1"/>
-          <p:nvPr/>
-        </p:nvSpPr>
-        <p:spPr>
-          <a:xfrm>
-            <a:off x="3099956" y="57150"/>
-            <a:ext cx="609600" cy="507831"/>
-          </a:xfrm>
-          <a:prstGeom prst="rect">
-            <a:avLst/>
-          </a:prstGeom>
-          <a:noFill/>
-          <a:ln w="6350">
-            <a:solidFill>
-              <a:schemeClr val="tx1"/>
-            </a:solidFill>
-          </a:ln>
-        </p:spPr>
-        <p:txBody>
-          <a:bodyPr wrap="square" lIns="0" tIns="0" rIns="0" bIns="0" rtlCol="0">
-            <a:spAutoFit/>
-          </a:bodyPr>
-          <a:lstStyle/>
-          <a:p>
-            <a:pPr algn="ctr"/>
-            <a:r>
-              <a:rPr lang="en-US" sz="1100" dirty="0" smtClean="0">
-                <a:solidFill>
-                  <a:schemeClr val="bg1">
-                    <a:lumMod val="85000"/>
-                  </a:schemeClr>
-                </a:solidFill>
-              </a:rPr>
-              <a:t>G gi ga</a:t>
-            </a:r>
-          </a:p>
-          <a:p>
-            <a:pPr algn="ctr"/>
-            <a:r>
-              <a:rPr lang="en-US" sz="1100" dirty="0">
-                <a:solidFill>
-                  <a:schemeClr val="bg1">
-                    <a:lumMod val="85000"/>
-                  </a:schemeClr>
-                </a:solidFill>
-              </a:rPr>
-              <a:t>i</a:t>
-            </a:r>
-            <a:r>
-              <a:rPr lang="en-US" sz="1100" dirty="0" smtClean="0">
-                <a:solidFill>
-                  <a:schemeClr val="bg1">
-                    <a:lumMod val="85000"/>
-                  </a:schemeClr>
-                </a:solidFill>
-              </a:rPr>
-              <a:t>g  I  </a:t>
-            </a:r>
-            <a:r>
-              <a:rPr lang="en-US" sz="1100" dirty="0" smtClean="0"/>
-              <a:t>ia</a:t>
-            </a:r>
-          </a:p>
-          <a:p>
-            <a:pPr algn="ctr"/>
-            <a:r>
-              <a:rPr lang="en-US" sz="1100" dirty="0">
-                <a:solidFill>
-                  <a:schemeClr val="bg1">
-                    <a:lumMod val="85000"/>
-                  </a:schemeClr>
-                </a:solidFill>
-              </a:rPr>
-              <a:t>a</a:t>
-            </a:r>
-            <a:r>
-              <a:rPr lang="en-US" sz="1100" dirty="0" smtClean="0">
-                <a:solidFill>
-                  <a:schemeClr val="bg1">
-                    <a:lumMod val="85000"/>
-                  </a:schemeClr>
-                </a:solidFill>
-              </a:rPr>
-              <a:t>g ai A</a:t>
-            </a:r>
-            <a:endParaRPr lang="en-US" sz="1100" dirty="0">
-              <a:solidFill>
-                <a:schemeClr val="bg1">
-                  <a:lumMod val="85000"/>
-                </a:schemeClr>
-              </a:solidFill>
-            </a:endParaRPr>
-          </a:p>
-        </p:txBody>
-      </p:sp>
-      <p:sp>
-        <p:nvSpPr>
-          <p:cNvPr id="20" name="TextBox 19"/>
-          <p:cNvSpPr txBox="1"/>
-          <p:nvPr/>
-        </p:nvSpPr>
-        <p:spPr>
-          <a:xfrm>
-            <a:off x="3789220" y="57150"/>
-            <a:ext cx="609600" cy="507831"/>
-          </a:xfrm>
-          <a:prstGeom prst="rect">
-            <a:avLst/>
-          </a:prstGeom>
-          <a:noFill/>
-          <a:ln w="6350">
-            <a:solidFill>
-              <a:schemeClr val="tx1"/>
-            </a:solidFill>
-          </a:ln>
-        </p:spPr>
-        <p:txBody>
-          <a:bodyPr wrap="square" lIns="0" tIns="0" rIns="0" bIns="0" rtlCol="0">
-            <a:spAutoFit/>
-          </a:bodyPr>
-          <a:lstStyle/>
-          <a:p>
-            <a:pPr algn="ctr"/>
-            <a:r>
-              <a:rPr lang="en-US" sz="1100" dirty="0" smtClean="0">
-                <a:solidFill>
-                  <a:schemeClr val="bg1">
-                    <a:lumMod val="85000"/>
-                  </a:schemeClr>
-                </a:solidFill>
-              </a:rPr>
-              <a:t>G gi ga</a:t>
-            </a:r>
-          </a:p>
-          <a:p>
-            <a:pPr algn="ctr"/>
-            <a:r>
-              <a:rPr lang="en-US" sz="1100" dirty="0">
-                <a:solidFill>
-                  <a:schemeClr val="bg1">
-                    <a:lumMod val="85000"/>
-                  </a:schemeClr>
-                </a:solidFill>
-              </a:rPr>
-              <a:t>i</a:t>
-            </a:r>
-            <a:r>
-              <a:rPr lang="en-US" sz="1100" dirty="0" smtClean="0">
-                <a:solidFill>
-                  <a:schemeClr val="bg1">
-                    <a:lumMod val="85000"/>
-                  </a:schemeClr>
-                </a:solidFill>
-              </a:rPr>
-              <a:t>g  I  ia</a:t>
-            </a:r>
-          </a:p>
-          <a:p>
-            <a:pPr algn="ctr"/>
-            <a:r>
-              <a:rPr lang="en-US" sz="1100" dirty="0">
-                <a:solidFill>
-                  <a:schemeClr val="bg1">
-                    <a:lumMod val="85000"/>
-                  </a:schemeClr>
-                </a:solidFill>
-              </a:rPr>
-              <a:t>a</a:t>
-            </a:r>
-            <a:r>
-              <a:rPr lang="en-US" sz="1100" dirty="0" smtClean="0">
-                <a:solidFill>
-                  <a:schemeClr val="bg1">
-                    <a:lumMod val="85000"/>
-                  </a:schemeClr>
-                </a:solidFill>
-              </a:rPr>
-              <a:t>g </a:t>
-            </a:r>
-            <a:r>
-              <a:rPr lang="en-US" sz="1100" dirty="0" smtClean="0"/>
-              <a:t>ai</a:t>
-            </a:r>
-            <a:r>
-              <a:rPr lang="en-US" sz="1100" dirty="0" smtClean="0">
-                <a:solidFill>
-                  <a:schemeClr val="bg1">
-                    <a:lumMod val="85000"/>
-                  </a:schemeClr>
-                </a:solidFill>
-              </a:rPr>
-              <a:t> A</a:t>
-            </a:r>
-            <a:endParaRPr lang="en-US" sz="1100" dirty="0">
-              <a:solidFill>
-                <a:schemeClr val="bg1">
-                  <a:lumMod val="85000"/>
-                </a:schemeClr>
-              </a:solidFill>
-            </a:endParaRPr>
-          </a:p>
-        </p:txBody>
-      </p:sp>
-      <p:sp>
-        <p:nvSpPr>
-          <p:cNvPr id="9" name="TextBox 8"/>
-          <p:cNvSpPr txBox="1"/>
-          <p:nvPr/>
-        </p:nvSpPr>
-        <p:spPr>
-          <a:xfrm>
-            <a:off x="4478484" y="57150"/>
-            <a:ext cx="609600" cy="507831"/>
-          </a:xfrm>
-          <a:prstGeom prst="rect">
-            <a:avLst/>
-          </a:prstGeom>
-          <a:noFill/>
-          <a:ln w="6350">
-            <a:solidFill>
-              <a:schemeClr val="tx1"/>
-            </a:solidFill>
-          </a:ln>
-        </p:spPr>
-        <p:txBody>
-          <a:bodyPr wrap="square" lIns="0" tIns="0" rIns="0" bIns="0" rtlCol="0">
-            <a:spAutoFit/>
-          </a:bodyPr>
-          <a:lstStyle/>
-          <a:p>
-            <a:pPr algn="ctr"/>
-            <a:r>
-              <a:rPr lang="en-US" sz="1100" dirty="0" smtClean="0">
-                <a:solidFill>
-                  <a:schemeClr val="bg1">
-                    <a:lumMod val="85000"/>
-                  </a:schemeClr>
-                </a:solidFill>
-              </a:rPr>
-              <a:t>G </a:t>
-            </a:r>
-            <a:r>
-              <a:rPr lang="en-US" sz="1100" dirty="0" smtClean="0"/>
-              <a:t>gi</a:t>
-            </a:r>
-            <a:r>
-              <a:rPr lang="en-US" sz="1100" dirty="0" smtClean="0">
-                <a:solidFill>
-                  <a:schemeClr val="bg1">
-                    <a:lumMod val="85000"/>
-                  </a:schemeClr>
-                </a:solidFill>
-              </a:rPr>
-              <a:t> ga</a:t>
-            </a:r>
-          </a:p>
-          <a:p>
-            <a:pPr algn="ctr"/>
-            <a:r>
-              <a:rPr lang="en-US" sz="1100" dirty="0">
-                <a:solidFill>
-                  <a:schemeClr val="bg1">
-                    <a:lumMod val="85000"/>
-                  </a:schemeClr>
-                </a:solidFill>
-              </a:rPr>
-              <a:t>i</a:t>
-            </a:r>
-            <a:r>
-              <a:rPr lang="en-US" sz="1100" dirty="0" smtClean="0">
-                <a:solidFill>
-                  <a:schemeClr val="bg1">
-                    <a:lumMod val="85000"/>
-                  </a:schemeClr>
-                </a:solidFill>
-              </a:rPr>
-              <a:t>g  I  ia</a:t>
-            </a:r>
-          </a:p>
-          <a:p>
-            <a:pPr algn="ctr"/>
-            <a:r>
-              <a:rPr lang="en-US" sz="1100" dirty="0">
-                <a:solidFill>
-                  <a:schemeClr val="bg1">
-                    <a:lumMod val="85000"/>
-                  </a:schemeClr>
-                </a:solidFill>
-              </a:rPr>
-              <a:t>a</a:t>
-            </a:r>
-            <a:r>
-              <a:rPr lang="en-US" sz="1100" dirty="0" smtClean="0">
-                <a:solidFill>
-                  <a:schemeClr val="bg1">
-                    <a:lumMod val="85000"/>
-                  </a:schemeClr>
-                </a:solidFill>
-              </a:rPr>
-              <a:t>g ai A</a:t>
-            </a:r>
-            <a:endParaRPr lang="en-US" sz="1100" dirty="0">
-              <a:solidFill>
-                <a:schemeClr val="bg1">
-                  <a:lumMod val="85000"/>
-                </a:schemeClr>
-              </a:solidFill>
-            </a:endParaRPr>
-          </a:p>
-        </p:txBody>
-      </p:sp>
-      <p:sp>
-        <p:nvSpPr>
-          <p:cNvPr id="10" name="TextBox 9"/>
-          <p:cNvSpPr txBox="1"/>
-          <p:nvPr/>
-        </p:nvSpPr>
-        <p:spPr>
-          <a:xfrm>
-            <a:off x="5167748" y="57150"/>
-            <a:ext cx="609600" cy="507831"/>
-          </a:xfrm>
-          <a:prstGeom prst="rect">
-            <a:avLst/>
-          </a:prstGeom>
-          <a:noFill/>
-          <a:ln w="6350">
-            <a:solidFill>
-              <a:schemeClr val="tx1"/>
-            </a:solidFill>
-          </a:ln>
-        </p:spPr>
-        <p:txBody>
-          <a:bodyPr wrap="square" lIns="0" tIns="0" rIns="0" bIns="0" rtlCol="0">
-            <a:spAutoFit/>
-          </a:bodyPr>
-          <a:lstStyle/>
-          <a:p>
-            <a:pPr algn="ctr"/>
-            <a:r>
-              <a:rPr lang="en-US" sz="1100" dirty="0" smtClean="0">
-                <a:solidFill>
-                  <a:schemeClr val="bg1">
-                    <a:lumMod val="85000"/>
-                  </a:schemeClr>
-                </a:solidFill>
-              </a:rPr>
-              <a:t>G gi </a:t>
-            </a:r>
-            <a:r>
-              <a:rPr lang="en-US" sz="1100" dirty="0" smtClean="0"/>
-              <a:t>ga</a:t>
-            </a:r>
-          </a:p>
-          <a:p>
-            <a:pPr algn="ctr"/>
-            <a:r>
-              <a:rPr lang="en-US" sz="1100" dirty="0">
-                <a:solidFill>
-                  <a:schemeClr val="bg1">
-                    <a:lumMod val="85000"/>
-                  </a:schemeClr>
-                </a:solidFill>
-              </a:rPr>
-              <a:t>i</a:t>
-            </a:r>
-            <a:r>
-              <a:rPr lang="en-US" sz="1100" dirty="0" smtClean="0">
-                <a:solidFill>
-                  <a:schemeClr val="bg1">
-                    <a:lumMod val="85000"/>
-                  </a:schemeClr>
-                </a:solidFill>
-              </a:rPr>
-              <a:t>g  I  ia</a:t>
-            </a:r>
-          </a:p>
-          <a:p>
-            <a:pPr algn="ctr"/>
-            <a:r>
-              <a:rPr lang="en-US" sz="1100" dirty="0">
-                <a:solidFill>
-                  <a:schemeClr val="bg1">
-                    <a:lumMod val="85000"/>
-                  </a:schemeClr>
-                </a:solidFill>
-              </a:rPr>
-              <a:t>a</a:t>
-            </a:r>
-            <a:r>
-              <a:rPr lang="en-US" sz="1100" dirty="0" smtClean="0">
-                <a:solidFill>
-                  <a:schemeClr val="bg1">
-                    <a:lumMod val="85000"/>
-                  </a:schemeClr>
-                </a:solidFill>
-              </a:rPr>
-              <a:t>g ai A</a:t>
-            </a:r>
-            <a:endParaRPr lang="en-US" sz="1100" dirty="0">
-              <a:solidFill>
-                <a:schemeClr val="bg1">
-                  <a:lumMod val="85000"/>
-                </a:schemeClr>
-              </a:solidFill>
-            </a:endParaRPr>
-          </a:p>
-        </p:txBody>
-      </p:sp>
-      <p:sp>
-        <p:nvSpPr>
-          <p:cNvPr id="11" name="TextBox 10"/>
-          <p:cNvSpPr txBox="1"/>
-          <p:nvPr/>
-        </p:nvSpPr>
-        <p:spPr>
-          <a:xfrm>
-            <a:off x="5857012" y="57150"/>
-            <a:ext cx="609600" cy="507831"/>
-          </a:xfrm>
-          <a:prstGeom prst="rect">
-            <a:avLst/>
-          </a:prstGeom>
-          <a:noFill/>
-          <a:ln w="6350">
-            <a:solidFill>
-              <a:schemeClr val="tx1"/>
-            </a:solidFill>
-          </a:ln>
-        </p:spPr>
-        <p:txBody>
-          <a:bodyPr wrap="square" lIns="0" tIns="0" rIns="0" bIns="0" rtlCol="0">
-            <a:spAutoFit/>
-          </a:bodyPr>
-          <a:lstStyle/>
-          <a:p>
-            <a:pPr algn="ctr"/>
-            <a:r>
-              <a:rPr lang="en-US" sz="1100" dirty="0" smtClean="0">
-                <a:solidFill>
-                  <a:schemeClr val="bg1">
-                    <a:lumMod val="85000"/>
-                  </a:schemeClr>
-                </a:solidFill>
-              </a:rPr>
-              <a:t>G gi ga</a:t>
-            </a:r>
-          </a:p>
-          <a:p>
-            <a:pPr algn="ctr"/>
-            <a:r>
-              <a:rPr lang="en-US" sz="1100" dirty="0"/>
-              <a:t>i</a:t>
-            </a:r>
-            <a:r>
-              <a:rPr lang="en-US" sz="1100" dirty="0" smtClean="0"/>
-              <a:t>g</a:t>
-            </a:r>
-            <a:r>
-              <a:rPr lang="en-US" sz="1100" dirty="0" smtClean="0">
-                <a:solidFill>
-                  <a:schemeClr val="bg1">
-                    <a:lumMod val="85000"/>
-                  </a:schemeClr>
-                </a:solidFill>
-              </a:rPr>
-              <a:t>  I  ia</a:t>
-            </a:r>
-          </a:p>
-          <a:p>
-            <a:pPr algn="ctr"/>
-            <a:r>
-              <a:rPr lang="en-US" sz="1100" dirty="0">
-                <a:solidFill>
-                  <a:schemeClr val="bg1">
-                    <a:lumMod val="85000"/>
-                  </a:schemeClr>
-                </a:solidFill>
-              </a:rPr>
-              <a:t>a</a:t>
-            </a:r>
-            <a:r>
-              <a:rPr lang="en-US" sz="1100" dirty="0" smtClean="0">
-                <a:solidFill>
-                  <a:schemeClr val="bg1">
-                    <a:lumMod val="85000"/>
-                  </a:schemeClr>
-                </a:solidFill>
-              </a:rPr>
-              <a:t>g ai A</a:t>
-            </a:r>
-            <a:endParaRPr lang="en-US" sz="1100" dirty="0">
-              <a:solidFill>
-                <a:schemeClr val="bg1">
-                  <a:lumMod val="85000"/>
-                </a:schemeClr>
-              </a:solidFill>
-            </a:endParaRPr>
-          </a:p>
-        </p:txBody>
-      </p:sp>
-      <p:sp>
-        <p:nvSpPr>
-          <p:cNvPr id="12" name="TextBox 11"/>
-          <p:cNvSpPr txBox="1"/>
-          <p:nvPr/>
-        </p:nvSpPr>
-        <p:spPr>
-          <a:xfrm>
-            <a:off x="6546276" y="57150"/>
-            <a:ext cx="609600" cy="507831"/>
-          </a:xfrm>
-          <a:prstGeom prst="rect">
-            <a:avLst/>
-          </a:prstGeom>
-          <a:noFill/>
-          <a:ln w="6350">
-            <a:solidFill>
-              <a:schemeClr val="tx1"/>
-            </a:solidFill>
-          </a:ln>
-        </p:spPr>
-        <p:txBody>
-          <a:bodyPr wrap="square" lIns="0" tIns="0" rIns="0" bIns="0" rtlCol="0">
-            <a:spAutoFit/>
-          </a:bodyPr>
-          <a:lstStyle/>
-          <a:p>
-            <a:pPr algn="ctr"/>
-            <a:r>
-              <a:rPr lang="en-US" sz="1100" dirty="0" smtClean="0">
-                <a:solidFill>
-                  <a:schemeClr val="bg1">
-                    <a:lumMod val="85000"/>
-                  </a:schemeClr>
-                </a:solidFill>
-              </a:rPr>
-              <a:t>G gi ga</a:t>
-            </a:r>
-          </a:p>
-          <a:p>
-            <a:pPr algn="ctr"/>
-            <a:r>
-              <a:rPr lang="en-US" sz="1100" dirty="0">
-                <a:solidFill>
-                  <a:schemeClr val="bg1">
-                    <a:lumMod val="85000"/>
-                  </a:schemeClr>
-                </a:solidFill>
-              </a:rPr>
-              <a:t>i</a:t>
-            </a:r>
-            <a:r>
-              <a:rPr lang="en-US" sz="1100" dirty="0" smtClean="0">
-                <a:solidFill>
-                  <a:schemeClr val="bg1">
-                    <a:lumMod val="85000"/>
-                  </a:schemeClr>
-                </a:solidFill>
-              </a:rPr>
-              <a:t>g  I  ia</a:t>
-            </a:r>
-          </a:p>
-          <a:p>
-            <a:pPr algn="ctr"/>
-            <a:r>
-              <a:rPr lang="en-US" sz="1100" dirty="0"/>
-              <a:t>a</a:t>
-            </a:r>
-            <a:r>
-              <a:rPr lang="en-US" sz="1100" dirty="0" smtClean="0"/>
-              <a:t>g</a:t>
-            </a:r>
-            <a:r>
-              <a:rPr lang="en-US" sz="1100" dirty="0" smtClean="0">
-                <a:solidFill>
-                  <a:schemeClr val="bg1">
-                    <a:lumMod val="85000"/>
-                  </a:schemeClr>
-                </a:solidFill>
-              </a:rPr>
-              <a:t> ai A</a:t>
-            </a:r>
-            <a:endParaRPr lang="en-US" sz="1100" dirty="0">
-              <a:solidFill>
-                <a:schemeClr val="bg1">
-                  <a:lumMod val="85000"/>
-                </a:schemeClr>
-              </a:solidFill>
-            </a:endParaRPr>
-          </a:p>
-        </p:txBody>
-      </p:sp>
-      <p:sp>
-        <p:nvSpPr>
-          <p:cNvPr id="13" name="TextBox 12"/>
-          <p:cNvSpPr txBox="1"/>
-          <p:nvPr/>
-        </p:nvSpPr>
-        <p:spPr>
-          <a:xfrm>
-            <a:off x="7235540" y="57150"/>
-            <a:ext cx="609600" cy="507831"/>
-          </a:xfrm>
-          <a:prstGeom prst="rect">
-            <a:avLst/>
-          </a:prstGeom>
-          <a:noFill/>
-          <a:ln w="6350">
-            <a:solidFill>
-              <a:schemeClr val="tx1"/>
-            </a:solidFill>
-          </a:ln>
-        </p:spPr>
-        <p:txBody>
-          <a:bodyPr wrap="square" lIns="0" tIns="0" rIns="0" bIns="0" rtlCol="0">
-            <a:spAutoFit/>
-          </a:bodyPr>
-          <a:lstStyle/>
-          <a:p>
-            <a:pPr algn="ctr"/>
-            <a:r>
-              <a:rPr lang="en-US" sz="1100" dirty="0" smtClean="0">
-                <a:solidFill>
-                  <a:schemeClr val="bg1">
-                    <a:lumMod val="85000"/>
-                  </a:schemeClr>
-                </a:solidFill>
-              </a:rPr>
-              <a:t>G gi ga</a:t>
-            </a:r>
-          </a:p>
-          <a:p>
-            <a:pPr algn="ctr"/>
-            <a:r>
-              <a:rPr lang="en-US" sz="1100" dirty="0">
-                <a:solidFill>
-                  <a:schemeClr val="bg1">
-                    <a:lumMod val="85000"/>
-                  </a:schemeClr>
-                </a:solidFill>
-              </a:rPr>
-              <a:t>i</a:t>
-            </a:r>
-            <a:r>
-              <a:rPr lang="en-US" sz="1100" dirty="0" smtClean="0">
-                <a:solidFill>
-                  <a:schemeClr val="bg1">
-                    <a:lumMod val="85000"/>
-                  </a:schemeClr>
-                </a:solidFill>
-              </a:rPr>
-              <a:t>g  I  </a:t>
-            </a:r>
-            <a:r>
-              <a:rPr lang="en-US" sz="1100" dirty="0" smtClean="0"/>
-              <a:t>ia</a:t>
-            </a:r>
-          </a:p>
-          <a:p>
-            <a:pPr algn="ctr"/>
-            <a:r>
-              <a:rPr lang="en-US" sz="1100" dirty="0">
-                <a:solidFill>
-                  <a:schemeClr val="bg1">
-                    <a:lumMod val="85000"/>
-                  </a:schemeClr>
-                </a:solidFill>
-              </a:rPr>
-              <a:t>a</a:t>
-            </a:r>
-            <a:r>
-              <a:rPr lang="en-US" sz="1100" dirty="0" smtClean="0">
-                <a:solidFill>
-                  <a:schemeClr val="bg1">
-                    <a:lumMod val="85000"/>
-                  </a:schemeClr>
-                </a:solidFill>
-              </a:rPr>
-              <a:t>g ai A</a:t>
-            </a:r>
-            <a:endParaRPr lang="en-US" sz="1100" dirty="0">
-              <a:solidFill>
-                <a:schemeClr val="bg1">
-                  <a:lumMod val="85000"/>
-                </a:schemeClr>
-              </a:solidFill>
-            </a:endParaRPr>
-          </a:p>
-        </p:txBody>
-      </p:sp>
-      <p:sp>
-        <p:nvSpPr>
-          <p:cNvPr id="14" name="TextBox 13"/>
-          <p:cNvSpPr txBox="1"/>
-          <p:nvPr/>
-        </p:nvSpPr>
-        <p:spPr>
-          <a:xfrm>
-            <a:off x="7924800" y="57150"/>
-            <a:ext cx="609600" cy="507831"/>
-          </a:xfrm>
-          <a:prstGeom prst="rect">
-            <a:avLst/>
-          </a:prstGeom>
-          <a:noFill/>
-          <a:ln w="6350">
-            <a:solidFill>
-              <a:schemeClr val="tx1"/>
-            </a:solidFill>
-          </a:ln>
-        </p:spPr>
-        <p:txBody>
-          <a:bodyPr wrap="square" lIns="0" tIns="0" rIns="0" bIns="0" rtlCol="0">
-            <a:spAutoFit/>
-          </a:bodyPr>
-          <a:lstStyle/>
-          <a:p>
-            <a:pPr algn="ctr"/>
-            <a:r>
-              <a:rPr lang="en-US" sz="1100" dirty="0" smtClean="0">
-                <a:solidFill>
-                  <a:schemeClr val="bg1">
-                    <a:lumMod val="85000"/>
-                  </a:schemeClr>
-                </a:solidFill>
-              </a:rPr>
-              <a:t>G gi ga</a:t>
-            </a:r>
-          </a:p>
-          <a:p>
-            <a:pPr algn="ctr"/>
-            <a:r>
-              <a:rPr lang="en-US" sz="1100" dirty="0">
-                <a:solidFill>
-                  <a:schemeClr val="bg1">
-                    <a:lumMod val="85000"/>
-                  </a:schemeClr>
-                </a:solidFill>
-              </a:rPr>
-              <a:t>i</a:t>
-            </a:r>
-            <a:r>
-              <a:rPr lang="en-US" sz="1100" dirty="0" smtClean="0">
-                <a:solidFill>
-                  <a:schemeClr val="bg1">
-                    <a:lumMod val="85000"/>
-                  </a:schemeClr>
-                </a:solidFill>
-              </a:rPr>
-              <a:t>g  I  ia</a:t>
-            </a:r>
-          </a:p>
-          <a:p>
-            <a:pPr algn="ctr"/>
-            <a:r>
-              <a:rPr lang="en-US" sz="1100" dirty="0">
-                <a:solidFill>
-                  <a:schemeClr val="bg1">
-                    <a:lumMod val="85000"/>
-                  </a:schemeClr>
-                </a:solidFill>
-              </a:rPr>
-              <a:t>a</a:t>
-            </a:r>
-            <a:r>
-              <a:rPr lang="en-US" sz="1100" dirty="0" smtClean="0">
-                <a:solidFill>
-                  <a:schemeClr val="bg1">
-                    <a:lumMod val="85000"/>
-                  </a:schemeClr>
-                </a:solidFill>
-              </a:rPr>
-              <a:t>g </a:t>
-            </a:r>
-            <a:r>
-              <a:rPr lang="en-US" sz="1100" dirty="0" smtClean="0"/>
-              <a:t>ai</a:t>
-            </a:r>
-            <a:r>
-              <a:rPr lang="en-US" sz="1100" dirty="0" smtClean="0">
-                <a:solidFill>
-                  <a:schemeClr val="bg1">
-                    <a:lumMod val="85000"/>
-                  </a:schemeClr>
-                </a:solidFill>
-              </a:rPr>
-              <a:t> A</a:t>
-            </a:r>
-            <a:endParaRPr lang="en-US" sz="1100" dirty="0">
-              <a:solidFill>
-                <a:schemeClr val="bg1">
-                  <a:lumMod val="85000"/>
-                </a:schemeClr>
-              </a:solidFill>
-            </a:endParaRPr>
-          </a:p>
-        </p:txBody>
-      </p:sp>
-      <p:graphicFrame>
-        <p:nvGraphicFramePr>
-          <p:cNvPr id="3" name="Object 2"/>
-          <p:cNvGraphicFramePr>
-            <a:graphicFrameLocks noChangeAspect="1"/>
-          </p:cNvGraphicFramePr>
-          <p:nvPr>
-            <p:extLst>
-              <p:ext uri="{D42A27DB-BD31-4B8C-83A1-F6EECF244321}">
-                <p14:modId xmlns:p14="http://schemas.microsoft.com/office/powerpoint/2010/main" val="667135991"/>
-              </p:ext>
-            </p:extLst>
-          </p:nvPr>
-        </p:nvGraphicFramePr>
-        <p:xfrm>
-          <a:off x="228600" y="1809750"/>
-          <a:ext cx="4994275" cy="2476500"/>
-        </p:xfrm>
-        <a:graphic>
-          <a:graphicData uri="http://schemas.openxmlformats.org/presentationml/2006/ole">
-            <mc:AlternateContent xmlns:mc="http://schemas.openxmlformats.org/markup-compatibility/2006">
-              <mc:Choice xmlns:v="urn:schemas-microsoft-com:vml" Requires="v">
-                <p:oleObj spid="_x0000_s5129" name="Equation" r:id="rId5" imgW="4076640" imgH="2209680" progId="Equation.DSMT4">
-                  <p:embed/>
-                </p:oleObj>
-              </mc:Choice>
-              <mc:Fallback>
-                <p:oleObj name="Equation" r:id="rId5" imgW="4076640" imgH="2209680" progId="Equation.DSMT4">
-                  <p:embed/>
-                  <p:pic>
-                    <p:nvPicPr>
-                      <p:cNvPr id="0" name="Object 6"/>
-                      <p:cNvPicPr>
-                        <a:picLocks noChangeAspect="1" noChangeArrowheads="1"/>
-                      </p:cNvPicPr>
-                      <p:nvPr/>
-                    </p:nvPicPr>
-                    <p:blipFill>
-                      <a:blip r:embed="rId6"/>
-                      <a:srcRect/>
-                      <a:stretch>
-                        <a:fillRect/>
-                      </a:stretch>
-                    </p:blipFill>
-                    <p:spPr bwMode="auto">
-                      <a:xfrm>
-                        <a:off x="228600" y="1809750"/>
-                        <a:ext cx="4994275" cy="2476500"/>
-                      </a:xfrm>
-                      <a:prstGeom prst="rect">
-                        <a:avLst/>
-                      </a:prstGeom>
-                      <a:noFill/>
-                      <a:ln>
-                        <a:noFill/>
-                      </a:ln>
-                      <a:extLst>
-                        <a:ext uri="{909E8E84-426E-40DD-AFC4-6F175D3DCCD1}">
-                          <a14:hiddenFill xmlns:a14="http://schemas.microsoft.com/office/drawing/2010/main">
-                            <a:solidFill>
-                              <a:srgbClr val="FFFFFF"/>
-                            </a:solidFill>
-                          </a14:hiddenFill>
-                        </a:ext>
-                        <a:ext uri="{91240B29-F687-4F45-9708-019B960494DF}">
-                          <a14:hiddenLine xmlns:a14="http://schemas.microsoft.com/office/drawing/2010/main" w="9525">
-                            <a:solidFill>
-                              <a:srgbClr val="000000"/>
-                            </a:solidFill>
-                            <a:miter lim="800000"/>
-                            <a:headEnd/>
-                            <a:tailEnd/>
-                          </a14:hiddenLine>
-                        </a:ext>
-                      </a:extLst>
-                    </p:spPr>
-                  </p:pic>
-                </p:oleObj>
-              </mc:Fallback>
-            </mc:AlternateContent>
-          </a:graphicData>
-        </a:graphic>
-      </p:graphicFrame>
-    </p:spTree>
-    <p:extLst>
-      <p:ext uri="{BB962C8B-B14F-4D97-AF65-F5344CB8AC3E}">
-        <p14:creationId xmlns:p14="http://schemas.microsoft.com/office/powerpoint/2010/main" val="3479519037"/>
       </p:ext>
     </p:extLst>
   </p:cSld>
@@ -5889,7 +6755,7 @@
         <p:spPr>
           <a:xfrm>
             <a:off x="6553200" y="1763184"/>
-            <a:ext cx="2520949" cy="3361266"/>
+            <a:ext cx="2520948" cy="3361265"/>
           </a:xfrm>
           <a:prstGeom prst="rect">
             <a:avLst/>
@@ -7090,36 +7956,36 @@
       </p:sp>
       <p:graphicFrame>
         <p:nvGraphicFramePr>
-          <p:cNvPr id="22" name="Object 21"/>
+          <p:cNvPr id="3" name="Object 2"/>
           <p:cNvGraphicFramePr>
             <a:graphicFrameLocks noChangeAspect="1"/>
           </p:cNvGraphicFramePr>
           <p:nvPr>
             <p:extLst>
               <p:ext uri="{D42A27DB-BD31-4B8C-83A1-F6EECF244321}">
-                <p14:modId xmlns:p14="http://schemas.microsoft.com/office/powerpoint/2010/main" val="2974701094"/>
+                <p14:modId xmlns:p14="http://schemas.microsoft.com/office/powerpoint/2010/main" val="1493072281"/>
               </p:ext>
             </p:extLst>
           </p:nvPr>
         </p:nvGraphicFramePr>
         <p:xfrm>
-          <a:off x="228600" y="1809750"/>
-          <a:ext cx="4416425" cy="2476500"/>
+          <a:off x="57150" y="1682750"/>
+          <a:ext cx="5337175" cy="2732088"/>
         </p:xfrm>
         <a:graphic>
           <a:graphicData uri="http://schemas.openxmlformats.org/presentationml/2006/ole">
             <mc:AlternateContent xmlns:mc="http://schemas.openxmlformats.org/markup-compatibility/2006">
               <mc:Choice xmlns:v="urn:schemas-microsoft-com:vml" Requires="v">
-                <p:oleObj spid="_x0000_s3084" name="Equation" r:id="rId5" imgW="3606480" imgH="2209680" progId="Equation.DSMT4">
+                <p:oleObj spid="_x0000_s14345" name="Equation" r:id="rId5" imgW="4356000" imgH="2438280" progId="Equation.DSMT4">
                   <p:embed/>
                 </p:oleObj>
               </mc:Choice>
               <mc:Fallback>
-                <p:oleObj name="Equation" r:id="rId5" imgW="3606480" imgH="2209680" progId="Equation.DSMT4">
+                <p:oleObj name="Equation" r:id="rId5" imgW="4356000" imgH="2438280" progId="Equation.DSMT4">
                   <p:embed/>
                   <p:pic>
                     <p:nvPicPr>
-                      <p:cNvPr id="0" name="Object 1"/>
+                      <p:cNvPr id="0" name=""/>
                       <p:cNvPicPr>
                         <a:picLocks noChangeAspect="1" noChangeArrowheads="1"/>
                       </p:cNvPicPr>
@@ -7134,8 +8000,8 @@
                     </p:blipFill>
                     <p:spPr bwMode="auto">
                       <a:xfrm>
-                        <a:off x="228600" y="1809750"/>
-                        <a:ext cx="4416425" cy="2476500"/>
+                        <a:off x="57150" y="1682750"/>
+                        <a:ext cx="5337175" cy="2732088"/>
                       </a:xfrm>
                       <a:prstGeom prst="rect">
                         <a:avLst/>
@@ -7171,10 +8037,40 @@
           </a:graphicData>
         </a:graphic>
       </p:graphicFrame>
+      <p:sp>
+        <p:nvSpPr>
+          <p:cNvPr id="21" name="TextBox 20"/>
+          <p:cNvSpPr txBox="1"/>
+          <p:nvPr/>
+        </p:nvSpPr>
+        <p:spPr>
+          <a:xfrm>
+            <a:off x="4659748" y="4476750"/>
+            <a:ext cx="1601272" cy="369332"/>
+          </a:xfrm>
+          <a:prstGeom prst="rect">
+            <a:avLst/>
+          </a:prstGeom>
+          <a:noFill/>
+        </p:spPr>
+        <p:txBody>
+          <a:bodyPr wrap="none" rtlCol="0">
+            <a:spAutoFit/>
+          </a:bodyPr>
+          <a:lstStyle/>
+          <a:p>
+            <a:r>
+              <a:rPr lang="en-US" dirty="0" smtClean="0"/>
+              <a:t>AlternativePlus</a:t>
+            </a:r>
+            <a:endParaRPr lang="en-US" dirty="0"/>
+          </a:p>
+        </p:txBody>
+      </p:sp>
     </p:spTree>
     <p:extLst>
       <p:ext uri="{BB962C8B-B14F-4D97-AF65-F5344CB8AC3E}">
-        <p14:creationId xmlns:p14="http://schemas.microsoft.com/office/powerpoint/2010/main" val="1335751421"/>
+        <p14:creationId xmlns:p14="http://schemas.microsoft.com/office/powerpoint/2010/main" val="1632270502"/>
       </p:ext>
     </p:extLst>
   </p:cSld>
@@ -7261,6 +8157,4212 @@
         <p:spPr>
           <a:xfrm>
             <a:off x="6553200" y="1763184"/>
+            <a:ext cx="2520948" cy="3361265"/>
+          </a:xfrm>
+          <a:prstGeom prst="rect">
+            <a:avLst/>
+          </a:prstGeom>
+        </p:spPr>
+      </p:pic>
+      <p:sp>
+        <p:nvSpPr>
+          <p:cNvPr id="15" name="TextBox 14"/>
+          <p:cNvSpPr txBox="1"/>
+          <p:nvPr/>
+        </p:nvSpPr>
+        <p:spPr>
+          <a:xfrm>
+            <a:off x="381000" y="57149"/>
+            <a:ext cx="609600" cy="507831"/>
+          </a:xfrm>
+          <a:prstGeom prst="rect">
+            <a:avLst/>
+          </a:prstGeom>
+          <a:noFill/>
+          <a:ln w="6350">
+            <a:solidFill>
+              <a:schemeClr val="tx1"/>
+            </a:solidFill>
+          </a:ln>
+        </p:spPr>
+        <p:txBody>
+          <a:bodyPr wrap="square" lIns="0" tIns="0" rIns="0" bIns="0" rtlCol="0">
+            <a:spAutoFit/>
+          </a:bodyPr>
+          <a:lstStyle/>
+          <a:p>
+            <a:pPr algn="ctr"/>
+            <a:r>
+              <a:rPr lang="en-US" sz="1100" dirty="0" smtClean="0">
+                <a:solidFill>
+                  <a:schemeClr val="bg1">
+                    <a:lumMod val="85000"/>
+                  </a:schemeClr>
+                </a:solidFill>
+              </a:rPr>
+              <a:t>G </a:t>
+            </a:r>
+            <a:r>
+              <a:rPr lang="en-US" sz="1100" dirty="0" smtClean="0"/>
+              <a:t>gi</a:t>
+            </a:r>
+            <a:r>
+              <a:rPr lang="en-US" sz="1100" dirty="0" smtClean="0">
+                <a:solidFill>
+                  <a:schemeClr val="bg1">
+                    <a:lumMod val="85000"/>
+                  </a:schemeClr>
+                </a:solidFill>
+              </a:rPr>
+              <a:t> ga</a:t>
+            </a:r>
+          </a:p>
+          <a:p>
+            <a:pPr algn="ctr"/>
+            <a:r>
+              <a:rPr lang="en-US" sz="1100" dirty="0">
+                <a:solidFill>
+                  <a:schemeClr val="bg1">
+                    <a:lumMod val="85000"/>
+                  </a:schemeClr>
+                </a:solidFill>
+              </a:rPr>
+              <a:t>i</a:t>
+            </a:r>
+            <a:r>
+              <a:rPr lang="en-US" sz="1100" dirty="0" smtClean="0">
+                <a:solidFill>
+                  <a:schemeClr val="bg1">
+                    <a:lumMod val="85000"/>
+                  </a:schemeClr>
+                </a:solidFill>
+              </a:rPr>
+              <a:t>g  I  ia</a:t>
+            </a:r>
+          </a:p>
+          <a:p>
+            <a:pPr algn="ctr"/>
+            <a:r>
+              <a:rPr lang="en-US" sz="1100" dirty="0">
+                <a:solidFill>
+                  <a:schemeClr val="bg1">
+                    <a:lumMod val="85000"/>
+                  </a:schemeClr>
+                </a:solidFill>
+              </a:rPr>
+              <a:t>a</a:t>
+            </a:r>
+            <a:r>
+              <a:rPr lang="en-US" sz="1100" dirty="0" smtClean="0">
+                <a:solidFill>
+                  <a:schemeClr val="bg1">
+                    <a:lumMod val="85000"/>
+                  </a:schemeClr>
+                </a:solidFill>
+              </a:rPr>
+              <a:t>g ai A</a:t>
+            </a:r>
+            <a:endParaRPr lang="en-US" sz="1100" dirty="0">
+              <a:solidFill>
+                <a:schemeClr val="bg1">
+                  <a:lumMod val="85000"/>
+                </a:schemeClr>
+              </a:solidFill>
+            </a:endParaRPr>
+          </a:p>
+        </p:txBody>
+      </p:sp>
+      <p:sp>
+        <p:nvSpPr>
+          <p:cNvPr id="16" name="TextBox 15"/>
+          <p:cNvSpPr txBox="1"/>
+          <p:nvPr/>
+        </p:nvSpPr>
+        <p:spPr>
+          <a:xfrm>
+            <a:off x="1041978" y="57150"/>
+            <a:ext cx="609600" cy="507831"/>
+          </a:xfrm>
+          <a:prstGeom prst="rect">
+            <a:avLst/>
+          </a:prstGeom>
+          <a:noFill/>
+          <a:ln w="6350">
+            <a:solidFill>
+              <a:schemeClr val="tx1"/>
+            </a:solidFill>
+          </a:ln>
+        </p:spPr>
+        <p:txBody>
+          <a:bodyPr wrap="square" lIns="0" tIns="0" rIns="0" bIns="0" rtlCol="0">
+            <a:spAutoFit/>
+          </a:bodyPr>
+          <a:lstStyle/>
+          <a:p>
+            <a:pPr algn="ctr"/>
+            <a:r>
+              <a:rPr lang="en-US" sz="1100" dirty="0" smtClean="0">
+                <a:solidFill>
+                  <a:schemeClr val="bg1">
+                    <a:lumMod val="85000"/>
+                  </a:schemeClr>
+                </a:solidFill>
+              </a:rPr>
+              <a:t>G gi </a:t>
+            </a:r>
+            <a:r>
+              <a:rPr lang="en-US" sz="1100" dirty="0" smtClean="0"/>
+              <a:t>ga</a:t>
+            </a:r>
+          </a:p>
+          <a:p>
+            <a:pPr algn="ctr"/>
+            <a:r>
+              <a:rPr lang="en-US" sz="1100" dirty="0">
+                <a:solidFill>
+                  <a:schemeClr val="bg1">
+                    <a:lumMod val="85000"/>
+                  </a:schemeClr>
+                </a:solidFill>
+              </a:rPr>
+              <a:t>i</a:t>
+            </a:r>
+            <a:r>
+              <a:rPr lang="en-US" sz="1100" dirty="0" smtClean="0">
+                <a:solidFill>
+                  <a:schemeClr val="bg1">
+                    <a:lumMod val="85000"/>
+                  </a:schemeClr>
+                </a:solidFill>
+              </a:rPr>
+              <a:t>g  I  ia</a:t>
+            </a:r>
+          </a:p>
+          <a:p>
+            <a:pPr algn="ctr"/>
+            <a:r>
+              <a:rPr lang="en-US" sz="1100" dirty="0">
+                <a:solidFill>
+                  <a:schemeClr val="bg1">
+                    <a:lumMod val="85000"/>
+                  </a:schemeClr>
+                </a:solidFill>
+              </a:rPr>
+              <a:t>a</a:t>
+            </a:r>
+            <a:r>
+              <a:rPr lang="en-US" sz="1100" dirty="0" smtClean="0">
+                <a:solidFill>
+                  <a:schemeClr val="bg1">
+                    <a:lumMod val="85000"/>
+                  </a:schemeClr>
+                </a:solidFill>
+              </a:rPr>
+              <a:t>g ai A</a:t>
+            </a:r>
+            <a:endParaRPr lang="en-US" sz="1100" dirty="0">
+              <a:solidFill>
+                <a:schemeClr val="bg1">
+                  <a:lumMod val="85000"/>
+                </a:schemeClr>
+              </a:solidFill>
+            </a:endParaRPr>
+          </a:p>
+        </p:txBody>
+      </p:sp>
+      <p:sp>
+        <p:nvSpPr>
+          <p:cNvPr id="17" name="TextBox 16"/>
+          <p:cNvSpPr txBox="1"/>
+          <p:nvPr/>
+        </p:nvSpPr>
+        <p:spPr>
+          <a:xfrm>
+            <a:off x="1721428" y="57150"/>
+            <a:ext cx="609600" cy="507831"/>
+          </a:xfrm>
+          <a:prstGeom prst="rect">
+            <a:avLst/>
+          </a:prstGeom>
+          <a:noFill/>
+          <a:ln w="6350">
+            <a:solidFill>
+              <a:schemeClr val="tx1"/>
+            </a:solidFill>
+          </a:ln>
+        </p:spPr>
+        <p:txBody>
+          <a:bodyPr wrap="square" lIns="0" tIns="0" rIns="0" bIns="0" rtlCol="0">
+            <a:spAutoFit/>
+          </a:bodyPr>
+          <a:lstStyle/>
+          <a:p>
+            <a:pPr algn="ctr"/>
+            <a:r>
+              <a:rPr lang="en-US" sz="1100" dirty="0" smtClean="0">
+                <a:solidFill>
+                  <a:schemeClr val="bg1">
+                    <a:lumMod val="85000"/>
+                  </a:schemeClr>
+                </a:solidFill>
+              </a:rPr>
+              <a:t>G gi ga</a:t>
+            </a:r>
+          </a:p>
+          <a:p>
+            <a:pPr algn="ctr"/>
+            <a:r>
+              <a:rPr lang="en-US" sz="1100" dirty="0"/>
+              <a:t>i</a:t>
+            </a:r>
+            <a:r>
+              <a:rPr lang="en-US" sz="1100" dirty="0" smtClean="0"/>
+              <a:t>g</a:t>
+            </a:r>
+            <a:r>
+              <a:rPr lang="en-US" sz="1100" dirty="0" smtClean="0">
+                <a:solidFill>
+                  <a:schemeClr val="bg1">
+                    <a:lumMod val="85000"/>
+                  </a:schemeClr>
+                </a:solidFill>
+              </a:rPr>
+              <a:t>  I  ia</a:t>
+            </a:r>
+          </a:p>
+          <a:p>
+            <a:pPr algn="ctr"/>
+            <a:r>
+              <a:rPr lang="en-US" sz="1100" dirty="0">
+                <a:solidFill>
+                  <a:schemeClr val="bg1">
+                    <a:lumMod val="85000"/>
+                  </a:schemeClr>
+                </a:solidFill>
+              </a:rPr>
+              <a:t>a</a:t>
+            </a:r>
+            <a:r>
+              <a:rPr lang="en-US" sz="1100" dirty="0" smtClean="0">
+                <a:solidFill>
+                  <a:schemeClr val="bg1">
+                    <a:lumMod val="85000"/>
+                  </a:schemeClr>
+                </a:solidFill>
+              </a:rPr>
+              <a:t>g ai A</a:t>
+            </a:r>
+            <a:endParaRPr lang="en-US" sz="1100" dirty="0">
+              <a:solidFill>
+                <a:schemeClr val="bg1">
+                  <a:lumMod val="85000"/>
+                </a:schemeClr>
+              </a:solidFill>
+            </a:endParaRPr>
+          </a:p>
+        </p:txBody>
+      </p:sp>
+      <p:sp>
+        <p:nvSpPr>
+          <p:cNvPr id="18" name="TextBox 17"/>
+          <p:cNvSpPr txBox="1"/>
+          <p:nvPr/>
+        </p:nvSpPr>
+        <p:spPr>
+          <a:xfrm>
+            <a:off x="2410692" y="57150"/>
+            <a:ext cx="609600" cy="507831"/>
+          </a:xfrm>
+          <a:prstGeom prst="rect">
+            <a:avLst/>
+          </a:prstGeom>
+          <a:noFill/>
+          <a:ln w="6350">
+            <a:solidFill>
+              <a:schemeClr val="tx1"/>
+            </a:solidFill>
+          </a:ln>
+        </p:spPr>
+        <p:txBody>
+          <a:bodyPr wrap="square" lIns="0" tIns="0" rIns="0" bIns="0" rtlCol="0">
+            <a:spAutoFit/>
+          </a:bodyPr>
+          <a:lstStyle/>
+          <a:p>
+            <a:pPr algn="ctr"/>
+            <a:r>
+              <a:rPr lang="en-US" sz="1100" dirty="0" smtClean="0">
+                <a:solidFill>
+                  <a:schemeClr val="bg1">
+                    <a:lumMod val="85000"/>
+                  </a:schemeClr>
+                </a:solidFill>
+              </a:rPr>
+              <a:t>G gi ga</a:t>
+            </a:r>
+          </a:p>
+          <a:p>
+            <a:pPr algn="ctr"/>
+            <a:r>
+              <a:rPr lang="en-US" sz="1100" dirty="0">
+                <a:solidFill>
+                  <a:schemeClr val="bg1">
+                    <a:lumMod val="85000"/>
+                  </a:schemeClr>
+                </a:solidFill>
+              </a:rPr>
+              <a:t>i</a:t>
+            </a:r>
+            <a:r>
+              <a:rPr lang="en-US" sz="1100" dirty="0" smtClean="0">
+                <a:solidFill>
+                  <a:schemeClr val="bg1">
+                    <a:lumMod val="85000"/>
+                  </a:schemeClr>
+                </a:solidFill>
+              </a:rPr>
+              <a:t>g  I  ia</a:t>
+            </a:r>
+          </a:p>
+          <a:p>
+            <a:pPr algn="ctr"/>
+            <a:r>
+              <a:rPr lang="en-US" sz="1100" dirty="0"/>
+              <a:t>a</a:t>
+            </a:r>
+            <a:r>
+              <a:rPr lang="en-US" sz="1100" dirty="0" smtClean="0"/>
+              <a:t>g</a:t>
+            </a:r>
+            <a:r>
+              <a:rPr lang="en-US" sz="1100" dirty="0" smtClean="0">
+                <a:solidFill>
+                  <a:schemeClr val="bg1">
+                    <a:lumMod val="85000"/>
+                  </a:schemeClr>
+                </a:solidFill>
+              </a:rPr>
+              <a:t> ai A</a:t>
+            </a:r>
+            <a:endParaRPr lang="en-US" sz="1100" dirty="0">
+              <a:solidFill>
+                <a:schemeClr val="bg1">
+                  <a:lumMod val="85000"/>
+                </a:schemeClr>
+              </a:solidFill>
+            </a:endParaRPr>
+          </a:p>
+        </p:txBody>
+      </p:sp>
+      <p:sp>
+        <p:nvSpPr>
+          <p:cNvPr id="19" name="TextBox 18"/>
+          <p:cNvSpPr txBox="1"/>
+          <p:nvPr/>
+        </p:nvSpPr>
+        <p:spPr>
+          <a:xfrm>
+            <a:off x="3099956" y="57150"/>
+            <a:ext cx="609600" cy="507831"/>
+          </a:xfrm>
+          <a:prstGeom prst="rect">
+            <a:avLst/>
+          </a:prstGeom>
+          <a:noFill/>
+          <a:ln w="6350">
+            <a:solidFill>
+              <a:schemeClr val="tx1"/>
+            </a:solidFill>
+          </a:ln>
+        </p:spPr>
+        <p:txBody>
+          <a:bodyPr wrap="square" lIns="0" tIns="0" rIns="0" bIns="0" rtlCol="0">
+            <a:spAutoFit/>
+          </a:bodyPr>
+          <a:lstStyle/>
+          <a:p>
+            <a:pPr algn="ctr"/>
+            <a:r>
+              <a:rPr lang="en-US" sz="1100" dirty="0" smtClean="0">
+                <a:solidFill>
+                  <a:schemeClr val="bg1">
+                    <a:lumMod val="85000"/>
+                  </a:schemeClr>
+                </a:solidFill>
+              </a:rPr>
+              <a:t>G gi ga</a:t>
+            </a:r>
+          </a:p>
+          <a:p>
+            <a:pPr algn="ctr"/>
+            <a:r>
+              <a:rPr lang="en-US" sz="1100" dirty="0">
+                <a:solidFill>
+                  <a:schemeClr val="bg1">
+                    <a:lumMod val="85000"/>
+                  </a:schemeClr>
+                </a:solidFill>
+              </a:rPr>
+              <a:t>i</a:t>
+            </a:r>
+            <a:r>
+              <a:rPr lang="en-US" sz="1100" dirty="0" smtClean="0">
+                <a:solidFill>
+                  <a:schemeClr val="bg1">
+                    <a:lumMod val="85000"/>
+                  </a:schemeClr>
+                </a:solidFill>
+              </a:rPr>
+              <a:t>g  I  </a:t>
+            </a:r>
+            <a:r>
+              <a:rPr lang="en-US" sz="1100" dirty="0" smtClean="0"/>
+              <a:t>ia</a:t>
+            </a:r>
+          </a:p>
+          <a:p>
+            <a:pPr algn="ctr"/>
+            <a:r>
+              <a:rPr lang="en-US" sz="1100" dirty="0">
+                <a:solidFill>
+                  <a:schemeClr val="bg1">
+                    <a:lumMod val="85000"/>
+                  </a:schemeClr>
+                </a:solidFill>
+              </a:rPr>
+              <a:t>a</a:t>
+            </a:r>
+            <a:r>
+              <a:rPr lang="en-US" sz="1100" dirty="0" smtClean="0">
+                <a:solidFill>
+                  <a:schemeClr val="bg1">
+                    <a:lumMod val="85000"/>
+                  </a:schemeClr>
+                </a:solidFill>
+              </a:rPr>
+              <a:t>g ai A</a:t>
+            </a:r>
+            <a:endParaRPr lang="en-US" sz="1100" dirty="0">
+              <a:solidFill>
+                <a:schemeClr val="bg1">
+                  <a:lumMod val="85000"/>
+                </a:schemeClr>
+              </a:solidFill>
+            </a:endParaRPr>
+          </a:p>
+        </p:txBody>
+      </p:sp>
+      <p:sp>
+        <p:nvSpPr>
+          <p:cNvPr id="20" name="TextBox 19"/>
+          <p:cNvSpPr txBox="1"/>
+          <p:nvPr/>
+        </p:nvSpPr>
+        <p:spPr>
+          <a:xfrm>
+            <a:off x="3789220" y="57150"/>
+            <a:ext cx="609600" cy="507831"/>
+          </a:xfrm>
+          <a:prstGeom prst="rect">
+            <a:avLst/>
+          </a:prstGeom>
+          <a:noFill/>
+          <a:ln w="6350">
+            <a:solidFill>
+              <a:schemeClr val="tx1"/>
+            </a:solidFill>
+          </a:ln>
+        </p:spPr>
+        <p:txBody>
+          <a:bodyPr wrap="square" lIns="0" tIns="0" rIns="0" bIns="0" rtlCol="0">
+            <a:spAutoFit/>
+          </a:bodyPr>
+          <a:lstStyle/>
+          <a:p>
+            <a:pPr algn="ctr"/>
+            <a:r>
+              <a:rPr lang="en-US" sz="1100" dirty="0" smtClean="0">
+                <a:solidFill>
+                  <a:schemeClr val="bg1">
+                    <a:lumMod val="85000"/>
+                  </a:schemeClr>
+                </a:solidFill>
+              </a:rPr>
+              <a:t>G gi ga</a:t>
+            </a:r>
+          </a:p>
+          <a:p>
+            <a:pPr algn="ctr"/>
+            <a:r>
+              <a:rPr lang="en-US" sz="1100" dirty="0">
+                <a:solidFill>
+                  <a:schemeClr val="bg1">
+                    <a:lumMod val="85000"/>
+                  </a:schemeClr>
+                </a:solidFill>
+              </a:rPr>
+              <a:t>i</a:t>
+            </a:r>
+            <a:r>
+              <a:rPr lang="en-US" sz="1100" dirty="0" smtClean="0">
+                <a:solidFill>
+                  <a:schemeClr val="bg1">
+                    <a:lumMod val="85000"/>
+                  </a:schemeClr>
+                </a:solidFill>
+              </a:rPr>
+              <a:t>g  I  ia</a:t>
+            </a:r>
+          </a:p>
+          <a:p>
+            <a:pPr algn="ctr"/>
+            <a:r>
+              <a:rPr lang="en-US" sz="1100" dirty="0">
+                <a:solidFill>
+                  <a:schemeClr val="bg1">
+                    <a:lumMod val="85000"/>
+                  </a:schemeClr>
+                </a:solidFill>
+              </a:rPr>
+              <a:t>a</a:t>
+            </a:r>
+            <a:r>
+              <a:rPr lang="en-US" sz="1100" dirty="0" smtClean="0">
+                <a:solidFill>
+                  <a:schemeClr val="bg1">
+                    <a:lumMod val="85000"/>
+                  </a:schemeClr>
+                </a:solidFill>
+              </a:rPr>
+              <a:t>g </a:t>
+            </a:r>
+            <a:r>
+              <a:rPr lang="en-US" sz="1100" dirty="0" smtClean="0"/>
+              <a:t>ai</a:t>
+            </a:r>
+            <a:r>
+              <a:rPr lang="en-US" sz="1100" dirty="0" smtClean="0">
+                <a:solidFill>
+                  <a:schemeClr val="bg1">
+                    <a:lumMod val="85000"/>
+                  </a:schemeClr>
+                </a:solidFill>
+              </a:rPr>
+              <a:t> A</a:t>
+            </a:r>
+            <a:endParaRPr lang="en-US" sz="1100" dirty="0">
+              <a:solidFill>
+                <a:schemeClr val="bg1">
+                  <a:lumMod val="85000"/>
+                </a:schemeClr>
+              </a:solidFill>
+            </a:endParaRPr>
+          </a:p>
+        </p:txBody>
+      </p:sp>
+      <p:sp>
+        <p:nvSpPr>
+          <p:cNvPr id="9" name="TextBox 8"/>
+          <p:cNvSpPr txBox="1"/>
+          <p:nvPr/>
+        </p:nvSpPr>
+        <p:spPr>
+          <a:xfrm>
+            <a:off x="4478484" y="57150"/>
+            <a:ext cx="609600" cy="507831"/>
+          </a:xfrm>
+          <a:prstGeom prst="rect">
+            <a:avLst/>
+          </a:prstGeom>
+          <a:noFill/>
+          <a:ln w="6350">
+            <a:solidFill>
+              <a:schemeClr val="tx1"/>
+            </a:solidFill>
+          </a:ln>
+        </p:spPr>
+        <p:txBody>
+          <a:bodyPr wrap="square" lIns="0" tIns="0" rIns="0" bIns="0" rtlCol="0">
+            <a:spAutoFit/>
+          </a:bodyPr>
+          <a:lstStyle/>
+          <a:p>
+            <a:pPr algn="ctr"/>
+            <a:r>
+              <a:rPr lang="en-US" sz="1100" dirty="0" smtClean="0">
+                <a:solidFill>
+                  <a:schemeClr val="bg1">
+                    <a:lumMod val="85000"/>
+                  </a:schemeClr>
+                </a:solidFill>
+              </a:rPr>
+              <a:t>G </a:t>
+            </a:r>
+            <a:r>
+              <a:rPr lang="en-US" sz="1100" dirty="0" smtClean="0"/>
+              <a:t>gi</a:t>
+            </a:r>
+            <a:r>
+              <a:rPr lang="en-US" sz="1100" dirty="0" smtClean="0">
+                <a:solidFill>
+                  <a:schemeClr val="bg1">
+                    <a:lumMod val="85000"/>
+                  </a:schemeClr>
+                </a:solidFill>
+              </a:rPr>
+              <a:t> ga</a:t>
+            </a:r>
+          </a:p>
+          <a:p>
+            <a:pPr algn="ctr"/>
+            <a:r>
+              <a:rPr lang="en-US" sz="1100" dirty="0">
+                <a:solidFill>
+                  <a:schemeClr val="bg1">
+                    <a:lumMod val="85000"/>
+                  </a:schemeClr>
+                </a:solidFill>
+              </a:rPr>
+              <a:t>i</a:t>
+            </a:r>
+            <a:r>
+              <a:rPr lang="en-US" sz="1100" dirty="0" smtClean="0">
+                <a:solidFill>
+                  <a:schemeClr val="bg1">
+                    <a:lumMod val="85000"/>
+                  </a:schemeClr>
+                </a:solidFill>
+              </a:rPr>
+              <a:t>g  I  ia</a:t>
+            </a:r>
+          </a:p>
+          <a:p>
+            <a:pPr algn="ctr"/>
+            <a:r>
+              <a:rPr lang="en-US" sz="1100" dirty="0">
+                <a:solidFill>
+                  <a:schemeClr val="bg1">
+                    <a:lumMod val="85000"/>
+                  </a:schemeClr>
+                </a:solidFill>
+              </a:rPr>
+              <a:t>a</a:t>
+            </a:r>
+            <a:r>
+              <a:rPr lang="en-US" sz="1100" dirty="0" smtClean="0">
+                <a:solidFill>
+                  <a:schemeClr val="bg1">
+                    <a:lumMod val="85000"/>
+                  </a:schemeClr>
+                </a:solidFill>
+              </a:rPr>
+              <a:t>g ai A</a:t>
+            </a:r>
+            <a:endParaRPr lang="en-US" sz="1100" dirty="0">
+              <a:solidFill>
+                <a:schemeClr val="bg1">
+                  <a:lumMod val="85000"/>
+                </a:schemeClr>
+              </a:solidFill>
+            </a:endParaRPr>
+          </a:p>
+        </p:txBody>
+      </p:sp>
+      <p:sp>
+        <p:nvSpPr>
+          <p:cNvPr id="10" name="TextBox 9"/>
+          <p:cNvSpPr txBox="1"/>
+          <p:nvPr/>
+        </p:nvSpPr>
+        <p:spPr>
+          <a:xfrm>
+            <a:off x="5167748" y="57150"/>
+            <a:ext cx="609600" cy="507831"/>
+          </a:xfrm>
+          <a:prstGeom prst="rect">
+            <a:avLst/>
+          </a:prstGeom>
+          <a:noFill/>
+          <a:ln w="6350">
+            <a:solidFill>
+              <a:schemeClr val="tx1"/>
+            </a:solidFill>
+          </a:ln>
+        </p:spPr>
+        <p:txBody>
+          <a:bodyPr wrap="square" lIns="0" tIns="0" rIns="0" bIns="0" rtlCol="0">
+            <a:spAutoFit/>
+          </a:bodyPr>
+          <a:lstStyle/>
+          <a:p>
+            <a:pPr algn="ctr"/>
+            <a:r>
+              <a:rPr lang="en-US" sz="1100" dirty="0" smtClean="0">
+                <a:solidFill>
+                  <a:schemeClr val="bg1">
+                    <a:lumMod val="85000"/>
+                  </a:schemeClr>
+                </a:solidFill>
+              </a:rPr>
+              <a:t>G gi </a:t>
+            </a:r>
+            <a:r>
+              <a:rPr lang="en-US" sz="1100" dirty="0" smtClean="0"/>
+              <a:t>ga</a:t>
+            </a:r>
+          </a:p>
+          <a:p>
+            <a:pPr algn="ctr"/>
+            <a:r>
+              <a:rPr lang="en-US" sz="1100" dirty="0">
+                <a:solidFill>
+                  <a:schemeClr val="bg1">
+                    <a:lumMod val="85000"/>
+                  </a:schemeClr>
+                </a:solidFill>
+              </a:rPr>
+              <a:t>i</a:t>
+            </a:r>
+            <a:r>
+              <a:rPr lang="en-US" sz="1100" dirty="0" smtClean="0">
+                <a:solidFill>
+                  <a:schemeClr val="bg1">
+                    <a:lumMod val="85000"/>
+                  </a:schemeClr>
+                </a:solidFill>
+              </a:rPr>
+              <a:t>g  I  ia</a:t>
+            </a:r>
+          </a:p>
+          <a:p>
+            <a:pPr algn="ctr"/>
+            <a:r>
+              <a:rPr lang="en-US" sz="1100" dirty="0">
+                <a:solidFill>
+                  <a:schemeClr val="bg1">
+                    <a:lumMod val="85000"/>
+                  </a:schemeClr>
+                </a:solidFill>
+              </a:rPr>
+              <a:t>a</a:t>
+            </a:r>
+            <a:r>
+              <a:rPr lang="en-US" sz="1100" dirty="0" smtClean="0">
+                <a:solidFill>
+                  <a:schemeClr val="bg1">
+                    <a:lumMod val="85000"/>
+                  </a:schemeClr>
+                </a:solidFill>
+              </a:rPr>
+              <a:t>g ai A</a:t>
+            </a:r>
+            <a:endParaRPr lang="en-US" sz="1100" dirty="0">
+              <a:solidFill>
+                <a:schemeClr val="bg1">
+                  <a:lumMod val="85000"/>
+                </a:schemeClr>
+              </a:solidFill>
+            </a:endParaRPr>
+          </a:p>
+        </p:txBody>
+      </p:sp>
+      <p:sp>
+        <p:nvSpPr>
+          <p:cNvPr id="11" name="TextBox 10"/>
+          <p:cNvSpPr txBox="1"/>
+          <p:nvPr/>
+        </p:nvSpPr>
+        <p:spPr>
+          <a:xfrm>
+            <a:off x="5857012" y="57150"/>
+            <a:ext cx="609600" cy="507831"/>
+          </a:xfrm>
+          <a:prstGeom prst="rect">
+            <a:avLst/>
+          </a:prstGeom>
+          <a:noFill/>
+          <a:ln w="6350">
+            <a:solidFill>
+              <a:schemeClr val="tx1"/>
+            </a:solidFill>
+          </a:ln>
+        </p:spPr>
+        <p:txBody>
+          <a:bodyPr wrap="square" lIns="0" tIns="0" rIns="0" bIns="0" rtlCol="0">
+            <a:spAutoFit/>
+          </a:bodyPr>
+          <a:lstStyle/>
+          <a:p>
+            <a:pPr algn="ctr"/>
+            <a:r>
+              <a:rPr lang="en-US" sz="1100" dirty="0" smtClean="0">
+                <a:solidFill>
+                  <a:schemeClr val="bg1">
+                    <a:lumMod val="85000"/>
+                  </a:schemeClr>
+                </a:solidFill>
+              </a:rPr>
+              <a:t>G gi ga</a:t>
+            </a:r>
+          </a:p>
+          <a:p>
+            <a:pPr algn="ctr"/>
+            <a:r>
+              <a:rPr lang="en-US" sz="1100" dirty="0"/>
+              <a:t>i</a:t>
+            </a:r>
+            <a:r>
+              <a:rPr lang="en-US" sz="1100" dirty="0" smtClean="0"/>
+              <a:t>g</a:t>
+            </a:r>
+            <a:r>
+              <a:rPr lang="en-US" sz="1100" dirty="0" smtClean="0">
+                <a:solidFill>
+                  <a:schemeClr val="bg1">
+                    <a:lumMod val="85000"/>
+                  </a:schemeClr>
+                </a:solidFill>
+              </a:rPr>
+              <a:t>  I  ia</a:t>
+            </a:r>
+          </a:p>
+          <a:p>
+            <a:pPr algn="ctr"/>
+            <a:r>
+              <a:rPr lang="en-US" sz="1100" dirty="0">
+                <a:solidFill>
+                  <a:schemeClr val="bg1">
+                    <a:lumMod val="85000"/>
+                  </a:schemeClr>
+                </a:solidFill>
+              </a:rPr>
+              <a:t>a</a:t>
+            </a:r>
+            <a:r>
+              <a:rPr lang="en-US" sz="1100" dirty="0" smtClean="0">
+                <a:solidFill>
+                  <a:schemeClr val="bg1">
+                    <a:lumMod val="85000"/>
+                  </a:schemeClr>
+                </a:solidFill>
+              </a:rPr>
+              <a:t>g ai A</a:t>
+            </a:r>
+            <a:endParaRPr lang="en-US" sz="1100" dirty="0">
+              <a:solidFill>
+                <a:schemeClr val="bg1">
+                  <a:lumMod val="85000"/>
+                </a:schemeClr>
+              </a:solidFill>
+            </a:endParaRPr>
+          </a:p>
+        </p:txBody>
+      </p:sp>
+      <p:sp>
+        <p:nvSpPr>
+          <p:cNvPr id="12" name="TextBox 11"/>
+          <p:cNvSpPr txBox="1"/>
+          <p:nvPr/>
+        </p:nvSpPr>
+        <p:spPr>
+          <a:xfrm>
+            <a:off x="6546276" y="57150"/>
+            <a:ext cx="609600" cy="507831"/>
+          </a:xfrm>
+          <a:prstGeom prst="rect">
+            <a:avLst/>
+          </a:prstGeom>
+          <a:noFill/>
+          <a:ln w="6350">
+            <a:solidFill>
+              <a:schemeClr val="tx1"/>
+            </a:solidFill>
+          </a:ln>
+        </p:spPr>
+        <p:txBody>
+          <a:bodyPr wrap="square" lIns="0" tIns="0" rIns="0" bIns="0" rtlCol="0">
+            <a:spAutoFit/>
+          </a:bodyPr>
+          <a:lstStyle/>
+          <a:p>
+            <a:pPr algn="ctr"/>
+            <a:r>
+              <a:rPr lang="en-US" sz="1100" dirty="0" smtClean="0">
+                <a:solidFill>
+                  <a:schemeClr val="bg1">
+                    <a:lumMod val="85000"/>
+                  </a:schemeClr>
+                </a:solidFill>
+              </a:rPr>
+              <a:t>G gi ga</a:t>
+            </a:r>
+          </a:p>
+          <a:p>
+            <a:pPr algn="ctr"/>
+            <a:r>
+              <a:rPr lang="en-US" sz="1100" dirty="0">
+                <a:solidFill>
+                  <a:schemeClr val="bg1">
+                    <a:lumMod val="85000"/>
+                  </a:schemeClr>
+                </a:solidFill>
+              </a:rPr>
+              <a:t>i</a:t>
+            </a:r>
+            <a:r>
+              <a:rPr lang="en-US" sz="1100" dirty="0" smtClean="0">
+                <a:solidFill>
+                  <a:schemeClr val="bg1">
+                    <a:lumMod val="85000"/>
+                  </a:schemeClr>
+                </a:solidFill>
+              </a:rPr>
+              <a:t>g  I  ia</a:t>
+            </a:r>
+          </a:p>
+          <a:p>
+            <a:pPr algn="ctr"/>
+            <a:r>
+              <a:rPr lang="en-US" sz="1100" dirty="0"/>
+              <a:t>a</a:t>
+            </a:r>
+            <a:r>
+              <a:rPr lang="en-US" sz="1100" dirty="0" smtClean="0"/>
+              <a:t>g</a:t>
+            </a:r>
+            <a:r>
+              <a:rPr lang="en-US" sz="1100" dirty="0" smtClean="0">
+                <a:solidFill>
+                  <a:schemeClr val="bg1">
+                    <a:lumMod val="85000"/>
+                  </a:schemeClr>
+                </a:solidFill>
+              </a:rPr>
+              <a:t> ai A</a:t>
+            </a:r>
+            <a:endParaRPr lang="en-US" sz="1100" dirty="0">
+              <a:solidFill>
+                <a:schemeClr val="bg1">
+                  <a:lumMod val="85000"/>
+                </a:schemeClr>
+              </a:solidFill>
+            </a:endParaRPr>
+          </a:p>
+        </p:txBody>
+      </p:sp>
+      <p:sp>
+        <p:nvSpPr>
+          <p:cNvPr id="13" name="TextBox 12"/>
+          <p:cNvSpPr txBox="1"/>
+          <p:nvPr/>
+        </p:nvSpPr>
+        <p:spPr>
+          <a:xfrm>
+            <a:off x="7235540" y="57150"/>
+            <a:ext cx="609600" cy="507831"/>
+          </a:xfrm>
+          <a:prstGeom prst="rect">
+            <a:avLst/>
+          </a:prstGeom>
+          <a:noFill/>
+          <a:ln w="6350">
+            <a:solidFill>
+              <a:schemeClr val="tx1"/>
+            </a:solidFill>
+          </a:ln>
+        </p:spPr>
+        <p:txBody>
+          <a:bodyPr wrap="square" lIns="0" tIns="0" rIns="0" bIns="0" rtlCol="0">
+            <a:spAutoFit/>
+          </a:bodyPr>
+          <a:lstStyle/>
+          <a:p>
+            <a:pPr algn="ctr"/>
+            <a:r>
+              <a:rPr lang="en-US" sz="1100" dirty="0" smtClean="0">
+                <a:solidFill>
+                  <a:schemeClr val="bg1">
+                    <a:lumMod val="85000"/>
+                  </a:schemeClr>
+                </a:solidFill>
+              </a:rPr>
+              <a:t>G gi ga</a:t>
+            </a:r>
+          </a:p>
+          <a:p>
+            <a:pPr algn="ctr"/>
+            <a:r>
+              <a:rPr lang="en-US" sz="1100" dirty="0">
+                <a:solidFill>
+                  <a:schemeClr val="bg1">
+                    <a:lumMod val="85000"/>
+                  </a:schemeClr>
+                </a:solidFill>
+              </a:rPr>
+              <a:t>i</a:t>
+            </a:r>
+            <a:r>
+              <a:rPr lang="en-US" sz="1100" dirty="0" smtClean="0">
+                <a:solidFill>
+                  <a:schemeClr val="bg1">
+                    <a:lumMod val="85000"/>
+                  </a:schemeClr>
+                </a:solidFill>
+              </a:rPr>
+              <a:t>g  I  </a:t>
+            </a:r>
+            <a:r>
+              <a:rPr lang="en-US" sz="1100" dirty="0" smtClean="0"/>
+              <a:t>ia</a:t>
+            </a:r>
+          </a:p>
+          <a:p>
+            <a:pPr algn="ctr"/>
+            <a:r>
+              <a:rPr lang="en-US" sz="1100" dirty="0">
+                <a:solidFill>
+                  <a:schemeClr val="bg1">
+                    <a:lumMod val="85000"/>
+                  </a:schemeClr>
+                </a:solidFill>
+              </a:rPr>
+              <a:t>a</a:t>
+            </a:r>
+            <a:r>
+              <a:rPr lang="en-US" sz="1100" dirty="0" smtClean="0">
+                <a:solidFill>
+                  <a:schemeClr val="bg1">
+                    <a:lumMod val="85000"/>
+                  </a:schemeClr>
+                </a:solidFill>
+              </a:rPr>
+              <a:t>g ai A</a:t>
+            </a:r>
+            <a:endParaRPr lang="en-US" sz="1100" dirty="0">
+              <a:solidFill>
+                <a:schemeClr val="bg1">
+                  <a:lumMod val="85000"/>
+                </a:schemeClr>
+              </a:solidFill>
+            </a:endParaRPr>
+          </a:p>
+        </p:txBody>
+      </p:sp>
+      <p:sp>
+        <p:nvSpPr>
+          <p:cNvPr id="14" name="TextBox 13"/>
+          <p:cNvSpPr txBox="1"/>
+          <p:nvPr/>
+        </p:nvSpPr>
+        <p:spPr>
+          <a:xfrm>
+            <a:off x="7924800" y="57150"/>
+            <a:ext cx="609600" cy="507831"/>
+          </a:xfrm>
+          <a:prstGeom prst="rect">
+            <a:avLst/>
+          </a:prstGeom>
+          <a:noFill/>
+          <a:ln w="6350">
+            <a:solidFill>
+              <a:schemeClr val="tx1"/>
+            </a:solidFill>
+          </a:ln>
+        </p:spPr>
+        <p:txBody>
+          <a:bodyPr wrap="square" lIns="0" tIns="0" rIns="0" bIns="0" rtlCol="0">
+            <a:spAutoFit/>
+          </a:bodyPr>
+          <a:lstStyle/>
+          <a:p>
+            <a:pPr algn="ctr"/>
+            <a:r>
+              <a:rPr lang="en-US" sz="1100" dirty="0" smtClean="0">
+                <a:solidFill>
+                  <a:schemeClr val="bg1">
+                    <a:lumMod val="85000"/>
+                  </a:schemeClr>
+                </a:solidFill>
+              </a:rPr>
+              <a:t>G gi ga</a:t>
+            </a:r>
+          </a:p>
+          <a:p>
+            <a:pPr algn="ctr"/>
+            <a:r>
+              <a:rPr lang="en-US" sz="1100" dirty="0">
+                <a:solidFill>
+                  <a:schemeClr val="bg1">
+                    <a:lumMod val="85000"/>
+                  </a:schemeClr>
+                </a:solidFill>
+              </a:rPr>
+              <a:t>i</a:t>
+            </a:r>
+            <a:r>
+              <a:rPr lang="en-US" sz="1100" dirty="0" smtClean="0">
+                <a:solidFill>
+                  <a:schemeClr val="bg1">
+                    <a:lumMod val="85000"/>
+                  </a:schemeClr>
+                </a:solidFill>
+              </a:rPr>
+              <a:t>g  I  ia</a:t>
+            </a:r>
+          </a:p>
+          <a:p>
+            <a:pPr algn="ctr"/>
+            <a:r>
+              <a:rPr lang="en-US" sz="1100" dirty="0">
+                <a:solidFill>
+                  <a:schemeClr val="bg1">
+                    <a:lumMod val="85000"/>
+                  </a:schemeClr>
+                </a:solidFill>
+              </a:rPr>
+              <a:t>a</a:t>
+            </a:r>
+            <a:r>
+              <a:rPr lang="en-US" sz="1100" dirty="0" smtClean="0">
+                <a:solidFill>
+                  <a:schemeClr val="bg1">
+                    <a:lumMod val="85000"/>
+                  </a:schemeClr>
+                </a:solidFill>
+              </a:rPr>
+              <a:t>g </a:t>
+            </a:r>
+            <a:r>
+              <a:rPr lang="en-US" sz="1100" dirty="0" smtClean="0"/>
+              <a:t>ai</a:t>
+            </a:r>
+            <a:r>
+              <a:rPr lang="en-US" sz="1100" dirty="0" smtClean="0">
+                <a:solidFill>
+                  <a:schemeClr val="bg1">
+                    <a:lumMod val="85000"/>
+                  </a:schemeClr>
+                </a:solidFill>
+              </a:rPr>
+              <a:t> A</a:t>
+            </a:r>
+            <a:endParaRPr lang="en-US" sz="1100" dirty="0">
+              <a:solidFill>
+                <a:schemeClr val="bg1">
+                  <a:lumMod val="85000"/>
+                </a:schemeClr>
+              </a:solidFill>
+            </a:endParaRPr>
+          </a:p>
+        </p:txBody>
+      </p:sp>
+      <p:graphicFrame>
+        <p:nvGraphicFramePr>
+          <p:cNvPr id="2" name="Object 1"/>
+          <p:cNvGraphicFramePr>
+            <a:graphicFrameLocks noChangeAspect="1"/>
+          </p:cNvGraphicFramePr>
+          <p:nvPr>
+            <p:extLst>
+              <p:ext uri="{D42A27DB-BD31-4B8C-83A1-F6EECF244321}">
+                <p14:modId xmlns:p14="http://schemas.microsoft.com/office/powerpoint/2010/main" val="2754881133"/>
+              </p:ext>
+            </p:extLst>
+          </p:nvPr>
+        </p:nvGraphicFramePr>
+        <p:xfrm>
+          <a:off x="195262" y="1782763"/>
+          <a:ext cx="6053138" cy="2532062"/>
+        </p:xfrm>
+        <a:graphic>
+          <a:graphicData uri="http://schemas.openxmlformats.org/presentationml/2006/ole">
+            <mc:AlternateContent xmlns:mc="http://schemas.openxmlformats.org/markup-compatibility/2006">
+              <mc:Choice xmlns:v="urn:schemas-microsoft-com:vml" Requires="v">
+                <p:oleObj spid="_x0000_s16392" name="Equation" r:id="rId5" imgW="4940280" imgH="2260440" progId="Equation.DSMT4">
+                  <p:embed/>
+                </p:oleObj>
+              </mc:Choice>
+              <mc:Fallback>
+                <p:oleObj name="Equation" r:id="rId5" imgW="4940280" imgH="2260440" progId="Equation.DSMT4">
+                  <p:embed/>
+                  <p:pic>
+                    <p:nvPicPr>
+                      <p:cNvPr id="0" name="Object 2"/>
+                      <p:cNvPicPr>
+                        <a:picLocks noChangeAspect="1" noChangeArrowheads="1"/>
+                      </p:cNvPicPr>
+                      <p:nvPr/>
+                    </p:nvPicPr>
+                    <p:blipFill>
+                      <a:blip r:embed="rId6"/>
+                      <a:srcRect/>
+                      <a:stretch>
+                        <a:fillRect/>
+                      </a:stretch>
+                    </p:blipFill>
+                    <p:spPr bwMode="auto">
+                      <a:xfrm>
+                        <a:off x="195262" y="1782763"/>
+                        <a:ext cx="6053138" cy="2532062"/>
+                      </a:xfrm>
+                      <a:prstGeom prst="rect">
+                        <a:avLst/>
+                      </a:prstGeom>
+                      <a:noFill/>
+                      <a:ln>
+                        <a:noFill/>
+                      </a:ln>
+                      <a:extLst>
+                        <a:ext uri="{909E8E84-426E-40DD-AFC4-6F175D3DCCD1}">
+                          <a14:hiddenFill xmlns:a14="http://schemas.microsoft.com/office/drawing/2010/main">
+                            <a:solidFill>
+                              <a:srgbClr val="FFFFFF"/>
+                            </a:solidFill>
+                          </a14:hiddenFill>
+                        </a:ext>
+                        <a:ext uri="{91240B29-F687-4F45-9708-019B960494DF}">
+                          <a14:hiddenLine xmlns:a14="http://schemas.microsoft.com/office/drawing/2010/main" w="9525">
+                            <a:solidFill>
+                              <a:srgbClr val="000000"/>
+                            </a:solidFill>
+                            <a:miter lim="800000"/>
+                            <a:headEnd/>
+                            <a:tailEnd/>
+                          </a14:hiddenLine>
+                        </a:ext>
+                      </a:extLst>
+                    </p:spPr>
+                  </p:pic>
+                </p:oleObj>
+              </mc:Fallback>
+            </mc:AlternateContent>
+          </a:graphicData>
+        </a:graphic>
+      </p:graphicFrame>
+      <p:sp>
+        <p:nvSpPr>
+          <p:cNvPr id="21" name="TextBox 20"/>
+          <p:cNvSpPr txBox="1"/>
+          <p:nvPr/>
+        </p:nvSpPr>
+        <p:spPr>
+          <a:xfrm>
+            <a:off x="4659748" y="4476750"/>
+            <a:ext cx="1718291" cy="369332"/>
+          </a:xfrm>
+          <a:prstGeom prst="rect">
+            <a:avLst/>
+          </a:prstGeom>
+          <a:noFill/>
+        </p:spPr>
+        <p:txBody>
+          <a:bodyPr wrap="none" rtlCol="0">
+            <a:spAutoFit/>
+          </a:bodyPr>
+          <a:lstStyle/>
+          <a:p>
+            <a:r>
+              <a:rPr lang="en-US" dirty="0" smtClean="0"/>
+              <a:t>AlternativePlus2</a:t>
+            </a:r>
+            <a:endParaRPr lang="en-US" dirty="0"/>
+          </a:p>
+        </p:txBody>
+      </p:sp>
+    </p:spTree>
+    <p:extLst>
+      <p:ext uri="{BB962C8B-B14F-4D97-AF65-F5344CB8AC3E}">
+        <p14:creationId xmlns:p14="http://schemas.microsoft.com/office/powerpoint/2010/main" val="1248298710"/>
+      </p:ext>
+    </p:extLst>
+  </p:cSld>
+  <p:clrMapOvr>
+    <a:masterClrMapping/>
+  </p:clrMapOvr>
+  <p:timing>
+    <p:tnLst>
+      <p:par>
+        <p:cTn id="1" dur="indefinite" restart="never" nodeType="tmRoot"/>
+      </p:par>
+    </p:tnLst>
+  </p:timing>
+</p:sld>
+</file>
+
+<file path=ppt/slides/slide7.xml><?xml version="1.0" encoding="utf-8"?>
+<p:sld xmlns:a="http://schemas.openxmlformats.org/drawingml/2006/main" xmlns:r="http://schemas.openxmlformats.org/officeDocument/2006/relationships" xmlns:p="http://schemas.openxmlformats.org/presentationml/2006/main">
+  <p:cSld>
+    <p:spTree>
+      <p:nvGrpSpPr>
+        <p:cNvPr id="1" name=""/>
+        <p:cNvGrpSpPr/>
+        <p:nvPr/>
+      </p:nvGrpSpPr>
+      <p:grpSpPr>
+        <a:xfrm>
+          <a:off x="0" y="0"/>
+          <a:ext cx="0" cy="0"/>
+          <a:chOff x="0" y="0"/>
+          <a:chExt cx="0" cy="0"/>
+        </a:xfrm>
+      </p:grpSpPr>
+      <p:pic>
+        <p:nvPicPr>
+          <p:cNvPr id="4" name="Picture 3"/>
+          <p:cNvPicPr>
+            <a:picLocks noChangeAspect="1"/>
+          </p:cNvPicPr>
+          <p:nvPr/>
+        </p:nvPicPr>
+        <p:blipFill>
+          <a:blip r:embed="rId3">
+            <a:extLst>
+              <a:ext uri="{28A0092B-C50C-407E-A947-70E740481C1C}">
+                <a14:useLocalDpi xmlns:a14="http://schemas.microsoft.com/office/drawing/2010/main" val="0"/>
+              </a:ext>
+            </a:extLst>
+          </a:blip>
+          <a:stretch>
+            <a:fillRect/>
+          </a:stretch>
+        </p:blipFill>
+        <p:spPr>
+          <a:xfrm>
+            <a:off x="76200" y="514350"/>
+            <a:ext cx="9144000" cy="1143000"/>
+          </a:xfrm>
+          <a:prstGeom prst="rect">
+            <a:avLst/>
+          </a:prstGeom>
+        </p:spPr>
+      </p:pic>
+      <p:pic>
+        <p:nvPicPr>
+          <p:cNvPr id="5" name="Picture 4"/>
+          <p:cNvPicPr>
+            <a:picLocks noChangeAspect="1"/>
+          </p:cNvPicPr>
+          <p:nvPr/>
+        </p:nvPicPr>
+        <p:blipFill>
+          <a:blip r:embed="rId4">
+            <a:extLst>
+              <a:ext uri="{28A0092B-C50C-407E-A947-70E740481C1C}">
+                <a14:useLocalDpi xmlns:a14="http://schemas.microsoft.com/office/drawing/2010/main" val="0"/>
+              </a:ext>
+            </a:extLst>
+          </a:blip>
+          <a:stretch>
+            <a:fillRect/>
+          </a:stretch>
+        </p:blipFill>
+        <p:spPr>
+          <a:xfrm>
+            <a:off x="6553200" y="1763184"/>
+            <a:ext cx="2520949" cy="3361265"/>
+          </a:xfrm>
+          <a:prstGeom prst="rect">
+            <a:avLst/>
+          </a:prstGeom>
+        </p:spPr>
+      </p:pic>
+      <p:sp>
+        <p:nvSpPr>
+          <p:cNvPr id="15" name="TextBox 14"/>
+          <p:cNvSpPr txBox="1"/>
+          <p:nvPr/>
+        </p:nvSpPr>
+        <p:spPr>
+          <a:xfrm>
+            <a:off x="381000" y="57149"/>
+            <a:ext cx="609600" cy="507831"/>
+          </a:xfrm>
+          <a:prstGeom prst="rect">
+            <a:avLst/>
+          </a:prstGeom>
+          <a:noFill/>
+          <a:ln w="6350">
+            <a:solidFill>
+              <a:schemeClr val="tx1"/>
+            </a:solidFill>
+          </a:ln>
+        </p:spPr>
+        <p:txBody>
+          <a:bodyPr wrap="square" lIns="0" tIns="0" rIns="0" bIns="0" rtlCol="0">
+            <a:spAutoFit/>
+          </a:bodyPr>
+          <a:lstStyle/>
+          <a:p>
+            <a:pPr algn="ctr"/>
+            <a:r>
+              <a:rPr lang="en-US" sz="1100" dirty="0" smtClean="0">
+                <a:solidFill>
+                  <a:schemeClr val="bg1">
+                    <a:lumMod val="85000"/>
+                  </a:schemeClr>
+                </a:solidFill>
+              </a:rPr>
+              <a:t>G </a:t>
+            </a:r>
+            <a:r>
+              <a:rPr lang="en-US" sz="1100" dirty="0" smtClean="0"/>
+              <a:t>gi</a:t>
+            </a:r>
+            <a:r>
+              <a:rPr lang="en-US" sz="1100" dirty="0" smtClean="0">
+                <a:solidFill>
+                  <a:schemeClr val="bg1">
+                    <a:lumMod val="85000"/>
+                  </a:schemeClr>
+                </a:solidFill>
+              </a:rPr>
+              <a:t> ga</a:t>
+            </a:r>
+          </a:p>
+          <a:p>
+            <a:pPr algn="ctr"/>
+            <a:r>
+              <a:rPr lang="en-US" sz="1100" dirty="0">
+                <a:solidFill>
+                  <a:schemeClr val="bg1">
+                    <a:lumMod val="85000"/>
+                  </a:schemeClr>
+                </a:solidFill>
+              </a:rPr>
+              <a:t>i</a:t>
+            </a:r>
+            <a:r>
+              <a:rPr lang="en-US" sz="1100" dirty="0" smtClean="0">
+                <a:solidFill>
+                  <a:schemeClr val="bg1">
+                    <a:lumMod val="85000"/>
+                  </a:schemeClr>
+                </a:solidFill>
+              </a:rPr>
+              <a:t>g  I  ia</a:t>
+            </a:r>
+          </a:p>
+          <a:p>
+            <a:pPr algn="ctr"/>
+            <a:r>
+              <a:rPr lang="en-US" sz="1100" dirty="0">
+                <a:solidFill>
+                  <a:schemeClr val="bg1">
+                    <a:lumMod val="85000"/>
+                  </a:schemeClr>
+                </a:solidFill>
+              </a:rPr>
+              <a:t>a</a:t>
+            </a:r>
+            <a:r>
+              <a:rPr lang="en-US" sz="1100" dirty="0" smtClean="0">
+                <a:solidFill>
+                  <a:schemeClr val="bg1">
+                    <a:lumMod val="85000"/>
+                  </a:schemeClr>
+                </a:solidFill>
+              </a:rPr>
+              <a:t>g ai A</a:t>
+            </a:r>
+            <a:endParaRPr lang="en-US" sz="1100" dirty="0">
+              <a:solidFill>
+                <a:schemeClr val="bg1">
+                  <a:lumMod val="85000"/>
+                </a:schemeClr>
+              </a:solidFill>
+            </a:endParaRPr>
+          </a:p>
+        </p:txBody>
+      </p:sp>
+      <p:sp>
+        <p:nvSpPr>
+          <p:cNvPr id="16" name="TextBox 15"/>
+          <p:cNvSpPr txBox="1"/>
+          <p:nvPr/>
+        </p:nvSpPr>
+        <p:spPr>
+          <a:xfrm>
+            <a:off x="1041978" y="57150"/>
+            <a:ext cx="609600" cy="507831"/>
+          </a:xfrm>
+          <a:prstGeom prst="rect">
+            <a:avLst/>
+          </a:prstGeom>
+          <a:noFill/>
+          <a:ln w="6350">
+            <a:solidFill>
+              <a:schemeClr val="tx1"/>
+            </a:solidFill>
+          </a:ln>
+        </p:spPr>
+        <p:txBody>
+          <a:bodyPr wrap="square" lIns="0" tIns="0" rIns="0" bIns="0" rtlCol="0">
+            <a:spAutoFit/>
+          </a:bodyPr>
+          <a:lstStyle/>
+          <a:p>
+            <a:pPr algn="ctr"/>
+            <a:r>
+              <a:rPr lang="en-US" sz="1100" dirty="0" smtClean="0">
+                <a:solidFill>
+                  <a:schemeClr val="bg1">
+                    <a:lumMod val="85000"/>
+                  </a:schemeClr>
+                </a:solidFill>
+              </a:rPr>
+              <a:t>G gi </a:t>
+            </a:r>
+            <a:r>
+              <a:rPr lang="en-US" sz="1100" dirty="0" smtClean="0"/>
+              <a:t>ga</a:t>
+            </a:r>
+          </a:p>
+          <a:p>
+            <a:pPr algn="ctr"/>
+            <a:r>
+              <a:rPr lang="en-US" sz="1100" dirty="0">
+                <a:solidFill>
+                  <a:schemeClr val="bg1">
+                    <a:lumMod val="85000"/>
+                  </a:schemeClr>
+                </a:solidFill>
+              </a:rPr>
+              <a:t>i</a:t>
+            </a:r>
+            <a:r>
+              <a:rPr lang="en-US" sz="1100" dirty="0" smtClean="0">
+                <a:solidFill>
+                  <a:schemeClr val="bg1">
+                    <a:lumMod val="85000"/>
+                  </a:schemeClr>
+                </a:solidFill>
+              </a:rPr>
+              <a:t>g  I  ia</a:t>
+            </a:r>
+          </a:p>
+          <a:p>
+            <a:pPr algn="ctr"/>
+            <a:r>
+              <a:rPr lang="en-US" sz="1100" dirty="0">
+                <a:solidFill>
+                  <a:schemeClr val="bg1">
+                    <a:lumMod val="85000"/>
+                  </a:schemeClr>
+                </a:solidFill>
+              </a:rPr>
+              <a:t>a</a:t>
+            </a:r>
+            <a:r>
+              <a:rPr lang="en-US" sz="1100" dirty="0" smtClean="0">
+                <a:solidFill>
+                  <a:schemeClr val="bg1">
+                    <a:lumMod val="85000"/>
+                  </a:schemeClr>
+                </a:solidFill>
+              </a:rPr>
+              <a:t>g ai A</a:t>
+            </a:r>
+            <a:endParaRPr lang="en-US" sz="1100" dirty="0">
+              <a:solidFill>
+                <a:schemeClr val="bg1">
+                  <a:lumMod val="85000"/>
+                </a:schemeClr>
+              </a:solidFill>
+            </a:endParaRPr>
+          </a:p>
+        </p:txBody>
+      </p:sp>
+      <p:sp>
+        <p:nvSpPr>
+          <p:cNvPr id="17" name="TextBox 16"/>
+          <p:cNvSpPr txBox="1"/>
+          <p:nvPr/>
+        </p:nvSpPr>
+        <p:spPr>
+          <a:xfrm>
+            <a:off x="1721428" y="57150"/>
+            <a:ext cx="609600" cy="507831"/>
+          </a:xfrm>
+          <a:prstGeom prst="rect">
+            <a:avLst/>
+          </a:prstGeom>
+          <a:noFill/>
+          <a:ln w="6350">
+            <a:solidFill>
+              <a:schemeClr val="tx1"/>
+            </a:solidFill>
+          </a:ln>
+        </p:spPr>
+        <p:txBody>
+          <a:bodyPr wrap="square" lIns="0" tIns="0" rIns="0" bIns="0" rtlCol="0">
+            <a:spAutoFit/>
+          </a:bodyPr>
+          <a:lstStyle/>
+          <a:p>
+            <a:pPr algn="ctr"/>
+            <a:r>
+              <a:rPr lang="en-US" sz="1100" dirty="0" smtClean="0">
+                <a:solidFill>
+                  <a:schemeClr val="bg1">
+                    <a:lumMod val="85000"/>
+                  </a:schemeClr>
+                </a:solidFill>
+              </a:rPr>
+              <a:t>G gi ga</a:t>
+            </a:r>
+          </a:p>
+          <a:p>
+            <a:pPr algn="ctr"/>
+            <a:r>
+              <a:rPr lang="en-US" sz="1100" dirty="0"/>
+              <a:t>i</a:t>
+            </a:r>
+            <a:r>
+              <a:rPr lang="en-US" sz="1100" dirty="0" smtClean="0"/>
+              <a:t>g</a:t>
+            </a:r>
+            <a:r>
+              <a:rPr lang="en-US" sz="1100" dirty="0" smtClean="0">
+                <a:solidFill>
+                  <a:schemeClr val="bg1">
+                    <a:lumMod val="85000"/>
+                  </a:schemeClr>
+                </a:solidFill>
+              </a:rPr>
+              <a:t>  I  ia</a:t>
+            </a:r>
+          </a:p>
+          <a:p>
+            <a:pPr algn="ctr"/>
+            <a:r>
+              <a:rPr lang="en-US" sz="1100" dirty="0">
+                <a:solidFill>
+                  <a:schemeClr val="bg1">
+                    <a:lumMod val="85000"/>
+                  </a:schemeClr>
+                </a:solidFill>
+              </a:rPr>
+              <a:t>a</a:t>
+            </a:r>
+            <a:r>
+              <a:rPr lang="en-US" sz="1100" dirty="0" smtClean="0">
+                <a:solidFill>
+                  <a:schemeClr val="bg1">
+                    <a:lumMod val="85000"/>
+                  </a:schemeClr>
+                </a:solidFill>
+              </a:rPr>
+              <a:t>g ai A</a:t>
+            </a:r>
+            <a:endParaRPr lang="en-US" sz="1100" dirty="0">
+              <a:solidFill>
+                <a:schemeClr val="bg1">
+                  <a:lumMod val="85000"/>
+                </a:schemeClr>
+              </a:solidFill>
+            </a:endParaRPr>
+          </a:p>
+        </p:txBody>
+      </p:sp>
+      <p:sp>
+        <p:nvSpPr>
+          <p:cNvPr id="18" name="TextBox 17"/>
+          <p:cNvSpPr txBox="1"/>
+          <p:nvPr/>
+        </p:nvSpPr>
+        <p:spPr>
+          <a:xfrm>
+            <a:off x="2410692" y="57150"/>
+            <a:ext cx="609600" cy="507831"/>
+          </a:xfrm>
+          <a:prstGeom prst="rect">
+            <a:avLst/>
+          </a:prstGeom>
+          <a:noFill/>
+          <a:ln w="6350">
+            <a:solidFill>
+              <a:schemeClr val="tx1"/>
+            </a:solidFill>
+          </a:ln>
+        </p:spPr>
+        <p:txBody>
+          <a:bodyPr wrap="square" lIns="0" tIns="0" rIns="0" bIns="0" rtlCol="0">
+            <a:spAutoFit/>
+          </a:bodyPr>
+          <a:lstStyle/>
+          <a:p>
+            <a:pPr algn="ctr"/>
+            <a:r>
+              <a:rPr lang="en-US" sz="1100" dirty="0" smtClean="0">
+                <a:solidFill>
+                  <a:schemeClr val="bg1">
+                    <a:lumMod val="85000"/>
+                  </a:schemeClr>
+                </a:solidFill>
+              </a:rPr>
+              <a:t>G gi ga</a:t>
+            </a:r>
+          </a:p>
+          <a:p>
+            <a:pPr algn="ctr"/>
+            <a:r>
+              <a:rPr lang="en-US" sz="1100" dirty="0">
+                <a:solidFill>
+                  <a:schemeClr val="bg1">
+                    <a:lumMod val="85000"/>
+                  </a:schemeClr>
+                </a:solidFill>
+              </a:rPr>
+              <a:t>i</a:t>
+            </a:r>
+            <a:r>
+              <a:rPr lang="en-US" sz="1100" dirty="0" smtClean="0">
+                <a:solidFill>
+                  <a:schemeClr val="bg1">
+                    <a:lumMod val="85000"/>
+                  </a:schemeClr>
+                </a:solidFill>
+              </a:rPr>
+              <a:t>g  I  ia</a:t>
+            </a:r>
+          </a:p>
+          <a:p>
+            <a:pPr algn="ctr"/>
+            <a:r>
+              <a:rPr lang="en-US" sz="1100" dirty="0"/>
+              <a:t>a</a:t>
+            </a:r>
+            <a:r>
+              <a:rPr lang="en-US" sz="1100" dirty="0" smtClean="0"/>
+              <a:t>g</a:t>
+            </a:r>
+            <a:r>
+              <a:rPr lang="en-US" sz="1100" dirty="0" smtClean="0">
+                <a:solidFill>
+                  <a:schemeClr val="bg1">
+                    <a:lumMod val="85000"/>
+                  </a:schemeClr>
+                </a:solidFill>
+              </a:rPr>
+              <a:t> ai A</a:t>
+            </a:r>
+            <a:endParaRPr lang="en-US" sz="1100" dirty="0">
+              <a:solidFill>
+                <a:schemeClr val="bg1">
+                  <a:lumMod val="85000"/>
+                </a:schemeClr>
+              </a:solidFill>
+            </a:endParaRPr>
+          </a:p>
+        </p:txBody>
+      </p:sp>
+      <p:sp>
+        <p:nvSpPr>
+          <p:cNvPr id="19" name="TextBox 18"/>
+          <p:cNvSpPr txBox="1"/>
+          <p:nvPr/>
+        </p:nvSpPr>
+        <p:spPr>
+          <a:xfrm>
+            <a:off x="3099956" y="57150"/>
+            <a:ext cx="609600" cy="507831"/>
+          </a:xfrm>
+          <a:prstGeom prst="rect">
+            <a:avLst/>
+          </a:prstGeom>
+          <a:noFill/>
+          <a:ln w="6350">
+            <a:solidFill>
+              <a:schemeClr val="tx1"/>
+            </a:solidFill>
+          </a:ln>
+        </p:spPr>
+        <p:txBody>
+          <a:bodyPr wrap="square" lIns="0" tIns="0" rIns="0" bIns="0" rtlCol="0">
+            <a:spAutoFit/>
+          </a:bodyPr>
+          <a:lstStyle/>
+          <a:p>
+            <a:pPr algn="ctr"/>
+            <a:r>
+              <a:rPr lang="en-US" sz="1100" dirty="0" smtClean="0">
+                <a:solidFill>
+                  <a:schemeClr val="bg1">
+                    <a:lumMod val="85000"/>
+                  </a:schemeClr>
+                </a:solidFill>
+              </a:rPr>
+              <a:t>G gi ga</a:t>
+            </a:r>
+          </a:p>
+          <a:p>
+            <a:pPr algn="ctr"/>
+            <a:r>
+              <a:rPr lang="en-US" sz="1100" dirty="0">
+                <a:solidFill>
+                  <a:schemeClr val="bg1">
+                    <a:lumMod val="85000"/>
+                  </a:schemeClr>
+                </a:solidFill>
+              </a:rPr>
+              <a:t>i</a:t>
+            </a:r>
+            <a:r>
+              <a:rPr lang="en-US" sz="1100" dirty="0" smtClean="0">
+                <a:solidFill>
+                  <a:schemeClr val="bg1">
+                    <a:lumMod val="85000"/>
+                  </a:schemeClr>
+                </a:solidFill>
+              </a:rPr>
+              <a:t>g  I  </a:t>
+            </a:r>
+            <a:r>
+              <a:rPr lang="en-US" sz="1100" dirty="0" smtClean="0"/>
+              <a:t>ia</a:t>
+            </a:r>
+          </a:p>
+          <a:p>
+            <a:pPr algn="ctr"/>
+            <a:r>
+              <a:rPr lang="en-US" sz="1100" dirty="0">
+                <a:solidFill>
+                  <a:schemeClr val="bg1">
+                    <a:lumMod val="85000"/>
+                  </a:schemeClr>
+                </a:solidFill>
+              </a:rPr>
+              <a:t>a</a:t>
+            </a:r>
+            <a:r>
+              <a:rPr lang="en-US" sz="1100" dirty="0" smtClean="0">
+                <a:solidFill>
+                  <a:schemeClr val="bg1">
+                    <a:lumMod val="85000"/>
+                  </a:schemeClr>
+                </a:solidFill>
+              </a:rPr>
+              <a:t>g ai A</a:t>
+            </a:r>
+            <a:endParaRPr lang="en-US" sz="1100" dirty="0">
+              <a:solidFill>
+                <a:schemeClr val="bg1">
+                  <a:lumMod val="85000"/>
+                </a:schemeClr>
+              </a:solidFill>
+            </a:endParaRPr>
+          </a:p>
+        </p:txBody>
+      </p:sp>
+      <p:sp>
+        <p:nvSpPr>
+          <p:cNvPr id="20" name="TextBox 19"/>
+          <p:cNvSpPr txBox="1"/>
+          <p:nvPr/>
+        </p:nvSpPr>
+        <p:spPr>
+          <a:xfrm>
+            <a:off x="3789220" y="57150"/>
+            <a:ext cx="609600" cy="507831"/>
+          </a:xfrm>
+          <a:prstGeom prst="rect">
+            <a:avLst/>
+          </a:prstGeom>
+          <a:noFill/>
+          <a:ln w="6350">
+            <a:solidFill>
+              <a:schemeClr val="tx1"/>
+            </a:solidFill>
+          </a:ln>
+        </p:spPr>
+        <p:txBody>
+          <a:bodyPr wrap="square" lIns="0" tIns="0" rIns="0" bIns="0" rtlCol="0">
+            <a:spAutoFit/>
+          </a:bodyPr>
+          <a:lstStyle/>
+          <a:p>
+            <a:pPr algn="ctr"/>
+            <a:r>
+              <a:rPr lang="en-US" sz="1100" dirty="0" smtClean="0">
+                <a:solidFill>
+                  <a:schemeClr val="bg1">
+                    <a:lumMod val="85000"/>
+                  </a:schemeClr>
+                </a:solidFill>
+              </a:rPr>
+              <a:t>G gi ga</a:t>
+            </a:r>
+          </a:p>
+          <a:p>
+            <a:pPr algn="ctr"/>
+            <a:r>
+              <a:rPr lang="en-US" sz="1100" dirty="0">
+                <a:solidFill>
+                  <a:schemeClr val="bg1">
+                    <a:lumMod val="85000"/>
+                  </a:schemeClr>
+                </a:solidFill>
+              </a:rPr>
+              <a:t>i</a:t>
+            </a:r>
+            <a:r>
+              <a:rPr lang="en-US" sz="1100" dirty="0" smtClean="0">
+                <a:solidFill>
+                  <a:schemeClr val="bg1">
+                    <a:lumMod val="85000"/>
+                  </a:schemeClr>
+                </a:solidFill>
+              </a:rPr>
+              <a:t>g  I  ia</a:t>
+            </a:r>
+          </a:p>
+          <a:p>
+            <a:pPr algn="ctr"/>
+            <a:r>
+              <a:rPr lang="en-US" sz="1100" dirty="0">
+                <a:solidFill>
+                  <a:schemeClr val="bg1">
+                    <a:lumMod val="85000"/>
+                  </a:schemeClr>
+                </a:solidFill>
+              </a:rPr>
+              <a:t>a</a:t>
+            </a:r>
+            <a:r>
+              <a:rPr lang="en-US" sz="1100" dirty="0" smtClean="0">
+                <a:solidFill>
+                  <a:schemeClr val="bg1">
+                    <a:lumMod val="85000"/>
+                  </a:schemeClr>
+                </a:solidFill>
+              </a:rPr>
+              <a:t>g </a:t>
+            </a:r>
+            <a:r>
+              <a:rPr lang="en-US" sz="1100" dirty="0" smtClean="0"/>
+              <a:t>ai</a:t>
+            </a:r>
+            <a:r>
+              <a:rPr lang="en-US" sz="1100" dirty="0" smtClean="0">
+                <a:solidFill>
+                  <a:schemeClr val="bg1">
+                    <a:lumMod val="85000"/>
+                  </a:schemeClr>
+                </a:solidFill>
+              </a:rPr>
+              <a:t> A</a:t>
+            </a:r>
+            <a:endParaRPr lang="en-US" sz="1100" dirty="0">
+              <a:solidFill>
+                <a:schemeClr val="bg1">
+                  <a:lumMod val="85000"/>
+                </a:schemeClr>
+              </a:solidFill>
+            </a:endParaRPr>
+          </a:p>
+        </p:txBody>
+      </p:sp>
+      <p:sp>
+        <p:nvSpPr>
+          <p:cNvPr id="9" name="TextBox 8"/>
+          <p:cNvSpPr txBox="1"/>
+          <p:nvPr/>
+        </p:nvSpPr>
+        <p:spPr>
+          <a:xfrm>
+            <a:off x="4478484" y="57150"/>
+            <a:ext cx="609600" cy="507831"/>
+          </a:xfrm>
+          <a:prstGeom prst="rect">
+            <a:avLst/>
+          </a:prstGeom>
+          <a:noFill/>
+          <a:ln w="6350">
+            <a:solidFill>
+              <a:schemeClr val="tx1"/>
+            </a:solidFill>
+          </a:ln>
+        </p:spPr>
+        <p:txBody>
+          <a:bodyPr wrap="square" lIns="0" tIns="0" rIns="0" bIns="0" rtlCol="0">
+            <a:spAutoFit/>
+          </a:bodyPr>
+          <a:lstStyle/>
+          <a:p>
+            <a:pPr algn="ctr"/>
+            <a:r>
+              <a:rPr lang="en-US" sz="1100" dirty="0" smtClean="0">
+                <a:solidFill>
+                  <a:schemeClr val="bg1">
+                    <a:lumMod val="85000"/>
+                  </a:schemeClr>
+                </a:solidFill>
+              </a:rPr>
+              <a:t>G </a:t>
+            </a:r>
+            <a:r>
+              <a:rPr lang="en-US" sz="1100" dirty="0" smtClean="0"/>
+              <a:t>gi</a:t>
+            </a:r>
+            <a:r>
+              <a:rPr lang="en-US" sz="1100" dirty="0" smtClean="0">
+                <a:solidFill>
+                  <a:schemeClr val="bg1">
+                    <a:lumMod val="85000"/>
+                  </a:schemeClr>
+                </a:solidFill>
+              </a:rPr>
+              <a:t> ga</a:t>
+            </a:r>
+          </a:p>
+          <a:p>
+            <a:pPr algn="ctr"/>
+            <a:r>
+              <a:rPr lang="en-US" sz="1100" dirty="0">
+                <a:solidFill>
+                  <a:schemeClr val="bg1">
+                    <a:lumMod val="85000"/>
+                  </a:schemeClr>
+                </a:solidFill>
+              </a:rPr>
+              <a:t>i</a:t>
+            </a:r>
+            <a:r>
+              <a:rPr lang="en-US" sz="1100" dirty="0" smtClean="0">
+                <a:solidFill>
+                  <a:schemeClr val="bg1">
+                    <a:lumMod val="85000"/>
+                  </a:schemeClr>
+                </a:solidFill>
+              </a:rPr>
+              <a:t>g  I  ia</a:t>
+            </a:r>
+          </a:p>
+          <a:p>
+            <a:pPr algn="ctr"/>
+            <a:r>
+              <a:rPr lang="en-US" sz="1100" dirty="0">
+                <a:solidFill>
+                  <a:schemeClr val="bg1">
+                    <a:lumMod val="85000"/>
+                  </a:schemeClr>
+                </a:solidFill>
+              </a:rPr>
+              <a:t>a</a:t>
+            </a:r>
+            <a:r>
+              <a:rPr lang="en-US" sz="1100" dirty="0" smtClean="0">
+                <a:solidFill>
+                  <a:schemeClr val="bg1">
+                    <a:lumMod val="85000"/>
+                  </a:schemeClr>
+                </a:solidFill>
+              </a:rPr>
+              <a:t>g ai A</a:t>
+            </a:r>
+            <a:endParaRPr lang="en-US" sz="1100" dirty="0">
+              <a:solidFill>
+                <a:schemeClr val="bg1">
+                  <a:lumMod val="85000"/>
+                </a:schemeClr>
+              </a:solidFill>
+            </a:endParaRPr>
+          </a:p>
+        </p:txBody>
+      </p:sp>
+      <p:sp>
+        <p:nvSpPr>
+          <p:cNvPr id="10" name="TextBox 9"/>
+          <p:cNvSpPr txBox="1"/>
+          <p:nvPr/>
+        </p:nvSpPr>
+        <p:spPr>
+          <a:xfrm>
+            <a:off x="5167748" y="57150"/>
+            <a:ext cx="609600" cy="507831"/>
+          </a:xfrm>
+          <a:prstGeom prst="rect">
+            <a:avLst/>
+          </a:prstGeom>
+          <a:noFill/>
+          <a:ln w="6350">
+            <a:solidFill>
+              <a:schemeClr val="tx1"/>
+            </a:solidFill>
+          </a:ln>
+        </p:spPr>
+        <p:txBody>
+          <a:bodyPr wrap="square" lIns="0" tIns="0" rIns="0" bIns="0" rtlCol="0">
+            <a:spAutoFit/>
+          </a:bodyPr>
+          <a:lstStyle/>
+          <a:p>
+            <a:pPr algn="ctr"/>
+            <a:r>
+              <a:rPr lang="en-US" sz="1100" dirty="0" smtClean="0">
+                <a:solidFill>
+                  <a:schemeClr val="bg1">
+                    <a:lumMod val="85000"/>
+                  </a:schemeClr>
+                </a:solidFill>
+              </a:rPr>
+              <a:t>G gi </a:t>
+            </a:r>
+            <a:r>
+              <a:rPr lang="en-US" sz="1100" dirty="0" smtClean="0"/>
+              <a:t>ga</a:t>
+            </a:r>
+          </a:p>
+          <a:p>
+            <a:pPr algn="ctr"/>
+            <a:r>
+              <a:rPr lang="en-US" sz="1100" dirty="0">
+                <a:solidFill>
+                  <a:schemeClr val="bg1">
+                    <a:lumMod val="85000"/>
+                  </a:schemeClr>
+                </a:solidFill>
+              </a:rPr>
+              <a:t>i</a:t>
+            </a:r>
+            <a:r>
+              <a:rPr lang="en-US" sz="1100" dirty="0" smtClean="0">
+                <a:solidFill>
+                  <a:schemeClr val="bg1">
+                    <a:lumMod val="85000"/>
+                  </a:schemeClr>
+                </a:solidFill>
+              </a:rPr>
+              <a:t>g  I  ia</a:t>
+            </a:r>
+          </a:p>
+          <a:p>
+            <a:pPr algn="ctr"/>
+            <a:r>
+              <a:rPr lang="en-US" sz="1100" dirty="0">
+                <a:solidFill>
+                  <a:schemeClr val="bg1">
+                    <a:lumMod val="85000"/>
+                  </a:schemeClr>
+                </a:solidFill>
+              </a:rPr>
+              <a:t>a</a:t>
+            </a:r>
+            <a:r>
+              <a:rPr lang="en-US" sz="1100" dirty="0" smtClean="0">
+                <a:solidFill>
+                  <a:schemeClr val="bg1">
+                    <a:lumMod val="85000"/>
+                  </a:schemeClr>
+                </a:solidFill>
+              </a:rPr>
+              <a:t>g ai A</a:t>
+            </a:r>
+            <a:endParaRPr lang="en-US" sz="1100" dirty="0">
+              <a:solidFill>
+                <a:schemeClr val="bg1">
+                  <a:lumMod val="85000"/>
+                </a:schemeClr>
+              </a:solidFill>
+            </a:endParaRPr>
+          </a:p>
+        </p:txBody>
+      </p:sp>
+      <p:sp>
+        <p:nvSpPr>
+          <p:cNvPr id="11" name="TextBox 10"/>
+          <p:cNvSpPr txBox="1"/>
+          <p:nvPr/>
+        </p:nvSpPr>
+        <p:spPr>
+          <a:xfrm>
+            <a:off x="5857012" y="57150"/>
+            <a:ext cx="609600" cy="507831"/>
+          </a:xfrm>
+          <a:prstGeom prst="rect">
+            <a:avLst/>
+          </a:prstGeom>
+          <a:noFill/>
+          <a:ln w="6350">
+            <a:solidFill>
+              <a:schemeClr val="tx1"/>
+            </a:solidFill>
+          </a:ln>
+        </p:spPr>
+        <p:txBody>
+          <a:bodyPr wrap="square" lIns="0" tIns="0" rIns="0" bIns="0" rtlCol="0">
+            <a:spAutoFit/>
+          </a:bodyPr>
+          <a:lstStyle/>
+          <a:p>
+            <a:pPr algn="ctr"/>
+            <a:r>
+              <a:rPr lang="en-US" sz="1100" dirty="0" smtClean="0">
+                <a:solidFill>
+                  <a:schemeClr val="bg1">
+                    <a:lumMod val="85000"/>
+                  </a:schemeClr>
+                </a:solidFill>
+              </a:rPr>
+              <a:t>G gi ga</a:t>
+            </a:r>
+          </a:p>
+          <a:p>
+            <a:pPr algn="ctr"/>
+            <a:r>
+              <a:rPr lang="en-US" sz="1100" dirty="0"/>
+              <a:t>i</a:t>
+            </a:r>
+            <a:r>
+              <a:rPr lang="en-US" sz="1100" dirty="0" smtClean="0"/>
+              <a:t>g</a:t>
+            </a:r>
+            <a:r>
+              <a:rPr lang="en-US" sz="1100" dirty="0" smtClean="0">
+                <a:solidFill>
+                  <a:schemeClr val="bg1">
+                    <a:lumMod val="85000"/>
+                  </a:schemeClr>
+                </a:solidFill>
+              </a:rPr>
+              <a:t>  I  ia</a:t>
+            </a:r>
+          </a:p>
+          <a:p>
+            <a:pPr algn="ctr"/>
+            <a:r>
+              <a:rPr lang="en-US" sz="1100" dirty="0">
+                <a:solidFill>
+                  <a:schemeClr val="bg1">
+                    <a:lumMod val="85000"/>
+                  </a:schemeClr>
+                </a:solidFill>
+              </a:rPr>
+              <a:t>a</a:t>
+            </a:r>
+            <a:r>
+              <a:rPr lang="en-US" sz="1100" dirty="0" smtClean="0">
+                <a:solidFill>
+                  <a:schemeClr val="bg1">
+                    <a:lumMod val="85000"/>
+                  </a:schemeClr>
+                </a:solidFill>
+              </a:rPr>
+              <a:t>g ai A</a:t>
+            </a:r>
+            <a:endParaRPr lang="en-US" sz="1100" dirty="0">
+              <a:solidFill>
+                <a:schemeClr val="bg1">
+                  <a:lumMod val="85000"/>
+                </a:schemeClr>
+              </a:solidFill>
+            </a:endParaRPr>
+          </a:p>
+        </p:txBody>
+      </p:sp>
+      <p:sp>
+        <p:nvSpPr>
+          <p:cNvPr id="12" name="TextBox 11"/>
+          <p:cNvSpPr txBox="1"/>
+          <p:nvPr/>
+        </p:nvSpPr>
+        <p:spPr>
+          <a:xfrm>
+            <a:off x="6546276" y="57150"/>
+            <a:ext cx="609600" cy="507831"/>
+          </a:xfrm>
+          <a:prstGeom prst="rect">
+            <a:avLst/>
+          </a:prstGeom>
+          <a:noFill/>
+          <a:ln w="6350">
+            <a:solidFill>
+              <a:schemeClr val="tx1"/>
+            </a:solidFill>
+          </a:ln>
+        </p:spPr>
+        <p:txBody>
+          <a:bodyPr wrap="square" lIns="0" tIns="0" rIns="0" bIns="0" rtlCol="0">
+            <a:spAutoFit/>
+          </a:bodyPr>
+          <a:lstStyle/>
+          <a:p>
+            <a:pPr algn="ctr"/>
+            <a:r>
+              <a:rPr lang="en-US" sz="1100" dirty="0" smtClean="0">
+                <a:solidFill>
+                  <a:schemeClr val="bg1">
+                    <a:lumMod val="85000"/>
+                  </a:schemeClr>
+                </a:solidFill>
+              </a:rPr>
+              <a:t>G gi ga</a:t>
+            </a:r>
+          </a:p>
+          <a:p>
+            <a:pPr algn="ctr"/>
+            <a:r>
+              <a:rPr lang="en-US" sz="1100" dirty="0">
+                <a:solidFill>
+                  <a:schemeClr val="bg1">
+                    <a:lumMod val="85000"/>
+                  </a:schemeClr>
+                </a:solidFill>
+              </a:rPr>
+              <a:t>i</a:t>
+            </a:r>
+            <a:r>
+              <a:rPr lang="en-US" sz="1100" dirty="0" smtClean="0">
+                <a:solidFill>
+                  <a:schemeClr val="bg1">
+                    <a:lumMod val="85000"/>
+                  </a:schemeClr>
+                </a:solidFill>
+              </a:rPr>
+              <a:t>g  I  ia</a:t>
+            </a:r>
+          </a:p>
+          <a:p>
+            <a:pPr algn="ctr"/>
+            <a:r>
+              <a:rPr lang="en-US" sz="1100" dirty="0"/>
+              <a:t>a</a:t>
+            </a:r>
+            <a:r>
+              <a:rPr lang="en-US" sz="1100" dirty="0" smtClean="0"/>
+              <a:t>g</a:t>
+            </a:r>
+            <a:r>
+              <a:rPr lang="en-US" sz="1100" dirty="0" smtClean="0">
+                <a:solidFill>
+                  <a:schemeClr val="bg1">
+                    <a:lumMod val="85000"/>
+                  </a:schemeClr>
+                </a:solidFill>
+              </a:rPr>
+              <a:t> ai A</a:t>
+            </a:r>
+            <a:endParaRPr lang="en-US" sz="1100" dirty="0">
+              <a:solidFill>
+                <a:schemeClr val="bg1">
+                  <a:lumMod val="85000"/>
+                </a:schemeClr>
+              </a:solidFill>
+            </a:endParaRPr>
+          </a:p>
+        </p:txBody>
+      </p:sp>
+      <p:sp>
+        <p:nvSpPr>
+          <p:cNvPr id="13" name="TextBox 12"/>
+          <p:cNvSpPr txBox="1"/>
+          <p:nvPr/>
+        </p:nvSpPr>
+        <p:spPr>
+          <a:xfrm>
+            <a:off x="7235540" y="57150"/>
+            <a:ext cx="609600" cy="507831"/>
+          </a:xfrm>
+          <a:prstGeom prst="rect">
+            <a:avLst/>
+          </a:prstGeom>
+          <a:noFill/>
+          <a:ln w="6350">
+            <a:solidFill>
+              <a:schemeClr val="tx1"/>
+            </a:solidFill>
+          </a:ln>
+        </p:spPr>
+        <p:txBody>
+          <a:bodyPr wrap="square" lIns="0" tIns="0" rIns="0" bIns="0" rtlCol="0">
+            <a:spAutoFit/>
+          </a:bodyPr>
+          <a:lstStyle/>
+          <a:p>
+            <a:pPr algn="ctr"/>
+            <a:r>
+              <a:rPr lang="en-US" sz="1100" dirty="0" smtClean="0">
+                <a:solidFill>
+                  <a:schemeClr val="bg1">
+                    <a:lumMod val="85000"/>
+                  </a:schemeClr>
+                </a:solidFill>
+              </a:rPr>
+              <a:t>G gi ga</a:t>
+            </a:r>
+          </a:p>
+          <a:p>
+            <a:pPr algn="ctr"/>
+            <a:r>
+              <a:rPr lang="en-US" sz="1100" dirty="0">
+                <a:solidFill>
+                  <a:schemeClr val="bg1">
+                    <a:lumMod val="85000"/>
+                  </a:schemeClr>
+                </a:solidFill>
+              </a:rPr>
+              <a:t>i</a:t>
+            </a:r>
+            <a:r>
+              <a:rPr lang="en-US" sz="1100" dirty="0" smtClean="0">
+                <a:solidFill>
+                  <a:schemeClr val="bg1">
+                    <a:lumMod val="85000"/>
+                  </a:schemeClr>
+                </a:solidFill>
+              </a:rPr>
+              <a:t>g  I  </a:t>
+            </a:r>
+            <a:r>
+              <a:rPr lang="en-US" sz="1100" dirty="0" smtClean="0"/>
+              <a:t>ia</a:t>
+            </a:r>
+          </a:p>
+          <a:p>
+            <a:pPr algn="ctr"/>
+            <a:r>
+              <a:rPr lang="en-US" sz="1100" dirty="0">
+                <a:solidFill>
+                  <a:schemeClr val="bg1">
+                    <a:lumMod val="85000"/>
+                  </a:schemeClr>
+                </a:solidFill>
+              </a:rPr>
+              <a:t>a</a:t>
+            </a:r>
+            <a:r>
+              <a:rPr lang="en-US" sz="1100" dirty="0" smtClean="0">
+                <a:solidFill>
+                  <a:schemeClr val="bg1">
+                    <a:lumMod val="85000"/>
+                  </a:schemeClr>
+                </a:solidFill>
+              </a:rPr>
+              <a:t>g ai A</a:t>
+            </a:r>
+            <a:endParaRPr lang="en-US" sz="1100" dirty="0">
+              <a:solidFill>
+                <a:schemeClr val="bg1">
+                  <a:lumMod val="85000"/>
+                </a:schemeClr>
+              </a:solidFill>
+            </a:endParaRPr>
+          </a:p>
+        </p:txBody>
+      </p:sp>
+      <p:sp>
+        <p:nvSpPr>
+          <p:cNvPr id="14" name="TextBox 13"/>
+          <p:cNvSpPr txBox="1"/>
+          <p:nvPr/>
+        </p:nvSpPr>
+        <p:spPr>
+          <a:xfrm>
+            <a:off x="7924800" y="57150"/>
+            <a:ext cx="609600" cy="507831"/>
+          </a:xfrm>
+          <a:prstGeom prst="rect">
+            <a:avLst/>
+          </a:prstGeom>
+          <a:noFill/>
+          <a:ln w="6350">
+            <a:solidFill>
+              <a:schemeClr val="tx1"/>
+            </a:solidFill>
+          </a:ln>
+        </p:spPr>
+        <p:txBody>
+          <a:bodyPr wrap="square" lIns="0" tIns="0" rIns="0" bIns="0" rtlCol="0">
+            <a:spAutoFit/>
+          </a:bodyPr>
+          <a:lstStyle/>
+          <a:p>
+            <a:pPr algn="ctr"/>
+            <a:r>
+              <a:rPr lang="en-US" sz="1100" dirty="0" smtClean="0">
+                <a:solidFill>
+                  <a:schemeClr val="bg1">
+                    <a:lumMod val="85000"/>
+                  </a:schemeClr>
+                </a:solidFill>
+              </a:rPr>
+              <a:t>G gi ga</a:t>
+            </a:r>
+          </a:p>
+          <a:p>
+            <a:pPr algn="ctr"/>
+            <a:r>
+              <a:rPr lang="en-US" sz="1100" dirty="0">
+                <a:solidFill>
+                  <a:schemeClr val="bg1">
+                    <a:lumMod val="85000"/>
+                  </a:schemeClr>
+                </a:solidFill>
+              </a:rPr>
+              <a:t>i</a:t>
+            </a:r>
+            <a:r>
+              <a:rPr lang="en-US" sz="1100" dirty="0" smtClean="0">
+                <a:solidFill>
+                  <a:schemeClr val="bg1">
+                    <a:lumMod val="85000"/>
+                  </a:schemeClr>
+                </a:solidFill>
+              </a:rPr>
+              <a:t>g  I  ia</a:t>
+            </a:r>
+          </a:p>
+          <a:p>
+            <a:pPr algn="ctr"/>
+            <a:r>
+              <a:rPr lang="en-US" sz="1100" dirty="0">
+                <a:solidFill>
+                  <a:schemeClr val="bg1">
+                    <a:lumMod val="85000"/>
+                  </a:schemeClr>
+                </a:solidFill>
+              </a:rPr>
+              <a:t>a</a:t>
+            </a:r>
+            <a:r>
+              <a:rPr lang="en-US" sz="1100" dirty="0" smtClean="0">
+                <a:solidFill>
+                  <a:schemeClr val="bg1">
+                    <a:lumMod val="85000"/>
+                  </a:schemeClr>
+                </a:solidFill>
+              </a:rPr>
+              <a:t>g </a:t>
+            </a:r>
+            <a:r>
+              <a:rPr lang="en-US" sz="1100" dirty="0" smtClean="0"/>
+              <a:t>ai</a:t>
+            </a:r>
+            <a:r>
+              <a:rPr lang="en-US" sz="1100" dirty="0" smtClean="0">
+                <a:solidFill>
+                  <a:schemeClr val="bg1">
+                    <a:lumMod val="85000"/>
+                  </a:schemeClr>
+                </a:solidFill>
+              </a:rPr>
+              <a:t> A</a:t>
+            </a:r>
+            <a:endParaRPr lang="en-US" sz="1100" dirty="0">
+              <a:solidFill>
+                <a:schemeClr val="bg1">
+                  <a:lumMod val="85000"/>
+                </a:schemeClr>
+              </a:solidFill>
+            </a:endParaRPr>
+          </a:p>
+        </p:txBody>
+      </p:sp>
+      <p:graphicFrame>
+        <p:nvGraphicFramePr>
+          <p:cNvPr id="3" name="Object 2"/>
+          <p:cNvGraphicFramePr>
+            <a:graphicFrameLocks noChangeAspect="1"/>
+          </p:cNvGraphicFramePr>
+          <p:nvPr>
+            <p:extLst>
+              <p:ext uri="{D42A27DB-BD31-4B8C-83A1-F6EECF244321}">
+                <p14:modId xmlns:p14="http://schemas.microsoft.com/office/powerpoint/2010/main" val="1552856432"/>
+              </p:ext>
+            </p:extLst>
+          </p:nvPr>
+        </p:nvGraphicFramePr>
+        <p:xfrm>
+          <a:off x="228600" y="1809750"/>
+          <a:ext cx="4994275" cy="2476500"/>
+        </p:xfrm>
+        <a:graphic>
+          <a:graphicData uri="http://schemas.openxmlformats.org/presentationml/2006/ole">
+            <mc:AlternateContent xmlns:mc="http://schemas.openxmlformats.org/markup-compatibility/2006">
+              <mc:Choice xmlns:v="urn:schemas-microsoft-com:vml" Requires="v">
+                <p:oleObj spid="_x0000_s17414" name="Equation" r:id="rId5" imgW="4076640" imgH="2209680" progId="Equation.DSMT4">
+                  <p:embed/>
+                </p:oleObj>
+              </mc:Choice>
+              <mc:Fallback>
+                <p:oleObj name="Equation" r:id="rId5" imgW="4076640" imgH="2209680" progId="Equation.DSMT4">
+                  <p:embed/>
+                  <p:pic>
+                    <p:nvPicPr>
+                      <p:cNvPr id="0" name=""/>
+                      <p:cNvPicPr>
+                        <a:picLocks noChangeAspect="1" noChangeArrowheads="1"/>
+                      </p:cNvPicPr>
+                      <p:nvPr/>
+                    </p:nvPicPr>
+                    <p:blipFill>
+                      <a:blip r:embed="rId6"/>
+                      <a:srcRect/>
+                      <a:stretch>
+                        <a:fillRect/>
+                      </a:stretch>
+                    </p:blipFill>
+                    <p:spPr bwMode="auto">
+                      <a:xfrm>
+                        <a:off x="228600" y="1809750"/>
+                        <a:ext cx="4994275" cy="2476500"/>
+                      </a:xfrm>
+                      <a:prstGeom prst="rect">
+                        <a:avLst/>
+                      </a:prstGeom>
+                      <a:noFill/>
+                      <a:ln>
+                        <a:noFill/>
+                      </a:ln>
+                      <a:extLst>
+                        <a:ext uri="{909E8E84-426E-40DD-AFC4-6F175D3DCCD1}">
+                          <a14:hiddenFill xmlns:a14="http://schemas.microsoft.com/office/drawing/2010/main">
+                            <a:solidFill>
+                              <a:srgbClr val="FFFFFF"/>
+                            </a:solidFill>
+                          </a14:hiddenFill>
+                        </a:ext>
+                        <a:ext uri="{91240B29-F687-4F45-9708-019B960494DF}">
+                          <a14:hiddenLine xmlns:a14="http://schemas.microsoft.com/office/drawing/2010/main" w="9525">
+                            <a:solidFill>
+                              <a:srgbClr val="000000"/>
+                            </a:solidFill>
+                            <a:miter lim="800000"/>
+                            <a:headEnd/>
+                            <a:tailEnd/>
+                          </a14:hiddenLine>
+                        </a:ext>
+                      </a:extLst>
+                    </p:spPr>
+                  </p:pic>
+                </p:oleObj>
+              </mc:Fallback>
+            </mc:AlternateContent>
+          </a:graphicData>
+        </a:graphic>
+      </p:graphicFrame>
+      <p:sp>
+        <p:nvSpPr>
+          <p:cNvPr id="2" name="TextBox 1"/>
+          <p:cNvSpPr txBox="1"/>
+          <p:nvPr/>
+        </p:nvSpPr>
+        <p:spPr>
+          <a:xfrm>
+            <a:off x="4648200" y="4476750"/>
+            <a:ext cx="1218154" cy="369332"/>
+          </a:xfrm>
+          <a:prstGeom prst="rect">
+            <a:avLst/>
+          </a:prstGeom>
+          <a:noFill/>
+        </p:spPr>
+        <p:txBody>
+          <a:bodyPr wrap="none" rtlCol="0">
+            <a:spAutoFit/>
+          </a:bodyPr>
+          <a:lstStyle/>
+          <a:p>
+            <a:r>
+              <a:rPr lang="en-US" dirty="0" smtClean="0"/>
+              <a:t>Alternative</a:t>
+            </a:r>
+            <a:endParaRPr lang="en-US" dirty="0"/>
+          </a:p>
+        </p:txBody>
+      </p:sp>
+    </p:spTree>
+    <p:extLst>
+      <p:ext uri="{BB962C8B-B14F-4D97-AF65-F5344CB8AC3E}">
+        <p14:creationId xmlns:p14="http://schemas.microsoft.com/office/powerpoint/2010/main" val="2443653856"/>
+      </p:ext>
+    </p:extLst>
+  </p:cSld>
+  <p:clrMapOvr>
+    <a:masterClrMapping/>
+  </p:clrMapOvr>
+  <p:timing>
+    <p:tnLst>
+      <p:par>
+        <p:cTn id="1" dur="indefinite" restart="never" nodeType="tmRoot"/>
+      </p:par>
+    </p:tnLst>
+  </p:timing>
+</p:sld>
+</file>
+
+<file path=ppt/slides/slide8.xml><?xml version="1.0" encoding="utf-8"?>
+<p:sld xmlns:a="http://schemas.openxmlformats.org/drawingml/2006/main" xmlns:r="http://schemas.openxmlformats.org/officeDocument/2006/relationships" xmlns:p="http://schemas.openxmlformats.org/presentationml/2006/main">
+  <p:cSld>
+    <p:spTree>
+      <p:nvGrpSpPr>
+        <p:cNvPr id="1" name=""/>
+        <p:cNvGrpSpPr/>
+        <p:nvPr/>
+      </p:nvGrpSpPr>
+      <p:grpSpPr>
+        <a:xfrm>
+          <a:off x="0" y="0"/>
+          <a:ext cx="0" cy="0"/>
+          <a:chOff x="0" y="0"/>
+          <a:chExt cx="0" cy="0"/>
+        </a:xfrm>
+      </p:grpSpPr>
+      <p:pic>
+        <p:nvPicPr>
+          <p:cNvPr id="4" name="Picture 3"/>
+          <p:cNvPicPr>
+            <a:picLocks noChangeAspect="1"/>
+          </p:cNvPicPr>
+          <p:nvPr/>
+        </p:nvPicPr>
+        <p:blipFill>
+          <a:blip r:embed="rId3">
+            <a:extLst>
+              <a:ext uri="{28A0092B-C50C-407E-A947-70E740481C1C}">
+                <a14:useLocalDpi xmlns:a14="http://schemas.microsoft.com/office/drawing/2010/main" val="0"/>
+              </a:ext>
+            </a:extLst>
+          </a:blip>
+          <a:stretch>
+            <a:fillRect/>
+          </a:stretch>
+        </p:blipFill>
+        <p:spPr>
+          <a:xfrm>
+            <a:off x="76200" y="514350"/>
+            <a:ext cx="9144000" cy="1143000"/>
+          </a:xfrm>
+          <a:prstGeom prst="rect">
+            <a:avLst/>
+          </a:prstGeom>
+        </p:spPr>
+      </p:pic>
+      <p:pic>
+        <p:nvPicPr>
+          <p:cNvPr id="5" name="Picture 4"/>
+          <p:cNvPicPr>
+            <a:picLocks noChangeAspect="1"/>
+          </p:cNvPicPr>
+          <p:nvPr/>
+        </p:nvPicPr>
+        <p:blipFill>
+          <a:blip r:embed="rId4">
+            <a:extLst>
+              <a:ext uri="{28A0092B-C50C-407E-A947-70E740481C1C}">
+                <a14:useLocalDpi xmlns:a14="http://schemas.microsoft.com/office/drawing/2010/main" val="0"/>
+              </a:ext>
+            </a:extLst>
+          </a:blip>
+          <a:stretch>
+            <a:fillRect/>
+          </a:stretch>
+        </p:blipFill>
+        <p:spPr>
+          <a:xfrm>
+            <a:off x="6553200" y="1763184"/>
+            <a:ext cx="2520949" cy="3361266"/>
+          </a:xfrm>
+          <a:prstGeom prst="rect">
+            <a:avLst/>
+          </a:prstGeom>
+        </p:spPr>
+      </p:pic>
+      <p:sp>
+        <p:nvSpPr>
+          <p:cNvPr id="15" name="TextBox 14"/>
+          <p:cNvSpPr txBox="1"/>
+          <p:nvPr/>
+        </p:nvSpPr>
+        <p:spPr>
+          <a:xfrm>
+            <a:off x="381000" y="57149"/>
+            <a:ext cx="609600" cy="507831"/>
+          </a:xfrm>
+          <a:prstGeom prst="rect">
+            <a:avLst/>
+          </a:prstGeom>
+          <a:noFill/>
+          <a:ln w="6350">
+            <a:solidFill>
+              <a:schemeClr val="tx1"/>
+            </a:solidFill>
+          </a:ln>
+        </p:spPr>
+        <p:txBody>
+          <a:bodyPr wrap="square" lIns="0" tIns="0" rIns="0" bIns="0" rtlCol="0">
+            <a:spAutoFit/>
+          </a:bodyPr>
+          <a:lstStyle/>
+          <a:p>
+            <a:pPr algn="ctr"/>
+            <a:r>
+              <a:rPr lang="en-US" sz="1100" dirty="0" smtClean="0">
+                <a:solidFill>
+                  <a:schemeClr val="bg1">
+                    <a:lumMod val="85000"/>
+                  </a:schemeClr>
+                </a:solidFill>
+              </a:rPr>
+              <a:t>G </a:t>
+            </a:r>
+            <a:r>
+              <a:rPr lang="en-US" sz="1100" dirty="0" smtClean="0"/>
+              <a:t>gi</a:t>
+            </a:r>
+            <a:r>
+              <a:rPr lang="en-US" sz="1100" dirty="0" smtClean="0">
+                <a:solidFill>
+                  <a:schemeClr val="bg1">
+                    <a:lumMod val="85000"/>
+                  </a:schemeClr>
+                </a:solidFill>
+              </a:rPr>
+              <a:t> ga</a:t>
+            </a:r>
+          </a:p>
+          <a:p>
+            <a:pPr algn="ctr"/>
+            <a:r>
+              <a:rPr lang="en-US" sz="1100" dirty="0">
+                <a:solidFill>
+                  <a:schemeClr val="bg1">
+                    <a:lumMod val="85000"/>
+                  </a:schemeClr>
+                </a:solidFill>
+              </a:rPr>
+              <a:t>i</a:t>
+            </a:r>
+            <a:r>
+              <a:rPr lang="en-US" sz="1100" dirty="0" smtClean="0">
+                <a:solidFill>
+                  <a:schemeClr val="bg1">
+                    <a:lumMod val="85000"/>
+                  </a:schemeClr>
+                </a:solidFill>
+              </a:rPr>
+              <a:t>g  I  ia</a:t>
+            </a:r>
+          </a:p>
+          <a:p>
+            <a:pPr algn="ctr"/>
+            <a:r>
+              <a:rPr lang="en-US" sz="1100" dirty="0">
+                <a:solidFill>
+                  <a:schemeClr val="bg1">
+                    <a:lumMod val="85000"/>
+                  </a:schemeClr>
+                </a:solidFill>
+              </a:rPr>
+              <a:t>a</a:t>
+            </a:r>
+            <a:r>
+              <a:rPr lang="en-US" sz="1100" dirty="0" smtClean="0">
+                <a:solidFill>
+                  <a:schemeClr val="bg1">
+                    <a:lumMod val="85000"/>
+                  </a:schemeClr>
+                </a:solidFill>
+              </a:rPr>
+              <a:t>g ai A</a:t>
+            </a:r>
+            <a:endParaRPr lang="en-US" sz="1100" dirty="0">
+              <a:solidFill>
+                <a:schemeClr val="bg1">
+                  <a:lumMod val="85000"/>
+                </a:schemeClr>
+              </a:solidFill>
+            </a:endParaRPr>
+          </a:p>
+        </p:txBody>
+      </p:sp>
+      <p:sp>
+        <p:nvSpPr>
+          <p:cNvPr id="16" name="TextBox 15"/>
+          <p:cNvSpPr txBox="1"/>
+          <p:nvPr/>
+        </p:nvSpPr>
+        <p:spPr>
+          <a:xfrm>
+            <a:off x="1041978" y="57150"/>
+            <a:ext cx="609600" cy="507831"/>
+          </a:xfrm>
+          <a:prstGeom prst="rect">
+            <a:avLst/>
+          </a:prstGeom>
+          <a:noFill/>
+          <a:ln w="6350">
+            <a:solidFill>
+              <a:schemeClr val="tx1"/>
+            </a:solidFill>
+          </a:ln>
+        </p:spPr>
+        <p:txBody>
+          <a:bodyPr wrap="square" lIns="0" tIns="0" rIns="0" bIns="0" rtlCol="0">
+            <a:spAutoFit/>
+          </a:bodyPr>
+          <a:lstStyle/>
+          <a:p>
+            <a:pPr algn="ctr"/>
+            <a:r>
+              <a:rPr lang="en-US" sz="1100" dirty="0" smtClean="0">
+                <a:solidFill>
+                  <a:schemeClr val="bg1">
+                    <a:lumMod val="85000"/>
+                  </a:schemeClr>
+                </a:solidFill>
+              </a:rPr>
+              <a:t>G gi </a:t>
+            </a:r>
+            <a:r>
+              <a:rPr lang="en-US" sz="1100" dirty="0" smtClean="0"/>
+              <a:t>ga</a:t>
+            </a:r>
+          </a:p>
+          <a:p>
+            <a:pPr algn="ctr"/>
+            <a:r>
+              <a:rPr lang="en-US" sz="1100" dirty="0">
+                <a:solidFill>
+                  <a:schemeClr val="bg1">
+                    <a:lumMod val="85000"/>
+                  </a:schemeClr>
+                </a:solidFill>
+              </a:rPr>
+              <a:t>i</a:t>
+            </a:r>
+            <a:r>
+              <a:rPr lang="en-US" sz="1100" dirty="0" smtClean="0">
+                <a:solidFill>
+                  <a:schemeClr val="bg1">
+                    <a:lumMod val="85000"/>
+                  </a:schemeClr>
+                </a:solidFill>
+              </a:rPr>
+              <a:t>g  I  ia</a:t>
+            </a:r>
+          </a:p>
+          <a:p>
+            <a:pPr algn="ctr"/>
+            <a:r>
+              <a:rPr lang="en-US" sz="1100" dirty="0">
+                <a:solidFill>
+                  <a:schemeClr val="bg1">
+                    <a:lumMod val="85000"/>
+                  </a:schemeClr>
+                </a:solidFill>
+              </a:rPr>
+              <a:t>a</a:t>
+            </a:r>
+            <a:r>
+              <a:rPr lang="en-US" sz="1100" dirty="0" smtClean="0">
+                <a:solidFill>
+                  <a:schemeClr val="bg1">
+                    <a:lumMod val="85000"/>
+                  </a:schemeClr>
+                </a:solidFill>
+              </a:rPr>
+              <a:t>g ai A</a:t>
+            </a:r>
+            <a:endParaRPr lang="en-US" sz="1100" dirty="0">
+              <a:solidFill>
+                <a:schemeClr val="bg1">
+                  <a:lumMod val="85000"/>
+                </a:schemeClr>
+              </a:solidFill>
+            </a:endParaRPr>
+          </a:p>
+        </p:txBody>
+      </p:sp>
+      <p:sp>
+        <p:nvSpPr>
+          <p:cNvPr id="17" name="TextBox 16"/>
+          <p:cNvSpPr txBox="1"/>
+          <p:nvPr/>
+        </p:nvSpPr>
+        <p:spPr>
+          <a:xfrm>
+            <a:off x="1721428" y="57150"/>
+            <a:ext cx="609600" cy="507831"/>
+          </a:xfrm>
+          <a:prstGeom prst="rect">
+            <a:avLst/>
+          </a:prstGeom>
+          <a:noFill/>
+          <a:ln w="6350">
+            <a:solidFill>
+              <a:schemeClr val="tx1"/>
+            </a:solidFill>
+          </a:ln>
+        </p:spPr>
+        <p:txBody>
+          <a:bodyPr wrap="square" lIns="0" tIns="0" rIns="0" bIns="0" rtlCol="0">
+            <a:spAutoFit/>
+          </a:bodyPr>
+          <a:lstStyle/>
+          <a:p>
+            <a:pPr algn="ctr"/>
+            <a:r>
+              <a:rPr lang="en-US" sz="1100" dirty="0" smtClean="0">
+                <a:solidFill>
+                  <a:schemeClr val="bg1">
+                    <a:lumMod val="85000"/>
+                  </a:schemeClr>
+                </a:solidFill>
+              </a:rPr>
+              <a:t>G gi ga</a:t>
+            </a:r>
+          </a:p>
+          <a:p>
+            <a:pPr algn="ctr"/>
+            <a:r>
+              <a:rPr lang="en-US" sz="1100" dirty="0"/>
+              <a:t>i</a:t>
+            </a:r>
+            <a:r>
+              <a:rPr lang="en-US" sz="1100" dirty="0" smtClean="0"/>
+              <a:t>g</a:t>
+            </a:r>
+            <a:r>
+              <a:rPr lang="en-US" sz="1100" dirty="0" smtClean="0">
+                <a:solidFill>
+                  <a:schemeClr val="bg1">
+                    <a:lumMod val="85000"/>
+                  </a:schemeClr>
+                </a:solidFill>
+              </a:rPr>
+              <a:t>  I  ia</a:t>
+            </a:r>
+          </a:p>
+          <a:p>
+            <a:pPr algn="ctr"/>
+            <a:r>
+              <a:rPr lang="en-US" sz="1100" dirty="0">
+                <a:solidFill>
+                  <a:schemeClr val="bg1">
+                    <a:lumMod val="85000"/>
+                  </a:schemeClr>
+                </a:solidFill>
+              </a:rPr>
+              <a:t>a</a:t>
+            </a:r>
+            <a:r>
+              <a:rPr lang="en-US" sz="1100" dirty="0" smtClean="0">
+                <a:solidFill>
+                  <a:schemeClr val="bg1">
+                    <a:lumMod val="85000"/>
+                  </a:schemeClr>
+                </a:solidFill>
+              </a:rPr>
+              <a:t>g ai A</a:t>
+            </a:r>
+            <a:endParaRPr lang="en-US" sz="1100" dirty="0">
+              <a:solidFill>
+                <a:schemeClr val="bg1">
+                  <a:lumMod val="85000"/>
+                </a:schemeClr>
+              </a:solidFill>
+            </a:endParaRPr>
+          </a:p>
+        </p:txBody>
+      </p:sp>
+      <p:sp>
+        <p:nvSpPr>
+          <p:cNvPr id="18" name="TextBox 17"/>
+          <p:cNvSpPr txBox="1"/>
+          <p:nvPr/>
+        </p:nvSpPr>
+        <p:spPr>
+          <a:xfrm>
+            <a:off x="2410692" y="57150"/>
+            <a:ext cx="609600" cy="507831"/>
+          </a:xfrm>
+          <a:prstGeom prst="rect">
+            <a:avLst/>
+          </a:prstGeom>
+          <a:noFill/>
+          <a:ln w="6350">
+            <a:solidFill>
+              <a:schemeClr val="tx1"/>
+            </a:solidFill>
+          </a:ln>
+        </p:spPr>
+        <p:txBody>
+          <a:bodyPr wrap="square" lIns="0" tIns="0" rIns="0" bIns="0" rtlCol="0">
+            <a:spAutoFit/>
+          </a:bodyPr>
+          <a:lstStyle/>
+          <a:p>
+            <a:pPr algn="ctr"/>
+            <a:r>
+              <a:rPr lang="en-US" sz="1100" dirty="0" smtClean="0">
+                <a:solidFill>
+                  <a:schemeClr val="bg1">
+                    <a:lumMod val="85000"/>
+                  </a:schemeClr>
+                </a:solidFill>
+              </a:rPr>
+              <a:t>G gi ga</a:t>
+            </a:r>
+          </a:p>
+          <a:p>
+            <a:pPr algn="ctr"/>
+            <a:r>
+              <a:rPr lang="en-US" sz="1100" dirty="0">
+                <a:solidFill>
+                  <a:schemeClr val="bg1">
+                    <a:lumMod val="85000"/>
+                  </a:schemeClr>
+                </a:solidFill>
+              </a:rPr>
+              <a:t>i</a:t>
+            </a:r>
+            <a:r>
+              <a:rPr lang="en-US" sz="1100" dirty="0" smtClean="0">
+                <a:solidFill>
+                  <a:schemeClr val="bg1">
+                    <a:lumMod val="85000"/>
+                  </a:schemeClr>
+                </a:solidFill>
+              </a:rPr>
+              <a:t>g  I  ia</a:t>
+            </a:r>
+          </a:p>
+          <a:p>
+            <a:pPr algn="ctr"/>
+            <a:r>
+              <a:rPr lang="en-US" sz="1100" dirty="0"/>
+              <a:t>a</a:t>
+            </a:r>
+            <a:r>
+              <a:rPr lang="en-US" sz="1100" dirty="0" smtClean="0"/>
+              <a:t>g</a:t>
+            </a:r>
+            <a:r>
+              <a:rPr lang="en-US" sz="1100" dirty="0" smtClean="0">
+                <a:solidFill>
+                  <a:schemeClr val="bg1">
+                    <a:lumMod val="85000"/>
+                  </a:schemeClr>
+                </a:solidFill>
+              </a:rPr>
+              <a:t> ai A</a:t>
+            </a:r>
+            <a:endParaRPr lang="en-US" sz="1100" dirty="0">
+              <a:solidFill>
+                <a:schemeClr val="bg1">
+                  <a:lumMod val="85000"/>
+                </a:schemeClr>
+              </a:solidFill>
+            </a:endParaRPr>
+          </a:p>
+        </p:txBody>
+      </p:sp>
+      <p:sp>
+        <p:nvSpPr>
+          <p:cNvPr id="19" name="TextBox 18"/>
+          <p:cNvSpPr txBox="1"/>
+          <p:nvPr/>
+        </p:nvSpPr>
+        <p:spPr>
+          <a:xfrm>
+            <a:off x="3099956" y="57150"/>
+            <a:ext cx="609600" cy="507831"/>
+          </a:xfrm>
+          <a:prstGeom prst="rect">
+            <a:avLst/>
+          </a:prstGeom>
+          <a:noFill/>
+          <a:ln w="6350">
+            <a:solidFill>
+              <a:schemeClr val="tx1"/>
+            </a:solidFill>
+          </a:ln>
+        </p:spPr>
+        <p:txBody>
+          <a:bodyPr wrap="square" lIns="0" tIns="0" rIns="0" bIns="0" rtlCol="0">
+            <a:spAutoFit/>
+          </a:bodyPr>
+          <a:lstStyle/>
+          <a:p>
+            <a:pPr algn="ctr"/>
+            <a:r>
+              <a:rPr lang="en-US" sz="1100" dirty="0" smtClean="0">
+                <a:solidFill>
+                  <a:schemeClr val="bg1">
+                    <a:lumMod val="85000"/>
+                  </a:schemeClr>
+                </a:solidFill>
+              </a:rPr>
+              <a:t>G gi ga</a:t>
+            </a:r>
+          </a:p>
+          <a:p>
+            <a:pPr algn="ctr"/>
+            <a:r>
+              <a:rPr lang="en-US" sz="1100" dirty="0">
+                <a:solidFill>
+                  <a:schemeClr val="bg1">
+                    <a:lumMod val="85000"/>
+                  </a:schemeClr>
+                </a:solidFill>
+              </a:rPr>
+              <a:t>i</a:t>
+            </a:r>
+            <a:r>
+              <a:rPr lang="en-US" sz="1100" dirty="0" smtClean="0">
+                <a:solidFill>
+                  <a:schemeClr val="bg1">
+                    <a:lumMod val="85000"/>
+                  </a:schemeClr>
+                </a:solidFill>
+              </a:rPr>
+              <a:t>g  I  </a:t>
+            </a:r>
+            <a:r>
+              <a:rPr lang="en-US" sz="1100" dirty="0" smtClean="0"/>
+              <a:t>ia</a:t>
+            </a:r>
+          </a:p>
+          <a:p>
+            <a:pPr algn="ctr"/>
+            <a:r>
+              <a:rPr lang="en-US" sz="1100" dirty="0">
+                <a:solidFill>
+                  <a:schemeClr val="bg1">
+                    <a:lumMod val="85000"/>
+                  </a:schemeClr>
+                </a:solidFill>
+              </a:rPr>
+              <a:t>a</a:t>
+            </a:r>
+            <a:r>
+              <a:rPr lang="en-US" sz="1100" dirty="0" smtClean="0">
+                <a:solidFill>
+                  <a:schemeClr val="bg1">
+                    <a:lumMod val="85000"/>
+                  </a:schemeClr>
+                </a:solidFill>
+              </a:rPr>
+              <a:t>g ai A</a:t>
+            </a:r>
+            <a:endParaRPr lang="en-US" sz="1100" dirty="0">
+              <a:solidFill>
+                <a:schemeClr val="bg1">
+                  <a:lumMod val="85000"/>
+                </a:schemeClr>
+              </a:solidFill>
+            </a:endParaRPr>
+          </a:p>
+        </p:txBody>
+      </p:sp>
+      <p:sp>
+        <p:nvSpPr>
+          <p:cNvPr id="20" name="TextBox 19"/>
+          <p:cNvSpPr txBox="1"/>
+          <p:nvPr/>
+        </p:nvSpPr>
+        <p:spPr>
+          <a:xfrm>
+            <a:off x="3789220" y="57150"/>
+            <a:ext cx="609600" cy="507831"/>
+          </a:xfrm>
+          <a:prstGeom prst="rect">
+            <a:avLst/>
+          </a:prstGeom>
+          <a:noFill/>
+          <a:ln w="6350">
+            <a:solidFill>
+              <a:schemeClr val="tx1"/>
+            </a:solidFill>
+          </a:ln>
+        </p:spPr>
+        <p:txBody>
+          <a:bodyPr wrap="square" lIns="0" tIns="0" rIns="0" bIns="0" rtlCol="0">
+            <a:spAutoFit/>
+          </a:bodyPr>
+          <a:lstStyle/>
+          <a:p>
+            <a:pPr algn="ctr"/>
+            <a:r>
+              <a:rPr lang="en-US" sz="1100" dirty="0" smtClean="0">
+                <a:solidFill>
+                  <a:schemeClr val="bg1">
+                    <a:lumMod val="85000"/>
+                  </a:schemeClr>
+                </a:solidFill>
+              </a:rPr>
+              <a:t>G gi ga</a:t>
+            </a:r>
+          </a:p>
+          <a:p>
+            <a:pPr algn="ctr"/>
+            <a:r>
+              <a:rPr lang="en-US" sz="1100" dirty="0">
+                <a:solidFill>
+                  <a:schemeClr val="bg1">
+                    <a:lumMod val="85000"/>
+                  </a:schemeClr>
+                </a:solidFill>
+              </a:rPr>
+              <a:t>i</a:t>
+            </a:r>
+            <a:r>
+              <a:rPr lang="en-US" sz="1100" dirty="0" smtClean="0">
+                <a:solidFill>
+                  <a:schemeClr val="bg1">
+                    <a:lumMod val="85000"/>
+                  </a:schemeClr>
+                </a:solidFill>
+              </a:rPr>
+              <a:t>g  I  ia</a:t>
+            </a:r>
+          </a:p>
+          <a:p>
+            <a:pPr algn="ctr"/>
+            <a:r>
+              <a:rPr lang="en-US" sz="1100" dirty="0">
+                <a:solidFill>
+                  <a:schemeClr val="bg1">
+                    <a:lumMod val="85000"/>
+                  </a:schemeClr>
+                </a:solidFill>
+              </a:rPr>
+              <a:t>a</a:t>
+            </a:r>
+            <a:r>
+              <a:rPr lang="en-US" sz="1100" dirty="0" smtClean="0">
+                <a:solidFill>
+                  <a:schemeClr val="bg1">
+                    <a:lumMod val="85000"/>
+                  </a:schemeClr>
+                </a:solidFill>
+              </a:rPr>
+              <a:t>g </a:t>
+            </a:r>
+            <a:r>
+              <a:rPr lang="en-US" sz="1100" dirty="0" smtClean="0"/>
+              <a:t>ai</a:t>
+            </a:r>
+            <a:r>
+              <a:rPr lang="en-US" sz="1100" dirty="0" smtClean="0">
+                <a:solidFill>
+                  <a:schemeClr val="bg1">
+                    <a:lumMod val="85000"/>
+                  </a:schemeClr>
+                </a:solidFill>
+              </a:rPr>
+              <a:t> A</a:t>
+            </a:r>
+            <a:endParaRPr lang="en-US" sz="1100" dirty="0">
+              <a:solidFill>
+                <a:schemeClr val="bg1">
+                  <a:lumMod val="85000"/>
+                </a:schemeClr>
+              </a:solidFill>
+            </a:endParaRPr>
+          </a:p>
+        </p:txBody>
+      </p:sp>
+      <p:sp>
+        <p:nvSpPr>
+          <p:cNvPr id="9" name="TextBox 8"/>
+          <p:cNvSpPr txBox="1"/>
+          <p:nvPr/>
+        </p:nvSpPr>
+        <p:spPr>
+          <a:xfrm>
+            <a:off x="4478484" y="57150"/>
+            <a:ext cx="609600" cy="507831"/>
+          </a:xfrm>
+          <a:prstGeom prst="rect">
+            <a:avLst/>
+          </a:prstGeom>
+          <a:noFill/>
+          <a:ln w="6350">
+            <a:solidFill>
+              <a:schemeClr val="tx1"/>
+            </a:solidFill>
+          </a:ln>
+        </p:spPr>
+        <p:txBody>
+          <a:bodyPr wrap="square" lIns="0" tIns="0" rIns="0" bIns="0" rtlCol="0">
+            <a:spAutoFit/>
+          </a:bodyPr>
+          <a:lstStyle/>
+          <a:p>
+            <a:pPr algn="ctr"/>
+            <a:r>
+              <a:rPr lang="en-US" sz="1100" dirty="0" smtClean="0">
+                <a:solidFill>
+                  <a:schemeClr val="bg1">
+                    <a:lumMod val="85000"/>
+                  </a:schemeClr>
+                </a:solidFill>
+              </a:rPr>
+              <a:t>G </a:t>
+            </a:r>
+            <a:r>
+              <a:rPr lang="en-US" sz="1100" dirty="0" smtClean="0"/>
+              <a:t>gi</a:t>
+            </a:r>
+            <a:r>
+              <a:rPr lang="en-US" sz="1100" dirty="0" smtClean="0">
+                <a:solidFill>
+                  <a:schemeClr val="bg1">
+                    <a:lumMod val="85000"/>
+                  </a:schemeClr>
+                </a:solidFill>
+              </a:rPr>
+              <a:t> ga</a:t>
+            </a:r>
+          </a:p>
+          <a:p>
+            <a:pPr algn="ctr"/>
+            <a:r>
+              <a:rPr lang="en-US" sz="1100" dirty="0">
+                <a:solidFill>
+                  <a:schemeClr val="bg1">
+                    <a:lumMod val="85000"/>
+                  </a:schemeClr>
+                </a:solidFill>
+              </a:rPr>
+              <a:t>i</a:t>
+            </a:r>
+            <a:r>
+              <a:rPr lang="en-US" sz="1100" dirty="0" smtClean="0">
+                <a:solidFill>
+                  <a:schemeClr val="bg1">
+                    <a:lumMod val="85000"/>
+                  </a:schemeClr>
+                </a:solidFill>
+              </a:rPr>
+              <a:t>g  I  ia</a:t>
+            </a:r>
+          </a:p>
+          <a:p>
+            <a:pPr algn="ctr"/>
+            <a:r>
+              <a:rPr lang="en-US" sz="1100" dirty="0">
+                <a:solidFill>
+                  <a:schemeClr val="bg1">
+                    <a:lumMod val="85000"/>
+                  </a:schemeClr>
+                </a:solidFill>
+              </a:rPr>
+              <a:t>a</a:t>
+            </a:r>
+            <a:r>
+              <a:rPr lang="en-US" sz="1100" dirty="0" smtClean="0">
+                <a:solidFill>
+                  <a:schemeClr val="bg1">
+                    <a:lumMod val="85000"/>
+                  </a:schemeClr>
+                </a:solidFill>
+              </a:rPr>
+              <a:t>g ai A</a:t>
+            </a:r>
+            <a:endParaRPr lang="en-US" sz="1100" dirty="0">
+              <a:solidFill>
+                <a:schemeClr val="bg1">
+                  <a:lumMod val="85000"/>
+                </a:schemeClr>
+              </a:solidFill>
+            </a:endParaRPr>
+          </a:p>
+        </p:txBody>
+      </p:sp>
+      <p:sp>
+        <p:nvSpPr>
+          <p:cNvPr id="10" name="TextBox 9"/>
+          <p:cNvSpPr txBox="1"/>
+          <p:nvPr/>
+        </p:nvSpPr>
+        <p:spPr>
+          <a:xfrm>
+            <a:off x="5167748" y="57150"/>
+            <a:ext cx="609600" cy="507831"/>
+          </a:xfrm>
+          <a:prstGeom prst="rect">
+            <a:avLst/>
+          </a:prstGeom>
+          <a:noFill/>
+          <a:ln w="6350">
+            <a:solidFill>
+              <a:schemeClr val="tx1"/>
+            </a:solidFill>
+          </a:ln>
+        </p:spPr>
+        <p:txBody>
+          <a:bodyPr wrap="square" lIns="0" tIns="0" rIns="0" bIns="0" rtlCol="0">
+            <a:spAutoFit/>
+          </a:bodyPr>
+          <a:lstStyle/>
+          <a:p>
+            <a:pPr algn="ctr"/>
+            <a:r>
+              <a:rPr lang="en-US" sz="1100" dirty="0" smtClean="0">
+                <a:solidFill>
+                  <a:schemeClr val="bg1">
+                    <a:lumMod val="85000"/>
+                  </a:schemeClr>
+                </a:solidFill>
+              </a:rPr>
+              <a:t>G gi </a:t>
+            </a:r>
+            <a:r>
+              <a:rPr lang="en-US" sz="1100" dirty="0" smtClean="0"/>
+              <a:t>ga</a:t>
+            </a:r>
+          </a:p>
+          <a:p>
+            <a:pPr algn="ctr"/>
+            <a:r>
+              <a:rPr lang="en-US" sz="1100" dirty="0">
+                <a:solidFill>
+                  <a:schemeClr val="bg1">
+                    <a:lumMod val="85000"/>
+                  </a:schemeClr>
+                </a:solidFill>
+              </a:rPr>
+              <a:t>i</a:t>
+            </a:r>
+            <a:r>
+              <a:rPr lang="en-US" sz="1100" dirty="0" smtClean="0">
+                <a:solidFill>
+                  <a:schemeClr val="bg1">
+                    <a:lumMod val="85000"/>
+                  </a:schemeClr>
+                </a:solidFill>
+              </a:rPr>
+              <a:t>g  I  ia</a:t>
+            </a:r>
+          </a:p>
+          <a:p>
+            <a:pPr algn="ctr"/>
+            <a:r>
+              <a:rPr lang="en-US" sz="1100" dirty="0">
+                <a:solidFill>
+                  <a:schemeClr val="bg1">
+                    <a:lumMod val="85000"/>
+                  </a:schemeClr>
+                </a:solidFill>
+              </a:rPr>
+              <a:t>a</a:t>
+            </a:r>
+            <a:r>
+              <a:rPr lang="en-US" sz="1100" dirty="0" smtClean="0">
+                <a:solidFill>
+                  <a:schemeClr val="bg1">
+                    <a:lumMod val="85000"/>
+                  </a:schemeClr>
+                </a:solidFill>
+              </a:rPr>
+              <a:t>g ai A</a:t>
+            </a:r>
+            <a:endParaRPr lang="en-US" sz="1100" dirty="0">
+              <a:solidFill>
+                <a:schemeClr val="bg1">
+                  <a:lumMod val="85000"/>
+                </a:schemeClr>
+              </a:solidFill>
+            </a:endParaRPr>
+          </a:p>
+        </p:txBody>
+      </p:sp>
+      <p:sp>
+        <p:nvSpPr>
+          <p:cNvPr id="11" name="TextBox 10"/>
+          <p:cNvSpPr txBox="1"/>
+          <p:nvPr/>
+        </p:nvSpPr>
+        <p:spPr>
+          <a:xfrm>
+            <a:off x="5857012" y="57150"/>
+            <a:ext cx="609600" cy="507831"/>
+          </a:xfrm>
+          <a:prstGeom prst="rect">
+            <a:avLst/>
+          </a:prstGeom>
+          <a:noFill/>
+          <a:ln w="6350">
+            <a:solidFill>
+              <a:schemeClr val="tx1"/>
+            </a:solidFill>
+          </a:ln>
+        </p:spPr>
+        <p:txBody>
+          <a:bodyPr wrap="square" lIns="0" tIns="0" rIns="0" bIns="0" rtlCol="0">
+            <a:spAutoFit/>
+          </a:bodyPr>
+          <a:lstStyle/>
+          <a:p>
+            <a:pPr algn="ctr"/>
+            <a:r>
+              <a:rPr lang="en-US" sz="1100" dirty="0" smtClean="0">
+                <a:solidFill>
+                  <a:schemeClr val="bg1">
+                    <a:lumMod val="85000"/>
+                  </a:schemeClr>
+                </a:solidFill>
+              </a:rPr>
+              <a:t>G gi ga</a:t>
+            </a:r>
+          </a:p>
+          <a:p>
+            <a:pPr algn="ctr"/>
+            <a:r>
+              <a:rPr lang="en-US" sz="1100" dirty="0"/>
+              <a:t>i</a:t>
+            </a:r>
+            <a:r>
+              <a:rPr lang="en-US" sz="1100" dirty="0" smtClean="0"/>
+              <a:t>g</a:t>
+            </a:r>
+            <a:r>
+              <a:rPr lang="en-US" sz="1100" dirty="0" smtClean="0">
+                <a:solidFill>
+                  <a:schemeClr val="bg1">
+                    <a:lumMod val="85000"/>
+                  </a:schemeClr>
+                </a:solidFill>
+              </a:rPr>
+              <a:t>  I  ia</a:t>
+            </a:r>
+          </a:p>
+          <a:p>
+            <a:pPr algn="ctr"/>
+            <a:r>
+              <a:rPr lang="en-US" sz="1100" dirty="0">
+                <a:solidFill>
+                  <a:schemeClr val="bg1">
+                    <a:lumMod val="85000"/>
+                  </a:schemeClr>
+                </a:solidFill>
+              </a:rPr>
+              <a:t>a</a:t>
+            </a:r>
+            <a:r>
+              <a:rPr lang="en-US" sz="1100" dirty="0" smtClean="0">
+                <a:solidFill>
+                  <a:schemeClr val="bg1">
+                    <a:lumMod val="85000"/>
+                  </a:schemeClr>
+                </a:solidFill>
+              </a:rPr>
+              <a:t>g ai A</a:t>
+            </a:r>
+            <a:endParaRPr lang="en-US" sz="1100" dirty="0">
+              <a:solidFill>
+                <a:schemeClr val="bg1">
+                  <a:lumMod val="85000"/>
+                </a:schemeClr>
+              </a:solidFill>
+            </a:endParaRPr>
+          </a:p>
+        </p:txBody>
+      </p:sp>
+      <p:sp>
+        <p:nvSpPr>
+          <p:cNvPr id="12" name="TextBox 11"/>
+          <p:cNvSpPr txBox="1"/>
+          <p:nvPr/>
+        </p:nvSpPr>
+        <p:spPr>
+          <a:xfrm>
+            <a:off x="6546276" y="57150"/>
+            <a:ext cx="609600" cy="507831"/>
+          </a:xfrm>
+          <a:prstGeom prst="rect">
+            <a:avLst/>
+          </a:prstGeom>
+          <a:noFill/>
+          <a:ln w="6350">
+            <a:solidFill>
+              <a:schemeClr val="tx1"/>
+            </a:solidFill>
+          </a:ln>
+        </p:spPr>
+        <p:txBody>
+          <a:bodyPr wrap="square" lIns="0" tIns="0" rIns="0" bIns="0" rtlCol="0">
+            <a:spAutoFit/>
+          </a:bodyPr>
+          <a:lstStyle/>
+          <a:p>
+            <a:pPr algn="ctr"/>
+            <a:r>
+              <a:rPr lang="en-US" sz="1100" dirty="0" smtClean="0">
+                <a:solidFill>
+                  <a:schemeClr val="bg1">
+                    <a:lumMod val="85000"/>
+                  </a:schemeClr>
+                </a:solidFill>
+              </a:rPr>
+              <a:t>G gi ga</a:t>
+            </a:r>
+          </a:p>
+          <a:p>
+            <a:pPr algn="ctr"/>
+            <a:r>
+              <a:rPr lang="en-US" sz="1100" dirty="0">
+                <a:solidFill>
+                  <a:schemeClr val="bg1">
+                    <a:lumMod val="85000"/>
+                  </a:schemeClr>
+                </a:solidFill>
+              </a:rPr>
+              <a:t>i</a:t>
+            </a:r>
+            <a:r>
+              <a:rPr lang="en-US" sz="1100" dirty="0" smtClean="0">
+                <a:solidFill>
+                  <a:schemeClr val="bg1">
+                    <a:lumMod val="85000"/>
+                  </a:schemeClr>
+                </a:solidFill>
+              </a:rPr>
+              <a:t>g  I  ia</a:t>
+            </a:r>
+          </a:p>
+          <a:p>
+            <a:pPr algn="ctr"/>
+            <a:r>
+              <a:rPr lang="en-US" sz="1100" dirty="0"/>
+              <a:t>a</a:t>
+            </a:r>
+            <a:r>
+              <a:rPr lang="en-US" sz="1100" dirty="0" smtClean="0"/>
+              <a:t>g</a:t>
+            </a:r>
+            <a:r>
+              <a:rPr lang="en-US" sz="1100" dirty="0" smtClean="0">
+                <a:solidFill>
+                  <a:schemeClr val="bg1">
+                    <a:lumMod val="85000"/>
+                  </a:schemeClr>
+                </a:solidFill>
+              </a:rPr>
+              <a:t> ai A</a:t>
+            </a:r>
+            <a:endParaRPr lang="en-US" sz="1100" dirty="0">
+              <a:solidFill>
+                <a:schemeClr val="bg1">
+                  <a:lumMod val="85000"/>
+                </a:schemeClr>
+              </a:solidFill>
+            </a:endParaRPr>
+          </a:p>
+        </p:txBody>
+      </p:sp>
+      <p:sp>
+        <p:nvSpPr>
+          <p:cNvPr id="13" name="TextBox 12"/>
+          <p:cNvSpPr txBox="1"/>
+          <p:nvPr/>
+        </p:nvSpPr>
+        <p:spPr>
+          <a:xfrm>
+            <a:off x="7235540" y="57150"/>
+            <a:ext cx="609600" cy="507831"/>
+          </a:xfrm>
+          <a:prstGeom prst="rect">
+            <a:avLst/>
+          </a:prstGeom>
+          <a:noFill/>
+          <a:ln w="6350">
+            <a:solidFill>
+              <a:schemeClr val="tx1"/>
+            </a:solidFill>
+          </a:ln>
+        </p:spPr>
+        <p:txBody>
+          <a:bodyPr wrap="square" lIns="0" tIns="0" rIns="0" bIns="0" rtlCol="0">
+            <a:spAutoFit/>
+          </a:bodyPr>
+          <a:lstStyle/>
+          <a:p>
+            <a:pPr algn="ctr"/>
+            <a:r>
+              <a:rPr lang="en-US" sz="1100" dirty="0" smtClean="0">
+                <a:solidFill>
+                  <a:schemeClr val="bg1">
+                    <a:lumMod val="85000"/>
+                  </a:schemeClr>
+                </a:solidFill>
+              </a:rPr>
+              <a:t>G gi ga</a:t>
+            </a:r>
+          </a:p>
+          <a:p>
+            <a:pPr algn="ctr"/>
+            <a:r>
+              <a:rPr lang="en-US" sz="1100" dirty="0">
+                <a:solidFill>
+                  <a:schemeClr val="bg1">
+                    <a:lumMod val="85000"/>
+                  </a:schemeClr>
+                </a:solidFill>
+              </a:rPr>
+              <a:t>i</a:t>
+            </a:r>
+            <a:r>
+              <a:rPr lang="en-US" sz="1100" dirty="0" smtClean="0">
+                <a:solidFill>
+                  <a:schemeClr val="bg1">
+                    <a:lumMod val="85000"/>
+                  </a:schemeClr>
+                </a:solidFill>
+              </a:rPr>
+              <a:t>g  I  </a:t>
+            </a:r>
+            <a:r>
+              <a:rPr lang="en-US" sz="1100" dirty="0" smtClean="0"/>
+              <a:t>ia</a:t>
+            </a:r>
+          </a:p>
+          <a:p>
+            <a:pPr algn="ctr"/>
+            <a:r>
+              <a:rPr lang="en-US" sz="1100" dirty="0">
+                <a:solidFill>
+                  <a:schemeClr val="bg1">
+                    <a:lumMod val="85000"/>
+                  </a:schemeClr>
+                </a:solidFill>
+              </a:rPr>
+              <a:t>a</a:t>
+            </a:r>
+            <a:r>
+              <a:rPr lang="en-US" sz="1100" dirty="0" smtClean="0">
+                <a:solidFill>
+                  <a:schemeClr val="bg1">
+                    <a:lumMod val="85000"/>
+                  </a:schemeClr>
+                </a:solidFill>
+              </a:rPr>
+              <a:t>g ai A</a:t>
+            </a:r>
+            <a:endParaRPr lang="en-US" sz="1100" dirty="0">
+              <a:solidFill>
+                <a:schemeClr val="bg1">
+                  <a:lumMod val="85000"/>
+                </a:schemeClr>
+              </a:solidFill>
+            </a:endParaRPr>
+          </a:p>
+        </p:txBody>
+      </p:sp>
+      <p:sp>
+        <p:nvSpPr>
+          <p:cNvPr id="14" name="TextBox 13"/>
+          <p:cNvSpPr txBox="1"/>
+          <p:nvPr/>
+        </p:nvSpPr>
+        <p:spPr>
+          <a:xfrm>
+            <a:off x="7924800" y="57150"/>
+            <a:ext cx="609600" cy="507831"/>
+          </a:xfrm>
+          <a:prstGeom prst="rect">
+            <a:avLst/>
+          </a:prstGeom>
+          <a:noFill/>
+          <a:ln w="6350">
+            <a:solidFill>
+              <a:schemeClr val="tx1"/>
+            </a:solidFill>
+          </a:ln>
+        </p:spPr>
+        <p:txBody>
+          <a:bodyPr wrap="square" lIns="0" tIns="0" rIns="0" bIns="0" rtlCol="0">
+            <a:spAutoFit/>
+          </a:bodyPr>
+          <a:lstStyle/>
+          <a:p>
+            <a:pPr algn="ctr"/>
+            <a:r>
+              <a:rPr lang="en-US" sz="1100" dirty="0" smtClean="0">
+                <a:solidFill>
+                  <a:schemeClr val="bg1">
+                    <a:lumMod val="85000"/>
+                  </a:schemeClr>
+                </a:solidFill>
+              </a:rPr>
+              <a:t>G gi ga</a:t>
+            </a:r>
+          </a:p>
+          <a:p>
+            <a:pPr algn="ctr"/>
+            <a:r>
+              <a:rPr lang="en-US" sz="1100" dirty="0">
+                <a:solidFill>
+                  <a:schemeClr val="bg1">
+                    <a:lumMod val="85000"/>
+                  </a:schemeClr>
+                </a:solidFill>
+              </a:rPr>
+              <a:t>i</a:t>
+            </a:r>
+            <a:r>
+              <a:rPr lang="en-US" sz="1100" dirty="0" smtClean="0">
+                <a:solidFill>
+                  <a:schemeClr val="bg1">
+                    <a:lumMod val="85000"/>
+                  </a:schemeClr>
+                </a:solidFill>
+              </a:rPr>
+              <a:t>g  I  ia</a:t>
+            </a:r>
+          </a:p>
+          <a:p>
+            <a:pPr algn="ctr"/>
+            <a:r>
+              <a:rPr lang="en-US" sz="1100" dirty="0">
+                <a:solidFill>
+                  <a:schemeClr val="bg1">
+                    <a:lumMod val="85000"/>
+                  </a:schemeClr>
+                </a:solidFill>
+              </a:rPr>
+              <a:t>a</a:t>
+            </a:r>
+            <a:r>
+              <a:rPr lang="en-US" sz="1100" dirty="0" smtClean="0">
+                <a:solidFill>
+                  <a:schemeClr val="bg1">
+                    <a:lumMod val="85000"/>
+                  </a:schemeClr>
+                </a:solidFill>
+              </a:rPr>
+              <a:t>g </a:t>
+            </a:r>
+            <a:r>
+              <a:rPr lang="en-US" sz="1100" dirty="0" smtClean="0"/>
+              <a:t>ai</a:t>
+            </a:r>
+            <a:r>
+              <a:rPr lang="en-US" sz="1100" dirty="0" smtClean="0">
+                <a:solidFill>
+                  <a:schemeClr val="bg1">
+                    <a:lumMod val="85000"/>
+                  </a:schemeClr>
+                </a:solidFill>
+              </a:rPr>
+              <a:t> A</a:t>
+            </a:r>
+            <a:endParaRPr lang="en-US" sz="1100" dirty="0">
+              <a:solidFill>
+                <a:schemeClr val="bg1">
+                  <a:lumMod val="85000"/>
+                </a:schemeClr>
+              </a:solidFill>
+            </a:endParaRPr>
+          </a:p>
+        </p:txBody>
+      </p:sp>
+      <p:graphicFrame>
+        <p:nvGraphicFramePr>
+          <p:cNvPr id="22" name="Object 21"/>
+          <p:cNvGraphicFramePr>
+            <a:graphicFrameLocks noChangeAspect="1"/>
+          </p:cNvGraphicFramePr>
+          <p:nvPr>
+            <p:extLst>
+              <p:ext uri="{D42A27DB-BD31-4B8C-83A1-F6EECF244321}">
+                <p14:modId xmlns:p14="http://schemas.microsoft.com/office/powerpoint/2010/main" val="3701603029"/>
+              </p:ext>
+            </p:extLst>
+          </p:nvPr>
+        </p:nvGraphicFramePr>
+        <p:xfrm>
+          <a:off x="228600" y="1809750"/>
+          <a:ext cx="4416425" cy="2476500"/>
+        </p:xfrm>
+        <a:graphic>
+          <a:graphicData uri="http://schemas.openxmlformats.org/presentationml/2006/ole">
+            <mc:AlternateContent xmlns:mc="http://schemas.openxmlformats.org/markup-compatibility/2006">
+              <mc:Choice xmlns:v="urn:schemas-microsoft-com:vml" Requires="v">
+                <p:oleObj spid="_x0000_s3092" name="Equation" r:id="rId5" imgW="3606480" imgH="2209680" progId="Equation.DSMT4">
+                  <p:embed/>
+                </p:oleObj>
+              </mc:Choice>
+              <mc:Fallback>
+                <p:oleObj name="Equation" r:id="rId5" imgW="3606480" imgH="2209680" progId="Equation.DSMT4">
+                  <p:embed/>
+                  <p:pic>
+                    <p:nvPicPr>
+                      <p:cNvPr id="0" name="Object 1"/>
+                      <p:cNvPicPr>
+                        <a:picLocks noChangeAspect="1" noChangeArrowheads="1"/>
+                      </p:cNvPicPr>
+                      <p:nvPr/>
+                    </p:nvPicPr>
+                    <p:blipFill>
+                      <a:blip r:embed="rId6"/>
+                      <a:srcRect/>
+                      <a:stretch>
+                        <a:fillRect/>
+                      </a:stretch>
+                    </p:blipFill>
+                    <p:spPr bwMode="auto">
+                      <a:xfrm>
+                        <a:off x="228600" y="1809750"/>
+                        <a:ext cx="4416425" cy="2476500"/>
+                      </a:xfrm>
+                      <a:prstGeom prst="rect">
+                        <a:avLst/>
+                      </a:prstGeom>
+                      <a:noFill/>
+                      <a:ln>
+                        <a:noFill/>
+                      </a:ln>
+                      <a:extLst>
+                        <a:ext uri="{909E8E84-426E-40DD-AFC4-6F175D3DCCD1}">
+                          <a14:hiddenFill xmlns:a14="http://schemas.microsoft.com/office/drawing/2010/main">
+                            <a:solidFill>
+                              <a:srgbClr val="FFFFFF"/>
+                            </a:solidFill>
+                          </a14:hiddenFill>
+                        </a:ext>
+                        <a:ext uri="{91240B29-F687-4F45-9708-019B960494DF}">
+                          <a14:hiddenLine xmlns:a14="http://schemas.microsoft.com/office/drawing/2010/main" w="9525">
+                            <a:solidFill>
+                              <a:srgbClr val="000000"/>
+                            </a:solidFill>
+                            <a:miter lim="800000"/>
+                            <a:headEnd/>
+                            <a:tailEnd/>
+                          </a14:hiddenLine>
+                        </a:ext>
+                      </a:extLst>
+                    </p:spPr>
+                  </p:pic>
+                </p:oleObj>
+              </mc:Fallback>
+            </mc:AlternateContent>
+          </a:graphicData>
+        </a:graphic>
+      </p:graphicFrame>
+      <p:sp>
+        <p:nvSpPr>
+          <p:cNvPr id="21" name="TextBox 20"/>
+          <p:cNvSpPr txBox="1"/>
+          <p:nvPr/>
+        </p:nvSpPr>
+        <p:spPr>
+          <a:xfrm>
+            <a:off x="4659748" y="4476750"/>
+            <a:ext cx="917239" cy="369332"/>
+          </a:xfrm>
+          <a:prstGeom prst="rect">
+            <a:avLst/>
+          </a:prstGeom>
+          <a:noFill/>
+        </p:spPr>
+        <p:txBody>
+          <a:bodyPr wrap="none" rtlCol="0">
+            <a:spAutoFit/>
+          </a:bodyPr>
+          <a:lstStyle/>
+          <a:p>
+            <a:r>
+              <a:rPr lang="en-US" dirty="0" smtClean="0"/>
+              <a:t>Original</a:t>
+            </a:r>
+            <a:endParaRPr lang="en-US" dirty="0"/>
+          </a:p>
+        </p:txBody>
+      </p:sp>
+    </p:spTree>
+    <p:extLst>
+      <p:ext uri="{BB962C8B-B14F-4D97-AF65-F5344CB8AC3E}">
+        <p14:creationId xmlns:p14="http://schemas.microsoft.com/office/powerpoint/2010/main" val="1335751421"/>
+      </p:ext>
+    </p:extLst>
+  </p:cSld>
+  <p:clrMapOvr>
+    <a:masterClrMapping/>
+  </p:clrMapOvr>
+  <p:timing>
+    <p:tnLst>
+      <p:par>
+        <p:cTn id="1" dur="indefinite" restart="never" nodeType="tmRoot"/>
+      </p:par>
+    </p:tnLst>
+  </p:timing>
+</p:sld>
+</file>
+
+<file path=ppt/slides/slide9.xml><?xml version="1.0" encoding="utf-8"?>
+<p:sld xmlns:a="http://schemas.openxmlformats.org/drawingml/2006/main" xmlns:r="http://schemas.openxmlformats.org/officeDocument/2006/relationships" xmlns:p="http://schemas.openxmlformats.org/presentationml/2006/main">
+  <p:cSld>
+    <p:spTree>
+      <p:nvGrpSpPr>
+        <p:cNvPr id="1" name=""/>
+        <p:cNvGrpSpPr/>
+        <p:nvPr/>
+      </p:nvGrpSpPr>
+      <p:grpSpPr>
+        <a:xfrm>
+          <a:off x="0" y="0"/>
+          <a:ext cx="0" cy="0"/>
+          <a:chOff x="0" y="0"/>
+          <a:chExt cx="0" cy="0"/>
+        </a:xfrm>
+      </p:grpSpPr>
+      <p:pic>
+        <p:nvPicPr>
+          <p:cNvPr id="4" name="Picture 3"/>
+          <p:cNvPicPr>
+            <a:picLocks noChangeAspect="1"/>
+          </p:cNvPicPr>
+          <p:nvPr/>
+        </p:nvPicPr>
+        <p:blipFill>
+          <a:blip r:embed="rId3">
+            <a:extLst>
+              <a:ext uri="{28A0092B-C50C-407E-A947-70E740481C1C}">
+                <a14:useLocalDpi xmlns:a14="http://schemas.microsoft.com/office/drawing/2010/main" val="0"/>
+              </a:ext>
+            </a:extLst>
+          </a:blip>
+          <a:stretch>
+            <a:fillRect/>
+          </a:stretch>
+        </p:blipFill>
+        <p:spPr>
+          <a:xfrm>
+            <a:off x="76200" y="514350"/>
+            <a:ext cx="9144000" cy="1143000"/>
+          </a:xfrm>
+          <a:prstGeom prst="rect">
+            <a:avLst/>
+          </a:prstGeom>
+        </p:spPr>
+      </p:pic>
+      <p:pic>
+        <p:nvPicPr>
+          <p:cNvPr id="5" name="Picture 4"/>
+          <p:cNvPicPr>
+            <a:picLocks noChangeAspect="1"/>
+          </p:cNvPicPr>
+          <p:nvPr/>
+        </p:nvPicPr>
+        <p:blipFill>
+          <a:blip r:embed="rId4">
+            <a:extLst>
+              <a:ext uri="{28A0092B-C50C-407E-A947-70E740481C1C}">
+                <a14:useLocalDpi xmlns:a14="http://schemas.microsoft.com/office/drawing/2010/main" val="0"/>
+              </a:ext>
+            </a:extLst>
+          </a:blip>
+          <a:stretch>
+            <a:fillRect/>
+          </a:stretch>
+        </p:blipFill>
+        <p:spPr>
+          <a:xfrm>
+            <a:off x="6553200" y="1763184"/>
             <a:ext cx="2520949" cy="3361266"/>
           </a:xfrm>
           <a:prstGeom prst="rect">
@@ -8482,7 +13584,7 @@
           <a:graphicData uri="http://schemas.openxmlformats.org/presentationml/2006/ole">
             <mc:AlternateContent xmlns:mc="http://schemas.openxmlformats.org/markup-compatibility/2006">
               <mc:Choice xmlns:v="urn:schemas-microsoft-com:vml" Requires="v">
-                <p:oleObj spid="_x0000_s2061" name="Equation" r:id="rId5" imgW="4914720" imgH="2209680" progId="Equation.DSMT4">
+                <p:oleObj spid="_x0000_s2066" name="Equation" r:id="rId5" imgW="4914720" imgH="2209680" progId="Equation.DSMT4">
                   <p:embed/>
                 </p:oleObj>
               </mc:Choice>
@@ -8524,6 +13626,36 @@
           </a:graphicData>
         </a:graphic>
       </p:graphicFrame>
+      <p:sp>
+        <p:nvSpPr>
+          <p:cNvPr id="21" name="TextBox 20"/>
+          <p:cNvSpPr txBox="1"/>
+          <p:nvPr/>
+        </p:nvSpPr>
+        <p:spPr>
+          <a:xfrm>
+            <a:off x="4659748" y="4476750"/>
+            <a:ext cx="613117" cy="369332"/>
+          </a:xfrm>
+          <a:prstGeom prst="rect">
+            <a:avLst/>
+          </a:prstGeom>
+          <a:noFill/>
+        </p:spPr>
+        <p:txBody>
+          <a:bodyPr wrap="none" rtlCol="0">
+            <a:spAutoFit/>
+          </a:bodyPr>
+          <a:lstStyle/>
+          <a:p>
+            <a:r>
+              <a:rPr lang="en-US" dirty="0" smtClean="0"/>
+              <a:t>New</a:t>
+            </a:r>
+            <a:endParaRPr lang="en-US" dirty="0"/>
+          </a:p>
+        </p:txBody>
+      </p:sp>
     </p:spTree>
     <p:extLst>
       <p:ext uri="{BB962C8B-B14F-4D97-AF65-F5344CB8AC3E}">
